--- a/slides/ML2_deck.pptx
+++ b/slides/ML2_deck.pptx
@@ -4126,7 +4126,7 @@
           <a:p>
             <a:r>
               <a:rPr lang="en-US"/>
-              <a:t>Validation</a:t>
+              <a:t>Tuning and validation</a:t>
             </a:r>
             <a:endParaRPr lang="en-PL" dirty="0"/>
           </a:p>
@@ -4153,8 +4153,8 @@
         </p:blipFill>
         <p:spPr>
           <a:xfrm>
-            <a:off x="314126" y="1984230"/>
-            <a:ext cx="8953836" cy="2047875"/>
+            <a:off x="3457957" y="1884277"/>
+            <a:ext cx="8124443" cy="1858181"/>
           </a:xfrm>
           <a:prstGeom prst="rect">
             <a:avLst/>
@@ -4175,8 +4175,8 @@
         </p:nvSpPr>
         <p:spPr>
           <a:xfrm>
-            <a:off x="3254956" y="4229761"/>
-            <a:ext cx="2915368" cy="1039495"/>
+            <a:off x="256457" y="2908444"/>
+            <a:ext cx="2839550" cy="834014"/>
           </a:xfrm>
           <a:prstGeom prst="roundRect">
             <a:avLst/>
@@ -4210,6 +4210,215 @@
           </a:p>
         </p:txBody>
       </p:sp>
+      <p:sp>
+        <p:nvSpPr>
+          <p:cNvPr id="15" name="Rectangle: Rounded Corners 14">
+            <a:extLst>
+              <a:ext uri="{FF2B5EF4-FFF2-40B4-BE49-F238E27FC236}">
+                <a16:creationId xmlns:a16="http://schemas.microsoft.com/office/drawing/2014/main" id="{2EA79D8D-BBC4-EBC8-442D-498BA1A62CF8}"/>
+              </a:ext>
+            </a:extLst>
+          </p:cNvPr>
+          <p:cNvSpPr/>
+          <p:nvPr/>
+        </p:nvSpPr>
+        <p:spPr>
+          <a:xfrm>
+            <a:off x="256456" y="1881650"/>
+            <a:ext cx="2839549" cy="931718"/>
+          </a:xfrm>
+          <a:prstGeom prst="roundRect">
+            <a:avLst/>
+          </a:prstGeom>
+        </p:spPr>
+        <p:style>
+          <a:lnRef idx="2">
+            <a:schemeClr val="accent2">
+              <a:shade val="50000"/>
+            </a:schemeClr>
+          </a:lnRef>
+          <a:fillRef idx="1">
+            <a:schemeClr val="accent2"/>
+          </a:fillRef>
+          <a:effectRef idx="0">
+            <a:schemeClr val="accent2"/>
+          </a:effectRef>
+          <a:fontRef idx="minor">
+            <a:schemeClr val="lt1"/>
+          </a:fontRef>
+        </p:style>
+        <p:txBody>
+          <a:bodyPr rtlCol="0" anchor="ctr"/>
+          <a:lstStyle/>
+          <a:p>
+            <a:pPr algn="ctr"/>
+            <a:r>
+              <a:rPr lang="en-US" b="1"/>
+              <a:t>Validation</a:t>
+            </a:r>
+            <a:endParaRPr lang="en-PL" b="1" dirty="0"/>
+          </a:p>
+        </p:txBody>
+      </p:sp>
+      <p:sp>
+        <p:nvSpPr>
+          <p:cNvPr id="16" name="Rectangle: Rounded Corners 15">
+            <a:extLst>
+              <a:ext uri="{FF2B5EF4-FFF2-40B4-BE49-F238E27FC236}">
+                <a16:creationId xmlns:a16="http://schemas.microsoft.com/office/drawing/2014/main" id="{7488324F-2B3D-EDE0-8970-1606F228409A}"/>
+              </a:ext>
+            </a:extLst>
+          </p:cNvPr>
+          <p:cNvSpPr/>
+          <p:nvPr/>
+        </p:nvSpPr>
+        <p:spPr>
+          <a:xfrm>
+            <a:off x="256457" y="5327794"/>
+            <a:ext cx="2839550" cy="834014"/>
+          </a:xfrm>
+          <a:prstGeom prst="roundRect">
+            <a:avLst/>
+          </a:prstGeom>
+          <a:noFill/>
+        </p:spPr>
+        <p:style>
+          <a:lnRef idx="2">
+            <a:schemeClr val="accent2"/>
+          </a:lnRef>
+          <a:fillRef idx="1">
+            <a:schemeClr val="lt1"/>
+          </a:fillRef>
+          <a:effectRef idx="0">
+            <a:schemeClr val="accent2"/>
+          </a:effectRef>
+          <a:fontRef idx="minor">
+            <a:schemeClr val="dk1"/>
+          </a:fontRef>
+        </p:style>
+        <p:txBody>
+          <a:bodyPr rtlCol="0" anchor="ctr"/>
+          <a:lstStyle/>
+          <a:p>
+            <a:pPr algn="ctr"/>
+            <a:r>
+              <a:rPr lang="en-US" sz="1600"/>
+              <a:t>Bayesian optimization with 50 trials</a:t>
+            </a:r>
+            <a:endParaRPr lang="en-PL" sz="1600" dirty="0"/>
+          </a:p>
+        </p:txBody>
+      </p:sp>
+      <p:sp>
+        <p:nvSpPr>
+          <p:cNvPr id="17" name="Rectangle: Rounded Corners 16">
+            <a:extLst>
+              <a:ext uri="{FF2B5EF4-FFF2-40B4-BE49-F238E27FC236}">
+                <a16:creationId xmlns:a16="http://schemas.microsoft.com/office/drawing/2014/main" id="{010650F6-4457-1BC9-495C-A42FED1D6057}"/>
+              </a:ext>
+            </a:extLst>
+          </p:cNvPr>
+          <p:cNvSpPr/>
+          <p:nvPr/>
+        </p:nvSpPr>
+        <p:spPr>
+          <a:xfrm>
+            <a:off x="256456" y="4301000"/>
+            <a:ext cx="2839549" cy="931718"/>
+          </a:xfrm>
+          <a:prstGeom prst="roundRect">
+            <a:avLst/>
+          </a:prstGeom>
+        </p:spPr>
+        <p:style>
+          <a:lnRef idx="2">
+            <a:schemeClr val="accent2">
+              <a:shade val="50000"/>
+            </a:schemeClr>
+          </a:lnRef>
+          <a:fillRef idx="1">
+            <a:schemeClr val="accent2"/>
+          </a:fillRef>
+          <a:effectRef idx="0">
+            <a:schemeClr val="accent2"/>
+          </a:effectRef>
+          <a:fontRef idx="minor">
+            <a:schemeClr val="lt1"/>
+          </a:fontRef>
+        </p:style>
+        <p:txBody>
+          <a:bodyPr rtlCol="0" anchor="ctr"/>
+          <a:lstStyle/>
+          <a:p>
+            <a:pPr algn="ctr"/>
+            <a:r>
+              <a:rPr lang="en-US" b="1"/>
+              <a:t>Hyperparameter tuning</a:t>
+            </a:r>
+            <a:endParaRPr lang="en-PL" b="1" dirty="0"/>
+          </a:p>
+        </p:txBody>
+      </p:sp>
+      <p:pic>
+        <p:nvPicPr>
+          <p:cNvPr id="19" name="Picture 18">
+            <a:extLst>
+              <a:ext uri="{FF2B5EF4-FFF2-40B4-BE49-F238E27FC236}">
+                <a16:creationId xmlns:a16="http://schemas.microsoft.com/office/drawing/2014/main" id="{93942B54-DD17-A8E4-DF7B-AE1C37E8E183}"/>
+              </a:ext>
+            </a:extLst>
+          </p:cNvPr>
+          <p:cNvPicPr>
+            <a:picLocks noChangeAspect="1"/>
+          </p:cNvPicPr>
+          <p:nvPr/>
+        </p:nvPicPr>
+        <p:blipFill>
+          <a:blip r:embed="rId3"/>
+          <a:stretch>
+            <a:fillRect/>
+          </a:stretch>
+        </p:blipFill>
+        <p:spPr>
+          <a:xfrm>
+            <a:off x="3705415" y="5046806"/>
+            <a:ext cx="7629525" cy="561975"/>
+          </a:xfrm>
+          <a:prstGeom prst="rect">
+            <a:avLst/>
+          </a:prstGeom>
+        </p:spPr>
+      </p:pic>
+      <p:pic>
+        <p:nvPicPr>
+          <p:cNvPr id="21" name="Picture 20">
+            <a:extLst>
+              <a:ext uri="{FF2B5EF4-FFF2-40B4-BE49-F238E27FC236}">
+                <a16:creationId xmlns:a16="http://schemas.microsoft.com/office/drawing/2014/main" id="{5AF0A7EC-0F59-A9F5-ABF7-E33020D74F26}"/>
+              </a:ext>
+            </a:extLst>
+          </p:cNvPr>
+          <p:cNvPicPr>
+            <a:picLocks noChangeAspect="1"/>
+          </p:cNvPicPr>
+          <p:nvPr/>
+        </p:nvPicPr>
+        <p:blipFill>
+          <a:blip r:embed="rId4"/>
+          <a:stretch>
+            <a:fillRect/>
+          </a:stretch>
+        </p:blipFill>
+        <p:spPr>
+          <a:xfrm>
+            <a:off x="3705415" y="5744801"/>
+            <a:ext cx="5514975" cy="552450"/>
+          </a:xfrm>
+          <a:prstGeom prst="rect">
+            <a:avLst/>
+          </a:prstGeom>
+        </p:spPr>
+      </p:pic>
     </p:spTree>
     <p:extLst>
       <p:ext uri="{BB962C8B-B14F-4D97-AF65-F5344CB8AC3E}">
@@ -4284,7 +4493,7 @@
           <p:nvPr>
             <p:extLst>
               <p:ext uri="{D42A27DB-BD31-4B8C-83A1-F6EECF244321}">
-                <p14:modId xmlns:p14="http://schemas.microsoft.com/office/powerpoint/2010/main" val="84521599"/>
+                <p14:modId xmlns:p14="http://schemas.microsoft.com/office/powerpoint/2010/main" val="3374970688"/>
               </p:ext>
             </p:extLst>
           </p:nvPr>
@@ -4774,7 +4983,11 @@
                     <a:bodyPr/>
                     <a:lstStyle/>
                     <a:p>
-                      <a:endParaRPr lang="en-US"/>
+                      <a:pPr algn="ctr"/>
+                      <a:r>
+                        <a:rPr lang="en-US"/>
+                        <a:t>13.4%</a:t>
+                      </a:r>
                     </a:p>
                   </a:txBody>
                   <a:tcPr/>
@@ -4784,7 +4997,11 @@
                     <a:bodyPr/>
                     <a:lstStyle/>
                     <a:p>
-                      <a:endParaRPr lang="en-US"/>
+                      <a:pPr algn="ctr"/>
+                      <a:r>
+                        <a:rPr lang="en-US"/>
+                        <a:t>2,933</a:t>
+                      </a:r>
                     </a:p>
                   </a:txBody>
                   <a:tcPr/>
@@ -4794,7 +5011,11 @@
                     <a:bodyPr/>
                     <a:lstStyle/>
                     <a:p>
-                      <a:endParaRPr lang="en-US"/>
+                      <a:pPr algn="ctr"/>
+                      <a:r>
+                        <a:rPr lang="en-US"/>
+                        <a:t>4,806</a:t>
+                      </a:r>
                     </a:p>
                   </a:txBody>
                   <a:tcPr/>
@@ -4804,7 +5025,11 @@
                     <a:bodyPr/>
                     <a:lstStyle/>
                     <a:p>
-                      <a:endParaRPr lang="en-US"/>
+                      <a:pPr algn="ctr"/>
+                      <a:r>
+                        <a:rPr lang="en-US"/>
+                        <a:t>13.4%</a:t>
+                      </a:r>
                     </a:p>
                   </a:txBody>
                   <a:tcPr/>
@@ -4814,7 +5039,11 @@
                     <a:bodyPr/>
                     <a:lstStyle/>
                     <a:p>
-                      <a:endParaRPr lang="en-US"/>
+                      <a:pPr algn="ctr"/>
+                      <a:r>
+                        <a:rPr lang="en-US"/>
+                        <a:t>2,989</a:t>
+                      </a:r>
                     </a:p>
                   </a:txBody>
                   <a:tcPr/>
@@ -4824,7 +5053,11 @@
                     <a:bodyPr/>
                     <a:lstStyle/>
                     <a:p>
-                      <a:endParaRPr lang="en-US"/>
+                      <a:pPr algn="ctr"/>
+                      <a:r>
+                        <a:rPr lang="en-US"/>
+                        <a:t>5,122</a:t>
+                      </a:r>
                     </a:p>
                   </a:txBody>
                   <a:tcPr/>
@@ -4854,7 +5087,11 @@
                     <a:bodyPr/>
                     <a:lstStyle/>
                     <a:p>
-                      <a:endParaRPr lang="en-US"/>
+                      <a:pPr algn="ctr"/>
+                      <a:r>
+                        <a:rPr lang="en-US"/>
+                        <a:t>7.4%</a:t>
+                      </a:r>
                     </a:p>
                   </a:txBody>
                   <a:tcPr/>
@@ -4864,7 +5101,11 @@
                     <a:bodyPr/>
                     <a:lstStyle/>
                     <a:p>
-                      <a:endParaRPr lang="en-US"/>
+                      <a:pPr algn="ctr"/>
+                      <a:r>
+                        <a:rPr lang="en-US"/>
+                        <a:t>1,543</a:t>
+                      </a:r>
                     </a:p>
                   </a:txBody>
                   <a:tcPr/>
@@ -4874,7 +5115,11 @@
                     <a:bodyPr/>
                     <a:lstStyle/>
                     <a:p>
-                      <a:endParaRPr lang="en-US"/>
+                      <a:pPr algn="ctr"/>
+                      <a:r>
+                        <a:rPr lang="en-US"/>
+                        <a:t>2,394</a:t>
+                      </a:r>
                     </a:p>
                   </a:txBody>
                   <a:tcPr/>
@@ -4884,7 +5129,11 @@
                     <a:bodyPr/>
                     <a:lstStyle/>
                     <a:p>
-                      <a:endParaRPr lang="en-US"/>
+                      <a:pPr algn="ctr"/>
+                      <a:r>
+                        <a:rPr lang="en-US"/>
+                        <a:t>6.8%</a:t>
+                      </a:r>
                     </a:p>
                   </a:txBody>
                   <a:tcPr/>
@@ -4894,7 +5143,11 @@
                     <a:bodyPr/>
                     <a:lstStyle/>
                     <a:p>
-                      <a:endParaRPr lang="en-US"/>
+                      <a:pPr algn="ctr"/>
+                      <a:r>
+                        <a:rPr lang="en-US"/>
+                        <a:t>1,480</a:t>
+                      </a:r>
                     </a:p>
                   </a:txBody>
                   <a:tcPr/>
@@ -4904,7 +5157,11 @@
                     <a:bodyPr/>
                     <a:lstStyle/>
                     <a:p>
-                      <a:endParaRPr lang="en-US"/>
+                      <a:pPr algn="ctr"/>
+                      <a:r>
+                        <a:rPr lang="en-US"/>
+                        <a:t>2,229</a:t>
+                      </a:r>
                     </a:p>
                   </a:txBody>
                   <a:tcPr/>
@@ -4927,67 +5184,140 @@
                       </a:r>
                     </a:p>
                   </a:txBody>
-                  <a:tcPr/>
+                  <a:tcPr>
+                    <a:solidFill>
+                      <a:schemeClr val="accent3">
+                        <a:lumMod val="20000"/>
+                        <a:lumOff val="80000"/>
+                      </a:schemeClr>
+                    </a:solidFill>
+                  </a:tcPr>
                 </a:tc>
                 <a:tc>
                   <a:txBody>
                     <a:bodyPr/>
                     <a:lstStyle/>
                     <a:p>
-                      <a:endParaRPr lang="en-US"/>
+                      <a:pPr algn="ctr"/>
+                      <a:r>
+                        <a:rPr lang="en-US"/>
+                        <a:t>7.0%</a:t>
+                      </a:r>
                     </a:p>
                   </a:txBody>
-                  <a:tcPr/>
+                  <a:tcPr>
+                    <a:solidFill>
+                      <a:schemeClr val="accent3">
+                        <a:lumMod val="20000"/>
+                        <a:lumOff val="80000"/>
+                      </a:schemeClr>
+                    </a:solidFill>
+                  </a:tcPr>
                 </a:tc>
                 <a:tc>
                   <a:txBody>
                     <a:bodyPr/>
                     <a:lstStyle/>
                     <a:p>
-                      <a:endParaRPr lang="en-US"/>
+                      <a:pPr algn="ctr"/>
+                      <a:r>
+                        <a:rPr lang="en-US"/>
+                        <a:t>1,483</a:t>
+                      </a:r>
                     </a:p>
                   </a:txBody>
-                  <a:tcPr/>
+                  <a:tcPr>
+                    <a:solidFill>
+                      <a:schemeClr val="accent3">
+                        <a:lumMod val="20000"/>
+                        <a:lumOff val="80000"/>
+                      </a:schemeClr>
+                    </a:solidFill>
+                  </a:tcPr>
                 </a:tc>
                 <a:tc>
                   <a:txBody>
                     <a:bodyPr/>
                     <a:lstStyle/>
                     <a:p>
-                      <a:endParaRPr lang="en-US"/>
+                      <a:pPr algn="ctr"/>
+                      <a:r>
+                        <a:rPr lang="en-US"/>
+                        <a:t>2,276</a:t>
+                      </a:r>
                     </a:p>
                   </a:txBody>
-                  <a:tcPr/>
+                  <a:tcPr>
+                    <a:solidFill>
+                      <a:schemeClr val="accent3">
+                        <a:lumMod val="20000"/>
+                        <a:lumOff val="80000"/>
+                      </a:schemeClr>
+                    </a:solidFill>
+                  </a:tcPr>
                 </a:tc>
                 <a:tc>
                   <a:txBody>
                     <a:bodyPr/>
                     <a:lstStyle/>
                     <a:p>
-                      <a:endParaRPr lang="en-US"/>
+                      <a:pPr algn="ctr"/>
+                      <a:r>
+                        <a:rPr lang="en-US"/>
+                        <a:t>6.5%</a:t>
+                      </a:r>
                     </a:p>
                   </a:txBody>
-                  <a:tcPr/>
+                  <a:tcPr>
+                    <a:solidFill>
+                      <a:schemeClr val="accent3">
+                        <a:lumMod val="20000"/>
+                        <a:lumOff val="80000"/>
+                      </a:schemeClr>
+                    </a:solidFill>
+                  </a:tcPr>
                 </a:tc>
                 <a:tc>
                   <a:txBody>
                     <a:bodyPr/>
                     <a:lstStyle/>
                     <a:p>
-                      <a:endParaRPr lang="en-US"/>
+                      <a:pPr algn="ctr"/>
+                      <a:r>
+                        <a:rPr lang="en-US"/>
+                        <a:t>1,441</a:t>
+                      </a:r>
                     </a:p>
                   </a:txBody>
-                  <a:tcPr/>
+                  <a:tcPr>
+                    <a:solidFill>
+                      <a:schemeClr val="accent3">
+                        <a:lumMod val="20000"/>
+                        <a:lumOff val="80000"/>
+                      </a:schemeClr>
+                    </a:solidFill>
+                  </a:tcPr>
                 </a:tc>
                 <a:tc>
                   <a:txBody>
                     <a:bodyPr/>
                     <a:lstStyle/>
                     <a:p>
-                      <a:endParaRPr lang="en-US"/>
+                      <a:pPr algn="ctr"/>
+                      <a:r>
+                        <a:rPr lang="en-US"/>
+                        <a:t>2,155</a:t>
+                      </a:r>
                     </a:p>
                   </a:txBody>
-                  <a:tcPr/>
+                  <a:tcPr>
+                    <a:solidFill>
+                      <a:schemeClr val="accent3">
+                        <a:lumMod val="20000"/>
+                        <a:lumOff val="80000"/>
+                      </a:schemeClr>
+                    </a:solidFill>
+                  </a:tcPr>
                 </a:tc>
                 <a:extLst>
                   <a:ext uri="{0D108BD9-81ED-4DB2-BD59-A6C34878D82A}">

--- a/slides/ML2_deck.pptx
+++ b/slides/ML2_deck.pptx
@@ -14,6 +14,8 @@
     <p:sldId id="262" r:id="rId8"/>
     <p:sldId id="263" r:id="rId9"/>
     <p:sldId id="264" r:id="rId10"/>
+    <p:sldId id="265" r:id="rId11"/>
+    <p:sldId id="266" r:id="rId12"/>
   </p:sldIdLst>
   <p:sldSz cx="12192000" cy="6858000"/>
   <p:notesSz cx="6858000" cy="9144000"/>
@@ -1887,6 +1889,1894 @@
 </p:sld>
 </file>
 
+<file path=ppt/slides/slide10.xml><?xml version="1.0" encoding="utf-8"?>
+<p:sld xmlns:a="http://schemas.openxmlformats.org/drawingml/2006/main" xmlns:r="http://schemas.openxmlformats.org/officeDocument/2006/relationships" xmlns:p="http://schemas.openxmlformats.org/presentationml/2006/main">
+  <p:cSld>
+    <p:spTree>
+      <p:nvGrpSpPr>
+        <p:cNvPr id="1" name=""/>
+        <p:cNvGrpSpPr/>
+        <p:nvPr/>
+      </p:nvGrpSpPr>
+      <p:grpSpPr>
+        <a:xfrm>
+          <a:off x="0" y="0"/>
+          <a:ext cx="0" cy="0"/>
+          <a:chOff x="0" y="0"/>
+          <a:chExt cx="0" cy="0"/>
+        </a:xfrm>
+      </p:grpSpPr>
+      <p:sp>
+        <p:nvSpPr>
+          <p:cNvPr id="2" name="Title 1">
+            <a:extLst>
+              <a:ext uri="{FF2B5EF4-FFF2-40B4-BE49-F238E27FC236}">
+                <a16:creationId xmlns:a16="http://schemas.microsoft.com/office/drawing/2014/main" id="{14ED5139-853C-FB34-1B42-0E4C4061390E}"/>
+              </a:ext>
+            </a:extLst>
+          </p:cNvPr>
+          <p:cNvSpPr>
+            <a:spLocks noGrp="1"/>
+          </p:cNvSpPr>
+          <p:nvPr>
+            <p:ph type="title"/>
+          </p:nvPr>
+        </p:nvSpPr>
+        <p:spPr/>
+        <p:txBody>
+          <a:bodyPr/>
+          <a:lstStyle/>
+          <a:p>
+            <a:r>
+              <a:rPr lang="en-US"/>
+              <a:t>Classification task</a:t>
+            </a:r>
+            <a:endParaRPr lang="en-PL" dirty="0"/>
+          </a:p>
+        </p:txBody>
+      </p:sp>
+      <p:sp>
+        <p:nvSpPr>
+          <p:cNvPr id="3" name="Rectangle: Rounded Corners 2">
+            <a:extLst>
+              <a:ext uri="{FF2B5EF4-FFF2-40B4-BE49-F238E27FC236}">
+                <a16:creationId xmlns:a16="http://schemas.microsoft.com/office/drawing/2014/main" id="{3B484175-6C7C-3DDC-8878-0A46313904C6}"/>
+              </a:ext>
+            </a:extLst>
+          </p:cNvPr>
+          <p:cNvSpPr/>
+          <p:nvPr/>
+        </p:nvSpPr>
+        <p:spPr>
+          <a:xfrm>
+            <a:off x="980357" y="4433484"/>
+            <a:ext cx="2104154" cy="931718"/>
+          </a:xfrm>
+          <a:prstGeom prst="roundRect">
+            <a:avLst/>
+          </a:prstGeom>
+        </p:spPr>
+        <p:style>
+          <a:lnRef idx="2">
+            <a:schemeClr val="accent6">
+              <a:shade val="50000"/>
+            </a:schemeClr>
+          </a:lnRef>
+          <a:fillRef idx="1">
+            <a:schemeClr val="accent6"/>
+          </a:fillRef>
+          <a:effectRef idx="0">
+            <a:schemeClr val="accent6"/>
+          </a:effectRef>
+          <a:fontRef idx="minor">
+            <a:schemeClr val="lt1"/>
+          </a:fontRef>
+        </p:style>
+        <p:txBody>
+          <a:bodyPr rtlCol="0" anchor="ctr"/>
+          <a:lstStyle/>
+          <a:p>
+            <a:pPr algn="ctr"/>
+            <a:r>
+              <a:rPr lang="en-US" b="1"/>
+              <a:t>Data source</a:t>
+            </a:r>
+            <a:endParaRPr lang="en-PL" b="1" dirty="0"/>
+          </a:p>
+        </p:txBody>
+      </p:sp>
+      <p:sp>
+        <p:nvSpPr>
+          <p:cNvPr id="5" name="Rectangle: Rounded Corners 4">
+            <a:extLst>
+              <a:ext uri="{FF2B5EF4-FFF2-40B4-BE49-F238E27FC236}">
+                <a16:creationId xmlns:a16="http://schemas.microsoft.com/office/drawing/2014/main" id="{FB00CBE7-86C8-6B75-278D-7AD7F5937382}"/>
+              </a:ext>
+            </a:extLst>
+          </p:cNvPr>
+          <p:cNvSpPr/>
+          <p:nvPr/>
+        </p:nvSpPr>
+        <p:spPr>
+          <a:xfrm>
+            <a:off x="980357" y="2004609"/>
+            <a:ext cx="2104154" cy="931718"/>
+          </a:xfrm>
+          <a:prstGeom prst="roundRect">
+            <a:avLst/>
+          </a:prstGeom>
+        </p:spPr>
+        <p:style>
+          <a:lnRef idx="2">
+            <a:schemeClr val="accent6">
+              <a:shade val="50000"/>
+            </a:schemeClr>
+          </a:lnRef>
+          <a:fillRef idx="1">
+            <a:schemeClr val="accent6"/>
+          </a:fillRef>
+          <a:effectRef idx="0">
+            <a:schemeClr val="accent6"/>
+          </a:effectRef>
+          <a:fontRef idx="minor">
+            <a:schemeClr val="lt1"/>
+          </a:fontRef>
+        </p:style>
+        <p:txBody>
+          <a:bodyPr rtlCol="0" anchor="ctr"/>
+          <a:lstStyle/>
+          <a:p>
+            <a:pPr algn="ctr"/>
+            <a:r>
+              <a:rPr lang="en-US" b="1"/>
+              <a:t>Problem</a:t>
+            </a:r>
+            <a:endParaRPr lang="en-PL" b="1" dirty="0"/>
+          </a:p>
+        </p:txBody>
+      </p:sp>
+      <p:sp>
+        <p:nvSpPr>
+          <p:cNvPr id="7" name="Rectangle: Rounded Corners 6">
+            <a:extLst>
+              <a:ext uri="{FF2B5EF4-FFF2-40B4-BE49-F238E27FC236}">
+                <a16:creationId xmlns:a16="http://schemas.microsoft.com/office/drawing/2014/main" id="{5A7A1A5E-36D9-B7E5-DD6A-E83B59384ABA}"/>
+              </a:ext>
+            </a:extLst>
+          </p:cNvPr>
+          <p:cNvSpPr/>
+          <p:nvPr/>
+        </p:nvSpPr>
+        <p:spPr>
+          <a:xfrm>
+            <a:off x="3409232" y="2004609"/>
+            <a:ext cx="4306018" cy="931718"/>
+          </a:xfrm>
+          <a:prstGeom prst="roundRect">
+            <a:avLst/>
+          </a:prstGeom>
+        </p:spPr>
+        <p:style>
+          <a:lnRef idx="2">
+            <a:schemeClr val="accent6"/>
+          </a:lnRef>
+          <a:fillRef idx="1">
+            <a:schemeClr val="lt1"/>
+          </a:fillRef>
+          <a:effectRef idx="0">
+            <a:schemeClr val="accent6"/>
+          </a:effectRef>
+          <a:fontRef idx="minor">
+            <a:schemeClr val="dk1"/>
+          </a:fontRef>
+        </p:style>
+        <p:txBody>
+          <a:bodyPr rtlCol="0" anchor="ctr"/>
+          <a:lstStyle/>
+          <a:p>
+            <a:pPr algn="ctr"/>
+            <a:r>
+              <a:rPr lang="en-US"/>
+              <a:t>Predict diabetics</a:t>
+            </a:r>
+            <a:endParaRPr lang="en-PL" dirty="0"/>
+          </a:p>
+        </p:txBody>
+      </p:sp>
+      <p:sp>
+        <p:nvSpPr>
+          <p:cNvPr id="8" name="Rectangle: Rounded Corners 7">
+            <a:extLst>
+              <a:ext uri="{FF2B5EF4-FFF2-40B4-BE49-F238E27FC236}">
+                <a16:creationId xmlns:a16="http://schemas.microsoft.com/office/drawing/2014/main" id="{52CD8051-87C1-4C54-7818-DB3E2038F08D}"/>
+              </a:ext>
+            </a:extLst>
+          </p:cNvPr>
+          <p:cNvSpPr/>
+          <p:nvPr/>
+        </p:nvSpPr>
+        <p:spPr>
+          <a:xfrm>
+            <a:off x="980357" y="3280959"/>
+            <a:ext cx="2104154" cy="931718"/>
+          </a:xfrm>
+          <a:prstGeom prst="roundRect">
+            <a:avLst/>
+          </a:prstGeom>
+        </p:spPr>
+        <p:style>
+          <a:lnRef idx="2">
+            <a:schemeClr val="accent6">
+              <a:shade val="50000"/>
+            </a:schemeClr>
+          </a:lnRef>
+          <a:fillRef idx="1">
+            <a:schemeClr val="accent6"/>
+          </a:fillRef>
+          <a:effectRef idx="0">
+            <a:schemeClr val="accent6"/>
+          </a:effectRef>
+          <a:fontRef idx="minor">
+            <a:schemeClr val="lt1"/>
+          </a:fontRef>
+        </p:style>
+        <p:txBody>
+          <a:bodyPr rtlCol="0" anchor="ctr"/>
+          <a:lstStyle/>
+          <a:p>
+            <a:pPr algn="ctr"/>
+            <a:r>
+              <a:rPr lang="en-US" b="1"/>
+              <a:t>Why does it matter?</a:t>
+            </a:r>
+            <a:endParaRPr lang="en-PL" b="1" dirty="0"/>
+          </a:p>
+        </p:txBody>
+      </p:sp>
+      <p:sp>
+        <p:nvSpPr>
+          <p:cNvPr id="9" name="Rectangle: Rounded Corners 8">
+            <a:extLst>
+              <a:ext uri="{FF2B5EF4-FFF2-40B4-BE49-F238E27FC236}">
+                <a16:creationId xmlns:a16="http://schemas.microsoft.com/office/drawing/2014/main" id="{591DEE65-2DD1-ACB6-828E-E109F28DDAD9}"/>
+              </a:ext>
+            </a:extLst>
+          </p:cNvPr>
+          <p:cNvSpPr/>
+          <p:nvPr/>
+        </p:nvSpPr>
+        <p:spPr>
+          <a:xfrm>
+            <a:off x="3409232" y="3280959"/>
+            <a:ext cx="4306018" cy="931718"/>
+          </a:xfrm>
+          <a:prstGeom prst="roundRect">
+            <a:avLst/>
+          </a:prstGeom>
+        </p:spPr>
+        <p:style>
+          <a:lnRef idx="2">
+            <a:schemeClr val="accent6"/>
+          </a:lnRef>
+          <a:fillRef idx="1">
+            <a:schemeClr val="lt1"/>
+          </a:fillRef>
+          <a:effectRef idx="0">
+            <a:schemeClr val="accent6"/>
+          </a:effectRef>
+          <a:fontRef idx="minor">
+            <a:schemeClr val="dk1"/>
+          </a:fontRef>
+        </p:style>
+        <p:txBody>
+          <a:bodyPr rtlCol="0" anchor="ctr"/>
+          <a:lstStyle/>
+          <a:p>
+            <a:pPr marL="285750" indent="-285750">
+              <a:buFont typeface="Arial" panose="020B0604020202020204" pitchFamily="34" charset="0"/>
+              <a:buChar char="•"/>
+            </a:pPr>
+            <a:r>
+              <a:rPr lang="en-US"/>
+              <a:t>Identify individuals at-risk with limited data (survey responses)</a:t>
+            </a:r>
+          </a:p>
+        </p:txBody>
+      </p:sp>
+      <p:sp>
+        <p:nvSpPr>
+          <p:cNvPr id="11" name="Rectangle: Rounded Corners 10">
+            <a:extLst>
+              <a:ext uri="{FF2B5EF4-FFF2-40B4-BE49-F238E27FC236}">
+                <a16:creationId xmlns:a16="http://schemas.microsoft.com/office/drawing/2014/main" id="{281B4081-283F-E578-48C6-DF7251CA6DB0}"/>
+              </a:ext>
+            </a:extLst>
+          </p:cNvPr>
+          <p:cNvSpPr/>
+          <p:nvPr/>
+        </p:nvSpPr>
+        <p:spPr>
+          <a:xfrm>
+            <a:off x="3409232" y="4433484"/>
+            <a:ext cx="4306018" cy="931718"/>
+          </a:xfrm>
+          <a:prstGeom prst="roundRect">
+            <a:avLst/>
+          </a:prstGeom>
+        </p:spPr>
+        <p:style>
+          <a:lnRef idx="2">
+            <a:schemeClr val="accent6"/>
+          </a:lnRef>
+          <a:fillRef idx="1">
+            <a:schemeClr val="lt1"/>
+          </a:fillRef>
+          <a:effectRef idx="0">
+            <a:schemeClr val="accent6"/>
+          </a:effectRef>
+          <a:fontRef idx="minor">
+            <a:schemeClr val="dk1"/>
+          </a:fontRef>
+        </p:style>
+        <p:txBody>
+          <a:bodyPr rtlCol="0" anchor="ctr"/>
+          <a:lstStyle/>
+          <a:p>
+            <a:pPr algn="ctr"/>
+            <a:r>
+              <a:rPr lang="en-US"/>
+              <a:t>Behavioral Risk Factor Surveillance System – national survey ran by CDC</a:t>
+            </a:r>
+            <a:endParaRPr lang="en-PL" dirty="0"/>
+          </a:p>
+        </p:txBody>
+      </p:sp>
+      <p:pic>
+        <p:nvPicPr>
+          <p:cNvPr id="13" name="Picture 12" descr="A picture containing text, clock&#10;&#10;Description automatically generated">
+            <a:extLst>
+              <a:ext uri="{FF2B5EF4-FFF2-40B4-BE49-F238E27FC236}">
+                <a16:creationId xmlns:a16="http://schemas.microsoft.com/office/drawing/2014/main" id="{5B5D2CE0-0410-E86A-039C-84763EBD6BFD}"/>
+              </a:ext>
+            </a:extLst>
+          </p:cNvPr>
+          <p:cNvPicPr>
+            <a:picLocks noChangeAspect="1"/>
+          </p:cNvPicPr>
+          <p:nvPr/>
+        </p:nvPicPr>
+        <p:blipFill>
+          <a:blip r:embed="rId2"/>
+          <a:stretch>
+            <a:fillRect/>
+          </a:stretch>
+        </p:blipFill>
+        <p:spPr>
+          <a:xfrm>
+            <a:off x="8816597" y="2623734"/>
+            <a:ext cx="2184777" cy="2184777"/>
+          </a:xfrm>
+          <a:prstGeom prst="rect">
+            <a:avLst/>
+          </a:prstGeom>
+        </p:spPr>
+      </p:pic>
+    </p:spTree>
+    <p:extLst>
+      <p:ext uri="{BB962C8B-B14F-4D97-AF65-F5344CB8AC3E}">
+        <p14:creationId xmlns:p14="http://schemas.microsoft.com/office/powerpoint/2010/main" val="4135189867"/>
+      </p:ext>
+    </p:extLst>
+  </p:cSld>
+  <p:clrMapOvr>
+    <a:masterClrMapping/>
+  </p:clrMapOvr>
+</p:sld>
+</file>
+
+<file path=ppt/slides/slide11.xml><?xml version="1.0" encoding="utf-8"?>
+<p:sld xmlns:a="http://schemas.openxmlformats.org/drawingml/2006/main" xmlns:r="http://schemas.openxmlformats.org/officeDocument/2006/relationships" xmlns:p="http://schemas.openxmlformats.org/presentationml/2006/main">
+  <p:cSld>
+    <p:spTree>
+      <p:nvGrpSpPr>
+        <p:cNvPr id="1" name=""/>
+        <p:cNvGrpSpPr/>
+        <p:nvPr/>
+      </p:nvGrpSpPr>
+      <p:grpSpPr>
+        <a:xfrm>
+          <a:off x="0" y="0"/>
+          <a:ext cx="0" cy="0"/>
+          <a:chOff x="0" y="0"/>
+          <a:chExt cx="0" cy="0"/>
+        </a:xfrm>
+      </p:grpSpPr>
+      <p:sp>
+        <p:nvSpPr>
+          <p:cNvPr id="2" name="Title 1">
+            <a:extLst>
+              <a:ext uri="{FF2B5EF4-FFF2-40B4-BE49-F238E27FC236}">
+                <a16:creationId xmlns:a16="http://schemas.microsoft.com/office/drawing/2014/main" id="{14ED5139-853C-FB34-1B42-0E4C4061390E}"/>
+              </a:ext>
+            </a:extLst>
+          </p:cNvPr>
+          <p:cNvSpPr>
+            <a:spLocks noGrp="1"/>
+          </p:cNvSpPr>
+          <p:nvPr>
+            <p:ph type="title"/>
+          </p:nvPr>
+        </p:nvSpPr>
+        <p:spPr/>
+        <p:txBody>
+          <a:bodyPr/>
+          <a:lstStyle/>
+          <a:p>
+            <a:r>
+              <a:rPr lang="en-US"/>
+              <a:t>Features available</a:t>
+            </a:r>
+            <a:endParaRPr lang="en-PL" dirty="0"/>
+          </a:p>
+        </p:txBody>
+      </p:sp>
+      <p:sp>
+        <p:nvSpPr>
+          <p:cNvPr id="5" name="Rectangle: Rounded Corners 4">
+            <a:extLst>
+              <a:ext uri="{FF2B5EF4-FFF2-40B4-BE49-F238E27FC236}">
+                <a16:creationId xmlns:a16="http://schemas.microsoft.com/office/drawing/2014/main" id="{6D9EAF93-2F26-3214-6DCB-671FFE39383E}"/>
+              </a:ext>
+            </a:extLst>
+          </p:cNvPr>
+          <p:cNvSpPr/>
+          <p:nvPr/>
+        </p:nvSpPr>
+        <p:spPr>
+          <a:xfrm>
+            <a:off x="993491" y="1992479"/>
+            <a:ext cx="2104154" cy="931718"/>
+          </a:xfrm>
+          <a:prstGeom prst="roundRect">
+            <a:avLst/>
+          </a:prstGeom>
+        </p:spPr>
+        <p:style>
+          <a:lnRef idx="2">
+            <a:schemeClr val="accent6">
+              <a:shade val="50000"/>
+            </a:schemeClr>
+          </a:lnRef>
+          <a:fillRef idx="1">
+            <a:schemeClr val="accent6"/>
+          </a:fillRef>
+          <a:effectRef idx="0">
+            <a:schemeClr val="accent6"/>
+          </a:effectRef>
+          <a:fontRef idx="minor">
+            <a:schemeClr val="lt1"/>
+          </a:fontRef>
+        </p:style>
+        <p:txBody>
+          <a:bodyPr rtlCol="0" anchor="ctr"/>
+          <a:lstStyle/>
+          <a:p>
+            <a:pPr algn="ctr"/>
+            <a:r>
+              <a:rPr lang="en-US"/>
+              <a:t>Target variable</a:t>
+            </a:r>
+            <a:endParaRPr lang="en-PL" dirty="0"/>
+          </a:p>
+        </p:txBody>
+      </p:sp>
+      <p:sp>
+        <p:nvSpPr>
+          <p:cNvPr id="7" name="Rectangle: Rounded Corners 6">
+            <a:extLst>
+              <a:ext uri="{FF2B5EF4-FFF2-40B4-BE49-F238E27FC236}">
+                <a16:creationId xmlns:a16="http://schemas.microsoft.com/office/drawing/2014/main" id="{19EBA6B5-3302-9E1E-2E4C-61C023912D7E}"/>
+              </a:ext>
+            </a:extLst>
+          </p:cNvPr>
+          <p:cNvSpPr/>
+          <p:nvPr/>
+        </p:nvSpPr>
+        <p:spPr>
+          <a:xfrm>
+            <a:off x="980357" y="3109509"/>
+            <a:ext cx="2104154" cy="488314"/>
+          </a:xfrm>
+          <a:prstGeom prst="roundRect">
+            <a:avLst/>
+          </a:prstGeom>
+        </p:spPr>
+        <p:style>
+          <a:lnRef idx="2">
+            <a:schemeClr val="accent6"/>
+          </a:lnRef>
+          <a:fillRef idx="1">
+            <a:schemeClr val="lt1"/>
+          </a:fillRef>
+          <a:effectRef idx="0">
+            <a:schemeClr val="accent6"/>
+          </a:effectRef>
+          <a:fontRef idx="minor">
+            <a:schemeClr val="dk1"/>
+          </a:fontRef>
+        </p:style>
+        <p:txBody>
+          <a:bodyPr rtlCol="0" anchor="ctr"/>
+          <a:lstStyle/>
+          <a:p>
+            <a:pPr algn="ctr"/>
+            <a:r>
+              <a:rPr lang="en-US"/>
+              <a:t>Diabetes present</a:t>
+            </a:r>
+            <a:endParaRPr lang="en-PL" dirty="0"/>
+          </a:p>
+        </p:txBody>
+      </p:sp>
+      <p:sp>
+        <p:nvSpPr>
+          <p:cNvPr id="4" name="Rectangle: Rounded Corners 3">
+            <a:extLst>
+              <a:ext uri="{FF2B5EF4-FFF2-40B4-BE49-F238E27FC236}">
+                <a16:creationId xmlns:a16="http://schemas.microsoft.com/office/drawing/2014/main" id="{41308EC8-F645-087E-1262-DF44AB896A11}"/>
+              </a:ext>
+            </a:extLst>
+          </p:cNvPr>
+          <p:cNvSpPr/>
+          <p:nvPr/>
+        </p:nvSpPr>
+        <p:spPr>
+          <a:xfrm>
+            <a:off x="4422491" y="1992479"/>
+            <a:ext cx="6973018" cy="931718"/>
+          </a:xfrm>
+          <a:prstGeom prst="roundRect">
+            <a:avLst/>
+          </a:prstGeom>
+        </p:spPr>
+        <p:style>
+          <a:lnRef idx="2">
+            <a:schemeClr val="accent6">
+              <a:shade val="50000"/>
+            </a:schemeClr>
+          </a:lnRef>
+          <a:fillRef idx="1">
+            <a:schemeClr val="accent6"/>
+          </a:fillRef>
+          <a:effectRef idx="0">
+            <a:schemeClr val="accent6"/>
+          </a:effectRef>
+          <a:fontRef idx="minor">
+            <a:schemeClr val="lt1"/>
+          </a:fontRef>
+        </p:style>
+        <p:txBody>
+          <a:bodyPr rtlCol="0" anchor="ctr"/>
+          <a:lstStyle/>
+          <a:p>
+            <a:pPr algn="ctr"/>
+            <a:r>
+              <a:rPr lang="en-US"/>
+              <a:t>Explanatory variables</a:t>
+            </a:r>
+            <a:endParaRPr lang="en-PL" dirty="0"/>
+          </a:p>
+        </p:txBody>
+      </p:sp>
+      <p:sp>
+        <p:nvSpPr>
+          <p:cNvPr id="6" name="Rectangle: Rounded Corners 5">
+            <a:extLst>
+              <a:ext uri="{FF2B5EF4-FFF2-40B4-BE49-F238E27FC236}">
+                <a16:creationId xmlns:a16="http://schemas.microsoft.com/office/drawing/2014/main" id="{5F9AA53D-F125-03F5-911F-6A567D9A9E93}"/>
+              </a:ext>
+            </a:extLst>
+          </p:cNvPr>
+          <p:cNvSpPr/>
+          <p:nvPr/>
+        </p:nvSpPr>
+        <p:spPr>
+          <a:xfrm>
+            <a:off x="4409357" y="3109509"/>
+            <a:ext cx="1494554" cy="488314"/>
+          </a:xfrm>
+          <a:prstGeom prst="roundRect">
+            <a:avLst/>
+          </a:prstGeom>
+          <a:solidFill>
+            <a:schemeClr val="accent1">
+              <a:lumMod val="20000"/>
+              <a:lumOff val="80000"/>
+            </a:schemeClr>
+          </a:solidFill>
+        </p:spPr>
+        <p:style>
+          <a:lnRef idx="2">
+            <a:schemeClr val="accent2"/>
+          </a:lnRef>
+          <a:fillRef idx="1">
+            <a:schemeClr val="lt1"/>
+          </a:fillRef>
+          <a:effectRef idx="0">
+            <a:schemeClr val="accent2"/>
+          </a:effectRef>
+          <a:fontRef idx="minor">
+            <a:schemeClr val="dk1"/>
+          </a:fontRef>
+        </p:style>
+        <p:txBody>
+          <a:bodyPr rtlCol="0" anchor="ctr"/>
+          <a:lstStyle/>
+          <a:p>
+            <a:pPr algn="ctr"/>
+            <a:r>
+              <a:rPr lang="en-US" sz="1400"/>
+              <a:t>BMI</a:t>
+            </a:r>
+            <a:endParaRPr lang="en-PL" sz="1400" dirty="0"/>
+          </a:p>
+        </p:txBody>
+      </p:sp>
+      <p:sp>
+        <p:nvSpPr>
+          <p:cNvPr id="10" name="Rectangle: Rounded Corners 9">
+            <a:extLst>
+              <a:ext uri="{FF2B5EF4-FFF2-40B4-BE49-F238E27FC236}">
+                <a16:creationId xmlns:a16="http://schemas.microsoft.com/office/drawing/2014/main" id="{7A70619D-A85D-B303-B536-34592777DD7B}"/>
+              </a:ext>
+            </a:extLst>
+          </p:cNvPr>
+          <p:cNvSpPr/>
+          <p:nvPr/>
+        </p:nvSpPr>
+        <p:spPr>
+          <a:xfrm>
+            <a:off x="6096000" y="3109509"/>
+            <a:ext cx="1494554" cy="488314"/>
+          </a:xfrm>
+          <a:prstGeom prst="roundRect">
+            <a:avLst/>
+          </a:prstGeom>
+          <a:solidFill>
+            <a:schemeClr val="accent1">
+              <a:lumMod val="20000"/>
+              <a:lumOff val="80000"/>
+            </a:schemeClr>
+          </a:solidFill>
+        </p:spPr>
+        <p:style>
+          <a:lnRef idx="2">
+            <a:schemeClr val="accent2"/>
+          </a:lnRef>
+          <a:fillRef idx="1">
+            <a:schemeClr val="lt1"/>
+          </a:fillRef>
+          <a:effectRef idx="0">
+            <a:schemeClr val="accent2"/>
+          </a:effectRef>
+          <a:fontRef idx="minor">
+            <a:schemeClr val="dk1"/>
+          </a:fontRef>
+        </p:style>
+        <p:txBody>
+          <a:bodyPr rtlCol="0" anchor="ctr"/>
+          <a:lstStyle/>
+          <a:p>
+            <a:pPr algn="ctr"/>
+            <a:r>
+              <a:rPr lang="en-US" sz="1400"/>
+              <a:t>Physical activity</a:t>
+            </a:r>
+            <a:endParaRPr lang="en-PL" sz="1400" dirty="0"/>
+          </a:p>
+        </p:txBody>
+      </p:sp>
+      <p:sp>
+        <p:nvSpPr>
+          <p:cNvPr id="12" name="Rectangle: Rounded Corners 11">
+            <a:extLst>
+              <a:ext uri="{FF2B5EF4-FFF2-40B4-BE49-F238E27FC236}">
+                <a16:creationId xmlns:a16="http://schemas.microsoft.com/office/drawing/2014/main" id="{A51D4814-F0F4-6150-9AB1-30F8316532BD}"/>
+              </a:ext>
+            </a:extLst>
+          </p:cNvPr>
+          <p:cNvSpPr/>
+          <p:nvPr/>
+        </p:nvSpPr>
+        <p:spPr>
+          <a:xfrm>
+            <a:off x="7783155" y="3109509"/>
+            <a:ext cx="1494554" cy="488314"/>
+          </a:xfrm>
+          <a:prstGeom prst="roundRect">
+            <a:avLst/>
+          </a:prstGeom>
+          <a:solidFill>
+            <a:schemeClr val="accent1">
+              <a:lumMod val="20000"/>
+              <a:lumOff val="80000"/>
+            </a:schemeClr>
+          </a:solidFill>
+        </p:spPr>
+        <p:style>
+          <a:lnRef idx="2">
+            <a:schemeClr val="accent2"/>
+          </a:lnRef>
+          <a:fillRef idx="1">
+            <a:schemeClr val="lt1"/>
+          </a:fillRef>
+          <a:effectRef idx="0">
+            <a:schemeClr val="accent2"/>
+          </a:effectRef>
+          <a:fontRef idx="minor">
+            <a:schemeClr val="dk1"/>
+          </a:fontRef>
+        </p:style>
+        <p:txBody>
+          <a:bodyPr rtlCol="0" anchor="ctr"/>
+          <a:lstStyle/>
+          <a:p>
+            <a:pPr algn="ctr"/>
+            <a:r>
+              <a:rPr lang="en-US" sz="1400"/>
+              <a:t>Age</a:t>
+            </a:r>
+            <a:endParaRPr lang="en-PL" sz="1400" dirty="0"/>
+          </a:p>
+        </p:txBody>
+      </p:sp>
+      <p:sp>
+        <p:nvSpPr>
+          <p:cNvPr id="13" name="Rectangle: Rounded Corners 12">
+            <a:extLst>
+              <a:ext uri="{FF2B5EF4-FFF2-40B4-BE49-F238E27FC236}">
+                <a16:creationId xmlns:a16="http://schemas.microsoft.com/office/drawing/2014/main" id="{E3F1277F-DBA8-E2E0-3963-F1EA96781F6F}"/>
+              </a:ext>
+            </a:extLst>
+          </p:cNvPr>
+          <p:cNvSpPr/>
+          <p:nvPr/>
+        </p:nvSpPr>
+        <p:spPr>
+          <a:xfrm>
+            <a:off x="4409357" y="3766822"/>
+            <a:ext cx="1494554" cy="488314"/>
+          </a:xfrm>
+          <a:prstGeom prst="roundRect">
+            <a:avLst/>
+          </a:prstGeom>
+          <a:solidFill>
+            <a:schemeClr val="accent1">
+              <a:lumMod val="20000"/>
+              <a:lumOff val="80000"/>
+            </a:schemeClr>
+          </a:solidFill>
+        </p:spPr>
+        <p:style>
+          <a:lnRef idx="2">
+            <a:schemeClr val="accent2"/>
+          </a:lnRef>
+          <a:fillRef idx="1">
+            <a:schemeClr val="lt1"/>
+          </a:fillRef>
+          <a:effectRef idx="0">
+            <a:schemeClr val="accent2"/>
+          </a:effectRef>
+          <a:fontRef idx="minor">
+            <a:schemeClr val="dk1"/>
+          </a:fontRef>
+        </p:style>
+        <p:txBody>
+          <a:bodyPr rtlCol="0" anchor="ctr"/>
+          <a:lstStyle/>
+          <a:p>
+            <a:pPr algn="ctr"/>
+            <a:r>
+              <a:rPr lang="en-US" sz="1400"/>
+              <a:t>Income</a:t>
+            </a:r>
+            <a:endParaRPr lang="en-PL" sz="1400" dirty="0"/>
+          </a:p>
+        </p:txBody>
+      </p:sp>
+      <p:sp>
+        <p:nvSpPr>
+          <p:cNvPr id="14" name="Rectangle: Rounded Corners 13">
+            <a:extLst>
+              <a:ext uri="{FF2B5EF4-FFF2-40B4-BE49-F238E27FC236}">
+                <a16:creationId xmlns:a16="http://schemas.microsoft.com/office/drawing/2014/main" id="{8D938D73-E397-6E53-13F7-6C280B17AAC3}"/>
+              </a:ext>
+            </a:extLst>
+          </p:cNvPr>
+          <p:cNvSpPr/>
+          <p:nvPr/>
+        </p:nvSpPr>
+        <p:spPr>
+          <a:xfrm>
+            <a:off x="6096000" y="3766822"/>
+            <a:ext cx="1494554" cy="488314"/>
+          </a:xfrm>
+          <a:prstGeom prst="roundRect">
+            <a:avLst/>
+          </a:prstGeom>
+          <a:solidFill>
+            <a:schemeClr val="accent4">
+              <a:lumMod val="40000"/>
+              <a:lumOff val="60000"/>
+            </a:schemeClr>
+          </a:solidFill>
+        </p:spPr>
+        <p:style>
+          <a:lnRef idx="2">
+            <a:schemeClr val="accent2"/>
+          </a:lnRef>
+          <a:fillRef idx="1">
+            <a:schemeClr val="lt1"/>
+          </a:fillRef>
+          <a:effectRef idx="0">
+            <a:schemeClr val="accent2"/>
+          </a:effectRef>
+          <a:fontRef idx="minor">
+            <a:schemeClr val="dk1"/>
+          </a:fontRef>
+        </p:style>
+        <p:txBody>
+          <a:bodyPr rtlCol="0" anchor="ctr"/>
+          <a:lstStyle/>
+          <a:p>
+            <a:pPr algn="ctr"/>
+            <a:r>
+              <a:rPr lang="en-US" sz="1400"/>
+              <a:t>High blood pressure</a:t>
+            </a:r>
+            <a:endParaRPr lang="en-PL" sz="1400" dirty="0"/>
+          </a:p>
+        </p:txBody>
+      </p:sp>
+      <p:sp>
+        <p:nvSpPr>
+          <p:cNvPr id="15" name="Rectangle: Rounded Corners 14">
+            <a:extLst>
+              <a:ext uri="{FF2B5EF4-FFF2-40B4-BE49-F238E27FC236}">
+                <a16:creationId xmlns:a16="http://schemas.microsoft.com/office/drawing/2014/main" id="{01909375-368E-D33E-68D7-31AC05656FD6}"/>
+              </a:ext>
+            </a:extLst>
+          </p:cNvPr>
+          <p:cNvSpPr/>
+          <p:nvPr/>
+        </p:nvSpPr>
+        <p:spPr>
+          <a:xfrm>
+            <a:off x="7783155" y="4931132"/>
+            <a:ext cx="1494554" cy="488314"/>
+          </a:xfrm>
+          <a:prstGeom prst="roundRect">
+            <a:avLst/>
+          </a:prstGeom>
+          <a:solidFill>
+            <a:schemeClr val="accent4">
+              <a:lumMod val="40000"/>
+              <a:lumOff val="60000"/>
+            </a:schemeClr>
+          </a:solidFill>
+        </p:spPr>
+        <p:style>
+          <a:lnRef idx="2">
+            <a:schemeClr val="accent2"/>
+          </a:lnRef>
+          <a:fillRef idx="1">
+            <a:schemeClr val="lt1"/>
+          </a:fillRef>
+          <a:effectRef idx="0">
+            <a:schemeClr val="accent2"/>
+          </a:effectRef>
+          <a:fontRef idx="minor">
+            <a:schemeClr val="dk1"/>
+          </a:fontRef>
+        </p:style>
+        <p:txBody>
+          <a:bodyPr rtlCol="0" anchor="ctr"/>
+          <a:lstStyle/>
+          <a:p>
+            <a:pPr algn="ctr"/>
+            <a:r>
+              <a:rPr lang="en-US" sz="1400"/>
+              <a:t>Consumes fruit</a:t>
+            </a:r>
+            <a:endParaRPr lang="en-PL" sz="1400" dirty="0"/>
+          </a:p>
+        </p:txBody>
+      </p:sp>
+      <p:sp>
+        <p:nvSpPr>
+          <p:cNvPr id="16" name="Rectangle: Rounded Corners 15">
+            <a:extLst>
+              <a:ext uri="{FF2B5EF4-FFF2-40B4-BE49-F238E27FC236}">
+                <a16:creationId xmlns:a16="http://schemas.microsoft.com/office/drawing/2014/main" id="{1D9F6567-748A-5E6A-0F24-8F91A4F304EF}"/>
+              </a:ext>
+            </a:extLst>
+          </p:cNvPr>
+          <p:cNvSpPr/>
+          <p:nvPr/>
+        </p:nvSpPr>
+        <p:spPr>
+          <a:xfrm>
+            <a:off x="4409357" y="4921790"/>
+            <a:ext cx="1494554" cy="488314"/>
+          </a:xfrm>
+          <a:prstGeom prst="roundRect">
+            <a:avLst/>
+          </a:prstGeom>
+          <a:solidFill>
+            <a:schemeClr val="accent4">
+              <a:lumMod val="40000"/>
+              <a:lumOff val="60000"/>
+            </a:schemeClr>
+          </a:solidFill>
+        </p:spPr>
+        <p:style>
+          <a:lnRef idx="2">
+            <a:schemeClr val="accent2"/>
+          </a:lnRef>
+          <a:fillRef idx="1">
+            <a:schemeClr val="lt1"/>
+          </a:fillRef>
+          <a:effectRef idx="0">
+            <a:schemeClr val="accent2"/>
+          </a:effectRef>
+          <a:fontRef idx="minor">
+            <a:schemeClr val="dk1"/>
+          </a:fontRef>
+        </p:style>
+        <p:txBody>
+          <a:bodyPr rtlCol="0" anchor="ctr"/>
+          <a:lstStyle/>
+          <a:p>
+            <a:pPr algn="ctr"/>
+            <a:r>
+              <a:rPr lang="en-US" sz="1400"/>
+              <a:t>Heart disease</a:t>
+            </a:r>
+            <a:endParaRPr lang="en-PL" sz="1400" dirty="0"/>
+          </a:p>
+        </p:txBody>
+      </p:sp>
+      <p:sp>
+        <p:nvSpPr>
+          <p:cNvPr id="17" name="Rectangle: Rounded Corners 16">
+            <a:extLst>
+              <a:ext uri="{FF2B5EF4-FFF2-40B4-BE49-F238E27FC236}">
+                <a16:creationId xmlns:a16="http://schemas.microsoft.com/office/drawing/2014/main" id="{AA60730E-E6A6-4348-A658-1F4D956F3904}"/>
+              </a:ext>
+            </a:extLst>
+          </p:cNvPr>
+          <p:cNvSpPr/>
+          <p:nvPr/>
+        </p:nvSpPr>
+        <p:spPr>
+          <a:xfrm>
+            <a:off x="6096000" y="4931132"/>
+            <a:ext cx="1494554" cy="488314"/>
+          </a:xfrm>
+          <a:prstGeom prst="roundRect">
+            <a:avLst/>
+          </a:prstGeom>
+          <a:solidFill>
+            <a:schemeClr val="accent4">
+              <a:lumMod val="40000"/>
+              <a:lumOff val="60000"/>
+            </a:schemeClr>
+          </a:solidFill>
+        </p:spPr>
+        <p:style>
+          <a:lnRef idx="2">
+            <a:schemeClr val="accent2"/>
+          </a:lnRef>
+          <a:fillRef idx="1">
+            <a:schemeClr val="lt1"/>
+          </a:fillRef>
+          <a:effectRef idx="0">
+            <a:schemeClr val="accent2"/>
+          </a:effectRef>
+          <a:fontRef idx="minor">
+            <a:schemeClr val="dk1"/>
+          </a:fontRef>
+        </p:style>
+        <p:txBody>
+          <a:bodyPr rtlCol="0" anchor="ctr"/>
+          <a:lstStyle/>
+          <a:p>
+            <a:pPr algn="ctr"/>
+            <a:r>
+              <a:rPr lang="en-US" sz="1400"/>
+              <a:t>Recent physical activity</a:t>
+            </a:r>
+            <a:endParaRPr lang="en-PL" sz="1400" dirty="0"/>
+          </a:p>
+        </p:txBody>
+      </p:sp>
+      <p:sp>
+        <p:nvSpPr>
+          <p:cNvPr id="18" name="Rectangle: Rounded Corners 17">
+            <a:extLst>
+              <a:ext uri="{FF2B5EF4-FFF2-40B4-BE49-F238E27FC236}">
+                <a16:creationId xmlns:a16="http://schemas.microsoft.com/office/drawing/2014/main" id="{5B645EF5-842D-93E7-5A08-0BD8B729510C}"/>
+              </a:ext>
+            </a:extLst>
+          </p:cNvPr>
+          <p:cNvSpPr/>
+          <p:nvPr/>
+        </p:nvSpPr>
+        <p:spPr>
+          <a:xfrm>
+            <a:off x="479348" y="5419446"/>
+            <a:ext cx="1406602" cy="488314"/>
+          </a:xfrm>
+          <a:prstGeom prst="roundRect">
+            <a:avLst/>
+          </a:prstGeom>
+          <a:solidFill>
+            <a:schemeClr val="accent1">
+              <a:lumMod val="20000"/>
+              <a:lumOff val="80000"/>
+            </a:schemeClr>
+          </a:solidFill>
+          <a:ln>
+            <a:prstDash val="dash"/>
+          </a:ln>
+        </p:spPr>
+        <p:style>
+          <a:lnRef idx="2">
+            <a:schemeClr val="accent2"/>
+          </a:lnRef>
+          <a:fillRef idx="1">
+            <a:schemeClr val="lt1"/>
+          </a:fillRef>
+          <a:effectRef idx="0">
+            <a:schemeClr val="accent2"/>
+          </a:effectRef>
+          <a:fontRef idx="minor">
+            <a:schemeClr val="dk1"/>
+          </a:fontRef>
+        </p:style>
+        <p:txBody>
+          <a:bodyPr rtlCol="0" anchor="ctr"/>
+          <a:lstStyle/>
+          <a:p>
+            <a:pPr algn="ctr"/>
+            <a:r>
+              <a:rPr lang="en-US" sz="1600"/>
+              <a:t>Numeric</a:t>
+            </a:r>
+            <a:endParaRPr lang="en-PL" sz="1600" dirty="0"/>
+          </a:p>
+        </p:txBody>
+      </p:sp>
+      <p:sp>
+        <p:nvSpPr>
+          <p:cNvPr id="19" name="Rectangle: Rounded Corners 18">
+            <a:extLst>
+              <a:ext uri="{FF2B5EF4-FFF2-40B4-BE49-F238E27FC236}">
+                <a16:creationId xmlns:a16="http://schemas.microsoft.com/office/drawing/2014/main" id="{78A6CAA4-846B-3393-7470-CB9FAB5A2CB6}"/>
+              </a:ext>
+            </a:extLst>
+          </p:cNvPr>
+          <p:cNvSpPr/>
+          <p:nvPr/>
+        </p:nvSpPr>
+        <p:spPr>
+          <a:xfrm>
+            <a:off x="479348" y="4858601"/>
+            <a:ext cx="1406602" cy="488314"/>
+          </a:xfrm>
+          <a:prstGeom prst="roundRect">
+            <a:avLst/>
+          </a:prstGeom>
+          <a:solidFill>
+            <a:schemeClr val="accent4">
+              <a:lumMod val="40000"/>
+              <a:lumOff val="60000"/>
+            </a:schemeClr>
+          </a:solidFill>
+          <a:ln>
+            <a:prstDash val="dash"/>
+          </a:ln>
+        </p:spPr>
+        <p:style>
+          <a:lnRef idx="2">
+            <a:schemeClr val="accent2"/>
+          </a:lnRef>
+          <a:fillRef idx="1">
+            <a:schemeClr val="lt1"/>
+          </a:fillRef>
+          <a:effectRef idx="0">
+            <a:schemeClr val="accent2"/>
+          </a:effectRef>
+          <a:fontRef idx="minor">
+            <a:schemeClr val="dk1"/>
+          </a:fontRef>
+        </p:style>
+        <p:txBody>
+          <a:bodyPr rtlCol="0" anchor="ctr"/>
+          <a:lstStyle/>
+          <a:p>
+            <a:pPr algn="ctr"/>
+            <a:r>
+              <a:rPr lang="en-US" sz="1600"/>
+              <a:t>Binary</a:t>
+            </a:r>
+            <a:endParaRPr lang="en-PL" sz="1600" dirty="0"/>
+          </a:p>
+        </p:txBody>
+      </p:sp>
+      <p:sp>
+        <p:nvSpPr>
+          <p:cNvPr id="8" name="Rectangle: Rounded Corners 7">
+            <a:extLst>
+              <a:ext uri="{FF2B5EF4-FFF2-40B4-BE49-F238E27FC236}">
+                <a16:creationId xmlns:a16="http://schemas.microsoft.com/office/drawing/2014/main" id="{BE9A0253-9175-197F-91A6-D5D4BED950D9}"/>
+              </a:ext>
+            </a:extLst>
+          </p:cNvPr>
+          <p:cNvSpPr/>
+          <p:nvPr/>
+        </p:nvSpPr>
+        <p:spPr>
+          <a:xfrm>
+            <a:off x="479348" y="6001601"/>
+            <a:ext cx="1406602" cy="488314"/>
+          </a:xfrm>
+          <a:prstGeom prst="roundRect">
+            <a:avLst/>
+          </a:prstGeom>
+          <a:solidFill>
+            <a:srgbClr val="CCFFCC"/>
+          </a:solidFill>
+          <a:ln>
+            <a:prstDash val="dash"/>
+          </a:ln>
+        </p:spPr>
+        <p:style>
+          <a:lnRef idx="2">
+            <a:schemeClr val="accent2"/>
+          </a:lnRef>
+          <a:fillRef idx="1">
+            <a:schemeClr val="lt1"/>
+          </a:fillRef>
+          <a:effectRef idx="0">
+            <a:schemeClr val="accent2"/>
+          </a:effectRef>
+          <a:fontRef idx="minor">
+            <a:schemeClr val="dk1"/>
+          </a:fontRef>
+        </p:style>
+        <p:txBody>
+          <a:bodyPr rtlCol="0" anchor="ctr"/>
+          <a:lstStyle/>
+          <a:p>
+            <a:pPr algn="ctr"/>
+            <a:r>
+              <a:rPr lang="en-US" sz="1600"/>
+              <a:t>Ordinal</a:t>
+            </a:r>
+            <a:endParaRPr lang="en-PL" sz="1600" dirty="0"/>
+          </a:p>
+        </p:txBody>
+      </p:sp>
+      <p:sp>
+        <p:nvSpPr>
+          <p:cNvPr id="9" name="Rectangle: Rounded Corners 8">
+            <a:extLst>
+              <a:ext uri="{FF2B5EF4-FFF2-40B4-BE49-F238E27FC236}">
+                <a16:creationId xmlns:a16="http://schemas.microsoft.com/office/drawing/2014/main" id="{98171A37-DE27-F7D4-D952-EC2B9C21609F}"/>
+              </a:ext>
+            </a:extLst>
+          </p:cNvPr>
+          <p:cNvSpPr/>
+          <p:nvPr/>
+        </p:nvSpPr>
+        <p:spPr>
+          <a:xfrm>
+            <a:off x="7783155" y="3766822"/>
+            <a:ext cx="1494554" cy="488314"/>
+          </a:xfrm>
+          <a:prstGeom prst="roundRect">
+            <a:avLst/>
+          </a:prstGeom>
+          <a:solidFill>
+            <a:schemeClr val="accent4">
+              <a:lumMod val="40000"/>
+              <a:lumOff val="60000"/>
+            </a:schemeClr>
+          </a:solidFill>
+        </p:spPr>
+        <p:style>
+          <a:lnRef idx="2">
+            <a:schemeClr val="accent2"/>
+          </a:lnRef>
+          <a:fillRef idx="1">
+            <a:schemeClr val="lt1"/>
+          </a:fillRef>
+          <a:effectRef idx="0">
+            <a:schemeClr val="accent2"/>
+          </a:effectRef>
+          <a:fontRef idx="minor">
+            <a:schemeClr val="dk1"/>
+          </a:fontRef>
+        </p:style>
+        <p:txBody>
+          <a:bodyPr rtlCol="0" anchor="ctr"/>
+          <a:lstStyle/>
+          <a:p>
+            <a:pPr algn="ctr"/>
+            <a:r>
+              <a:rPr lang="en-US" sz="1400"/>
+              <a:t>High cholesterol</a:t>
+            </a:r>
+            <a:endParaRPr lang="en-PL" sz="1400" dirty="0"/>
+          </a:p>
+        </p:txBody>
+      </p:sp>
+      <p:sp>
+        <p:nvSpPr>
+          <p:cNvPr id="11" name="Rectangle: Rounded Corners 10">
+            <a:extLst>
+              <a:ext uri="{FF2B5EF4-FFF2-40B4-BE49-F238E27FC236}">
+                <a16:creationId xmlns:a16="http://schemas.microsoft.com/office/drawing/2014/main" id="{3A37E540-677B-A785-28DC-ADD96A79DD06}"/>
+              </a:ext>
+            </a:extLst>
+          </p:cNvPr>
+          <p:cNvSpPr/>
+          <p:nvPr/>
+        </p:nvSpPr>
+        <p:spPr>
+          <a:xfrm>
+            <a:off x="4409357" y="4348977"/>
+            <a:ext cx="1494554" cy="488314"/>
+          </a:xfrm>
+          <a:prstGeom prst="roundRect">
+            <a:avLst/>
+          </a:prstGeom>
+          <a:solidFill>
+            <a:schemeClr val="accent4">
+              <a:lumMod val="40000"/>
+              <a:lumOff val="60000"/>
+            </a:schemeClr>
+          </a:solidFill>
+        </p:spPr>
+        <p:style>
+          <a:lnRef idx="2">
+            <a:schemeClr val="accent2"/>
+          </a:lnRef>
+          <a:fillRef idx="1">
+            <a:schemeClr val="lt1"/>
+          </a:fillRef>
+          <a:effectRef idx="0">
+            <a:schemeClr val="accent2"/>
+          </a:effectRef>
+          <a:fontRef idx="minor">
+            <a:schemeClr val="dk1"/>
+          </a:fontRef>
+        </p:style>
+        <p:txBody>
+          <a:bodyPr rtlCol="0" anchor="ctr"/>
+          <a:lstStyle/>
+          <a:p>
+            <a:pPr algn="ctr"/>
+            <a:r>
+              <a:rPr lang="en-US" sz="1400"/>
+              <a:t>Cholesterol was checked</a:t>
+            </a:r>
+            <a:endParaRPr lang="en-PL" sz="1400" dirty="0"/>
+          </a:p>
+        </p:txBody>
+      </p:sp>
+      <p:sp>
+        <p:nvSpPr>
+          <p:cNvPr id="20" name="Rectangle: Rounded Corners 19">
+            <a:extLst>
+              <a:ext uri="{FF2B5EF4-FFF2-40B4-BE49-F238E27FC236}">
+                <a16:creationId xmlns:a16="http://schemas.microsoft.com/office/drawing/2014/main" id="{C63802A1-9EAE-5A0F-E5FA-F3BB88BBF5FC}"/>
+              </a:ext>
+            </a:extLst>
+          </p:cNvPr>
+          <p:cNvSpPr/>
+          <p:nvPr/>
+        </p:nvSpPr>
+        <p:spPr>
+          <a:xfrm>
+            <a:off x="6096000" y="4348977"/>
+            <a:ext cx="1494554" cy="488314"/>
+          </a:xfrm>
+          <a:prstGeom prst="roundRect">
+            <a:avLst/>
+          </a:prstGeom>
+          <a:solidFill>
+            <a:schemeClr val="accent4">
+              <a:lumMod val="40000"/>
+              <a:lumOff val="60000"/>
+            </a:schemeClr>
+          </a:solidFill>
+        </p:spPr>
+        <p:style>
+          <a:lnRef idx="2">
+            <a:schemeClr val="accent2"/>
+          </a:lnRef>
+          <a:fillRef idx="1">
+            <a:schemeClr val="lt1"/>
+          </a:fillRef>
+          <a:effectRef idx="0">
+            <a:schemeClr val="accent2"/>
+          </a:effectRef>
+          <a:fontRef idx="minor">
+            <a:schemeClr val="dk1"/>
+          </a:fontRef>
+        </p:style>
+        <p:txBody>
+          <a:bodyPr rtlCol="0" anchor="ctr"/>
+          <a:lstStyle/>
+          <a:p>
+            <a:pPr algn="ctr"/>
+            <a:r>
+              <a:rPr lang="en-US" sz="1400"/>
+              <a:t>Smoker</a:t>
+            </a:r>
+            <a:endParaRPr lang="en-PL" sz="1400" dirty="0"/>
+          </a:p>
+        </p:txBody>
+      </p:sp>
+      <p:sp>
+        <p:nvSpPr>
+          <p:cNvPr id="21" name="Rectangle: Rounded Corners 20">
+            <a:extLst>
+              <a:ext uri="{FF2B5EF4-FFF2-40B4-BE49-F238E27FC236}">
+                <a16:creationId xmlns:a16="http://schemas.microsoft.com/office/drawing/2014/main" id="{44C62E95-5B72-E6AE-4CC5-F78BCDDCE9EF}"/>
+              </a:ext>
+            </a:extLst>
+          </p:cNvPr>
+          <p:cNvSpPr/>
+          <p:nvPr/>
+        </p:nvSpPr>
+        <p:spPr>
+          <a:xfrm>
+            <a:off x="7783155" y="4348977"/>
+            <a:ext cx="1494554" cy="488314"/>
+          </a:xfrm>
+          <a:prstGeom prst="roundRect">
+            <a:avLst/>
+          </a:prstGeom>
+          <a:solidFill>
+            <a:schemeClr val="accent4">
+              <a:lumMod val="40000"/>
+              <a:lumOff val="60000"/>
+            </a:schemeClr>
+          </a:solidFill>
+        </p:spPr>
+        <p:style>
+          <a:lnRef idx="2">
+            <a:schemeClr val="accent2"/>
+          </a:lnRef>
+          <a:fillRef idx="1">
+            <a:schemeClr val="lt1"/>
+          </a:fillRef>
+          <a:effectRef idx="0">
+            <a:schemeClr val="accent2"/>
+          </a:effectRef>
+          <a:fontRef idx="minor">
+            <a:schemeClr val="dk1"/>
+          </a:fontRef>
+        </p:style>
+        <p:txBody>
+          <a:bodyPr rtlCol="0" anchor="ctr"/>
+          <a:lstStyle/>
+          <a:p>
+            <a:pPr algn="ctr"/>
+            <a:r>
+              <a:rPr lang="en-US" sz="1400"/>
+              <a:t>Stroke</a:t>
+            </a:r>
+            <a:endParaRPr lang="en-PL" sz="1400" dirty="0"/>
+          </a:p>
+        </p:txBody>
+      </p:sp>
+      <p:sp>
+        <p:nvSpPr>
+          <p:cNvPr id="22" name="Rectangle: Rounded Corners 21">
+            <a:extLst>
+              <a:ext uri="{FF2B5EF4-FFF2-40B4-BE49-F238E27FC236}">
+                <a16:creationId xmlns:a16="http://schemas.microsoft.com/office/drawing/2014/main" id="{AA0CF371-D50F-B3C9-8BFB-454EC235E621}"/>
+              </a:ext>
+            </a:extLst>
+          </p:cNvPr>
+          <p:cNvSpPr/>
+          <p:nvPr/>
+        </p:nvSpPr>
+        <p:spPr>
+          <a:xfrm>
+            <a:off x="4409357" y="5532241"/>
+            <a:ext cx="1494554" cy="488314"/>
+          </a:xfrm>
+          <a:prstGeom prst="roundRect">
+            <a:avLst/>
+          </a:prstGeom>
+          <a:solidFill>
+            <a:schemeClr val="accent4">
+              <a:lumMod val="40000"/>
+              <a:lumOff val="60000"/>
+            </a:schemeClr>
+          </a:solidFill>
+        </p:spPr>
+        <p:style>
+          <a:lnRef idx="2">
+            <a:schemeClr val="accent2"/>
+          </a:lnRef>
+          <a:fillRef idx="1">
+            <a:schemeClr val="lt1"/>
+          </a:fillRef>
+          <a:effectRef idx="0">
+            <a:schemeClr val="accent2"/>
+          </a:effectRef>
+          <a:fontRef idx="minor">
+            <a:schemeClr val="dk1"/>
+          </a:fontRef>
+        </p:style>
+        <p:txBody>
+          <a:bodyPr rtlCol="0" anchor="ctr"/>
+          <a:lstStyle/>
+          <a:p>
+            <a:pPr algn="ctr"/>
+            <a:r>
+              <a:rPr lang="en-US" sz="1400"/>
+              <a:t>Consumes vegetables</a:t>
+            </a:r>
+            <a:endParaRPr lang="en-PL" sz="1400" dirty="0"/>
+          </a:p>
+        </p:txBody>
+      </p:sp>
+      <p:sp>
+        <p:nvSpPr>
+          <p:cNvPr id="23" name="Rectangle: Rounded Corners 22">
+            <a:extLst>
+              <a:ext uri="{FF2B5EF4-FFF2-40B4-BE49-F238E27FC236}">
+                <a16:creationId xmlns:a16="http://schemas.microsoft.com/office/drawing/2014/main" id="{CFF8AC69-B97D-A782-8D7D-319477BE5654}"/>
+              </a:ext>
+            </a:extLst>
+          </p:cNvPr>
+          <p:cNvSpPr/>
+          <p:nvPr/>
+        </p:nvSpPr>
+        <p:spPr>
+          <a:xfrm>
+            <a:off x="6096000" y="5532241"/>
+            <a:ext cx="1494554" cy="488314"/>
+          </a:xfrm>
+          <a:prstGeom prst="roundRect">
+            <a:avLst/>
+          </a:prstGeom>
+          <a:solidFill>
+            <a:schemeClr val="accent4">
+              <a:lumMod val="40000"/>
+              <a:lumOff val="60000"/>
+            </a:schemeClr>
+          </a:solidFill>
+        </p:spPr>
+        <p:style>
+          <a:lnRef idx="2">
+            <a:schemeClr val="accent2"/>
+          </a:lnRef>
+          <a:fillRef idx="1">
+            <a:schemeClr val="lt1"/>
+          </a:fillRef>
+          <a:effectRef idx="0">
+            <a:schemeClr val="accent2"/>
+          </a:effectRef>
+          <a:fontRef idx="minor">
+            <a:schemeClr val="dk1"/>
+          </a:fontRef>
+        </p:style>
+        <p:txBody>
+          <a:bodyPr rtlCol="0" anchor="ctr"/>
+          <a:lstStyle/>
+          <a:p>
+            <a:pPr algn="ctr"/>
+            <a:r>
+              <a:rPr lang="en-US" sz="1400"/>
+              <a:t>Heavy alcohol consumption</a:t>
+            </a:r>
+            <a:endParaRPr lang="en-PL" sz="1400" dirty="0"/>
+          </a:p>
+        </p:txBody>
+      </p:sp>
+      <p:sp>
+        <p:nvSpPr>
+          <p:cNvPr id="24" name="Rectangle: Rounded Corners 23">
+            <a:extLst>
+              <a:ext uri="{FF2B5EF4-FFF2-40B4-BE49-F238E27FC236}">
+                <a16:creationId xmlns:a16="http://schemas.microsoft.com/office/drawing/2014/main" id="{28D8B243-FBE6-A7E5-2A46-1ACDF29B499B}"/>
+              </a:ext>
+            </a:extLst>
+          </p:cNvPr>
+          <p:cNvSpPr/>
+          <p:nvPr/>
+        </p:nvSpPr>
+        <p:spPr>
+          <a:xfrm>
+            <a:off x="7783155" y="5532241"/>
+            <a:ext cx="1494554" cy="488314"/>
+          </a:xfrm>
+          <a:prstGeom prst="roundRect">
+            <a:avLst/>
+          </a:prstGeom>
+          <a:solidFill>
+            <a:schemeClr val="accent4">
+              <a:lumMod val="40000"/>
+              <a:lumOff val="60000"/>
+            </a:schemeClr>
+          </a:solidFill>
+        </p:spPr>
+        <p:style>
+          <a:lnRef idx="2">
+            <a:schemeClr val="accent2"/>
+          </a:lnRef>
+          <a:fillRef idx="1">
+            <a:schemeClr val="lt1"/>
+          </a:fillRef>
+          <a:effectRef idx="0">
+            <a:schemeClr val="accent2"/>
+          </a:effectRef>
+          <a:fontRef idx="minor">
+            <a:schemeClr val="dk1"/>
+          </a:fontRef>
+        </p:style>
+        <p:txBody>
+          <a:bodyPr rtlCol="0" anchor="ctr"/>
+          <a:lstStyle/>
+          <a:p>
+            <a:pPr algn="ctr"/>
+            <a:r>
+              <a:rPr lang="en-US" sz="1400"/>
+              <a:t>Has health coverage</a:t>
+            </a:r>
+            <a:endParaRPr lang="en-PL" sz="1400" dirty="0"/>
+          </a:p>
+        </p:txBody>
+      </p:sp>
+      <p:sp>
+        <p:nvSpPr>
+          <p:cNvPr id="25" name="Rectangle: Rounded Corners 24">
+            <a:extLst>
+              <a:ext uri="{FF2B5EF4-FFF2-40B4-BE49-F238E27FC236}">
+                <a16:creationId xmlns:a16="http://schemas.microsoft.com/office/drawing/2014/main" id="{05ABDDF4-DEC0-208E-37B0-C36B7523A87C}"/>
+              </a:ext>
+            </a:extLst>
+          </p:cNvPr>
+          <p:cNvSpPr/>
+          <p:nvPr/>
+        </p:nvSpPr>
+        <p:spPr>
+          <a:xfrm>
+            <a:off x="9470310" y="4921790"/>
+            <a:ext cx="1494554" cy="488314"/>
+          </a:xfrm>
+          <a:prstGeom prst="roundRect">
+            <a:avLst/>
+          </a:prstGeom>
+          <a:solidFill>
+            <a:schemeClr val="accent4">
+              <a:lumMod val="40000"/>
+              <a:lumOff val="60000"/>
+            </a:schemeClr>
+          </a:solidFill>
+        </p:spPr>
+        <p:style>
+          <a:lnRef idx="2">
+            <a:schemeClr val="accent2"/>
+          </a:lnRef>
+          <a:fillRef idx="1">
+            <a:schemeClr val="lt1"/>
+          </a:fillRef>
+          <a:effectRef idx="0">
+            <a:schemeClr val="accent2"/>
+          </a:effectRef>
+          <a:fontRef idx="minor">
+            <a:schemeClr val="dk1"/>
+          </a:fontRef>
+        </p:style>
+        <p:txBody>
+          <a:bodyPr rtlCol="0" anchor="ctr"/>
+          <a:lstStyle/>
+          <a:p>
+            <a:pPr algn="ctr"/>
+            <a:r>
+              <a:rPr lang="en-US" sz="1200"/>
+              <a:t>Didn’t see doctor because of cost</a:t>
+            </a:r>
+            <a:endParaRPr lang="en-PL" sz="1200" dirty="0"/>
+          </a:p>
+        </p:txBody>
+      </p:sp>
+      <p:sp>
+        <p:nvSpPr>
+          <p:cNvPr id="26" name="Rectangle: Rounded Corners 25">
+            <a:extLst>
+              <a:ext uri="{FF2B5EF4-FFF2-40B4-BE49-F238E27FC236}">
+                <a16:creationId xmlns:a16="http://schemas.microsoft.com/office/drawing/2014/main" id="{FA0C1267-64D8-FFD1-629C-8FB3ABB38C5A}"/>
+              </a:ext>
+            </a:extLst>
+          </p:cNvPr>
+          <p:cNvSpPr/>
+          <p:nvPr/>
+        </p:nvSpPr>
+        <p:spPr>
+          <a:xfrm>
+            <a:off x="4409357" y="6134018"/>
+            <a:ext cx="1494554" cy="488314"/>
+          </a:xfrm>
+          <a:prstGeom prst="roundRect">
+            <a:avLst/>
+          </a:prstGeom>
+          <a:solidFill>
+            <a:srgbClr val="CCFFCC"/>
+          </a:solidFill>
+        </p:spPr>
+        <p:style>
+          <a:lnRef idx="2">
+            <a:schemeClr val="accent2"/>
+          </a:lnRef>
+          <a:fillRef idx="1">
+            <a:schemeClr val="lt1"/>
+          </a:fillRef>
+          <a:effectRef idx="0">
+            <a:schemeClr val="accent2"/>
+          </a:effectRef>
+          <a:fontRef idx="minor">
+            <a:schemeClr val="dk1"/>
+          </a:fontRef>
+        </p:style>
+        <p:txBody>
+          <a:bodyPr rtlCol="0" anchor="ctr"/>
+          <a:lstStyle/>
+          <a:p>
+            <a:pPr algn="ctr"/>
+            <a:r>
+              <a:rPr lang="en-US" sz="1400"/>
+              <a:t>General heatlh</a:t>
+            </a:r>
+            <a:endParaRPr lang="en-PL" sz="1400" dirty="0"/>
+          </a:p>
+        </p:txBody>
+      </p:sp>
+      <p:sp>
+        <p:nvSpPr>
+          <p:cNvPr id="28" name="Rectangle: Rounded Corners 27">
+            <a:extLst>
+              <a:ext uri="{FF2B5EF4-FFF2-40B4-BE49-F238E27FC236}">
+                <a16:creationId xmlns:a16="http://schemas.microsoft.com/office/drawing/2014/main" id="{460A555B-61FC-7D77-CC0D-0D6A63B691B1}"/>
+              </a:ext>
+            </a:extLst>
+          </p:cNvPr>
+          <p:cNvSpPr/>
+          <p:nvPr/>
+        </p:nvSpPr>
+        <p:spPr>
+          <a:xfrm>
+            <a:off x="9470310" y="3109509"/>
+            <a:ext cx="1494554" cy="488314"/>
+          </a:xfrm>
+          <a:prstGeom prst="roundRect">
+            <a:avLst/>
+          </a:prstGeom>
+          <a:solidFill>
+            <a:schemeClr val="accent1">
+              <a:lumMod val="20000"/>
+              <a:lumOff val="80000"/>
+            </a:schemeClr>
+          </a:solidFill>
+        </p:spPr>
+        <p:style>
+          <a:lnRef idx="2">
+            <a:schemeClr val="accent2"/>
+          </a:lnRef>
+          <a:fillRef idx="1">
+            <a:schemeClr val="lt1"/>
+          </a:fillRef>
+          <a:effectRef idx="0">
+            <a:schemeClr val="accent2"/>
+          </a:effectRef>
+          <a:fontRef idx="minor">
+            <a:schemeClr val="dk1"/>
+          </a:fontRef>
+        </p:style>
+        <p:txBody>
+          <a:bodyPr rtlCol="0" anchor="ctr"/>
+          <a:lstStyle/>
+          <a:p>
+            <a:pPr algn="ctr"/>
+            <a:r>
+              <a:rPr lang="en-US" sz="1400"/>
+              <a:t>Days of poor mental health</a:t>
+            </a:r>
+            <a:endParaRPr lang="en-PL" sz="1400" dirty="0"/>
+          </a:p>
+        </p:txBody>
+      </p:sp>
+      <p:sp>
+        <p:nvSpPr>
+          <p:cNvPr id="29" name="Rectangle: Rounded Corners 28">
+            <a:extLst>
+              <a:ext uri="{FF2B5EF4-FFF2-40B4-BE49-F238E27FC236}">
+                <a16:creationId xmlns:a16="http://schemas.microsoft.com/office/drawing/2014/main" id="{9180E9D6-E665-F473-AC8D-E603CFEB388C}"/>
+              </a:ext>
+            </a:extLst>
+          </p:cNvPr>
+          <p:cNvSpPr/>
+          <p:nvPr/>
+        </p:nvSpPr>
+        <p:spPr>
+          <a:xfrm>
+            <a:off x="9470310" y="3766822"/>
+            <a:ext cx="1494554" cy="488314"/>
+          </a:xfrm>
+          <a:prstGeom prst="roundRect">
+            <a:avLst/>
+          </a:prstGeom>
+          <a:solidFill>
+            <a:schemeClr val="accent4">
+              <a:lumMod val="40000"/>
+              <a:lumOff val="60000"/>
+            </a:schemeClr>
+          </a:solidFill>
+        </p:spPr>
+        <p:style>
+          <a:lnRef idx="2">
+            <a:schemeClr val="accent2"/>
+          </a:lnRef>
+          <a:fillRef idx="1">
+            <a:schemeClr val="lt1"/>
+          </a:fillRef>
+          <a:effectRef idx="0">
+            <a:schemeClr val="accent2"/>
+          </a:effectRef>
+          <a:fontRef idx="minor">
+            <a:schemeClr val="dk1"/>
+          </a:fontRef>
+        </p:style>
+        <p:txBody>
+          <a:bodyPr rtlCol="0" anchor="ctr"/>
+          <a:lstStyle/>
+          <a:p>
+            <a:pPr algn="ctr"/>
+            <a:r>
+              <a:rPr lang="en-US" sz="1400"/>
+              <a:t>Difficulty walking</a:t>
+            </a:r>
+            <a:endParaRPr lang="en-PL" sz="1400" dirty="0"/>
+          </a:p>
+        </p:txBody>
+      </p:sp>
+      <p:sp>
+        <p:nvSpPr>
+          <p:cNvPr id="30" name="Rectangle: Rounded Corners 29">
+            <a:extLst>
+              <a:ext uri="{FF2B5EF4-FFF2-40B4-BE49-F238E27FC236}">
+                <a16:creationId xmlns:a16="http://schemas.microsoft.com/office/drawing/2014/main" id="{602AD283-93B3-9A4C-C116-16D2A5A5A63C}"/>
+              </a:ext>
+            </a:extLst>
+          </p:cNvPr>
+          <p:cNvSpPr/>
+          <p:nvPr/>
+        </p:nvSpPr>
+        <p:spPr>
+          <a:xfrm>
+            <a:off x="9470310" y="4348977"/>
+            <a:ext cx="1494554" cy="488314"/>
+          </a:xfrm>
+          <a:prstGeom prst="roundRect">
+            <a:avLst/>
+          </a:prstGeom>
+          <a:solidFill>
+            <a:schemeClr val="accent4">
+              <a:lumMod val="40000"/>
+              <a:lumOff val="60000"/>
+            </a:schemeClr>
+          </a:solidFill>
+        </p:spPr>
+        <p:style>
+          <a:lnRef idx="2">
+            <a:schemeClr val="accent2"/>
+          </a:lnRef>
+          <a:fillRef idx="1">
+            <a:schemeClr val="lt1"/>
+          </a:fillRef>
+          <a:effectRef idx="0">
+            <a:schemeClr val="accent2"/>
+          </a:effectRef>
+          <a:fontRef idx="minor">
+            <a:schemeClr val="dk1"/>
+          </a:fontRef>
+        </p:style>
+        <p:txBody>
+          <a:bodyPr rtlCol="0" anchor="ctr"/>
+          <a:lstStyle/>
+          <a:p>
+            <a:pPr algn="ctr"/>
+            <a:r>
+              <a:rPr lang="en-US" sz="1400"/>
+              <a:t>Is male</a:t>
+            </a:r>
+            <a:endParaRPr lang="en-PL" sz="1400" dirty="0"/>
+          </a:p>
+        </p:txBody>
+      </p:sp>
+      <p:sp>
+        <p:nvSpPr>
+          <p:cNvPr id="31" name="Rectangle: Rounded Corners 30">
+            <a:extLst>
+              <a:ext uri="{FF2B5EF4-FFF2-40B4-BE49-F238E27FC236}">
+                <a16:creationId xmlns:a16="http://schemas.microsoft.com/office/drawing/2014/main" id="{A39F82A1-9857-64B0-2F5D-ACDAEA9EC955}"/>
+              </a:ext>
+            </a:extLst>
+          </p:cNvPr>
+          <p:cNvSpPr/>
+          <p:nvPr/>
+        </p:nvSpPr>
+        <p:spPr>
+          <a:xfrm>
+            <a:off x="9470310" y="5513287"/>
+            <a:ext cx="1494554" cy="488314"/>
+          </a:xfrm>
+          <a:prstGeom prst="roundRect">
+            <a:avLst/>
+          </a:prstGeom>
+          <a:solidFill>
+            <a:srgbClr val="CCFFCC"/>
+          </a:solidFill>
+        </p:spPr>
+        <p:style>
+          <a:lnRef idx="2">
+            <a:schemeClr val="accent2"/>
+          </a:lnRef>
+          <a:fillRef idx="1">
+            <a:schemeClr val="lt1"/>
+          </a:fillRef>
+          <a:effectRef idx="0">
+            <a:schemeClr val="accent2"/>
+          </a:effectRef>
+          <a:fontRef idx="minor">
+            <a:schemeClr val="dk1"/>
+          </a:fontRef>
+        </p:style>
+        <p:txBody>
+          <a:bodyPr rtlCol="0" anchor="ctr"/>
+          <a:lstStyle/>
+          <a:p>
+            <a:pPr algn="ctr"/>
+            <a:r>
+              <a:rPr lang="en-US" sz="1400"/>
+              <a:t>Education</a:t>
+            </a:r>
+            <a:endParaRPr lang="en-PL" sz="1400" dirty="0"/>
+          </a:p>
+        </p:txBody>
+      </p:sp>
+    </p:spTree>
+    <p:extLst>
+      <p:ext uri="{BB962C8B-B14F-4D97-AF65-F5344CB8AC3E}">
+        <p14:creationId xmlns:p14="http://schemas.microsoft.com/office/powerpoint/2010/main" val="2785241311"/>
+      </p:ext>
+    </p:extLst>
+  </p:cSld>
+  <p:clrMapOvr>
+    <a:masterClrMapping/>
+  </p:clrMapOvr>
+</p:sld>
+</file>
+
 <file path=ppt/slides/slide2.xml><?xml version="1.0" encoding="utf-8"?>
 <p:sld xmlns:a="http://schemas.openxmlformats.org/drawingml/2006/main" xmlns:r="http://schemas.openxmlformats.org/officeDocument/2006/relationships" xmlns:p="http://schemas.openxmlformats.org/presentationml/2006/main">
   <p:cSld>
@@ -2126,10 +4016,10 @@
       </p:pic>
       <p:pic>
         <p:nvPicPr>
-          <p:cNvPr id="18" name="Picture 17" descr="Icon&#10;&#10;Description automatically generated">
-            <a:extLst>
-              <a:ext uri="{FF2B5EF4-FFF2-40B4-BE49-F238E27FC236}">
-                <a16:creationId xmlns:a16="http://schemas.microsoft.com/office/drawing/2014/main" id="{9C2A4CC1-9364-302C-2B26-D91A12A8CAA7}"/>
+          <p:cNvPr id="5" name="Picture 4" descr="A picture containing text, clock&#10;&#10;Description automatically generated">
+            <a:extLst>
+              <a:ext uri="{FF2B5EF4-FFF2-40B4-BE49-F238E27FC236}">
+                <a16:creationId xmlns:a16="http://schemas.microsoft.com/office/drawing/2014/main" id="{E7095636-84ED-BF6D-9B58-163A9F553E43}"/>
               </a:ext>
             </a:extLst>
           </p:cNvPr>
@@ -2146,8 +4036,8 @@
         </p:blipFill>
         <p:spPr>
           <a:xfrm>
-            <a:off x="7537010" y="4091646"/>
-            <a:ext cx="1499114" cy="1499114"/>
+            <a:off x="7768848" y="4187765"/>
+            <a:ext cx="1451352" cy="1451352"/>
           </a:xfrm>
           <a:prstGeom prst="rect">
             <a:avLst/>
@@ -2520,6 +4410,36 @@
           </a:p>
         </p:txBody>
       </p:sp>
+      <p:pic>
+        <p:nvPicPr>
+          <p:cNvPr id="6" name="Picture 5" descr="Icon&#10;&#10;Description automatically generated">
+            <a:extLst>
+              <a:ext uri="{FF2B5EF4-FFF2-40B4-BE49-F238E27FC236}">
+                <a16:creationId xmlns:a16="http://schemas.microsoft.com/office/drawing/2014/main" id="{82F3B6EC-0F1C-515D-D2CE-3D94C2C0BE8A}"/>
+              </a:ext>
+            </a:extLst>
+          </p:cNvPr>
+          <p:cNvPicPr>
+            <a:picLocks noChangeAspect="1"/>
+          </p:cNvPicPr>
+          <p:nvPr/>
+        </p:nvPicPr>
+        <p:blipFill>
+          <a:blip r:embed="rId2"/>
+          <a:stretch>
+            <a:fillRect/>
+          </a:stretch>
+        </p:blipFill>
+        <p:spPr>
+          <a:xfrm>
+            <a:off x="8555041" y="2731160"/>
+            <a:ext cx="2255834" cy="2255834"/>
+          </a:xfrm>
+          <a:prstGeom prst="rect">
+            <a:avLst/>
+          </a:prstGeom>
+        </p:spPr>
+      </p:pic>
     </p:spTree>
     <p:extLst>
       <p:ext uri="{BB962C8B-B14F-4D97-AF65-F5344CB8AC3E}">

--- a/slides/ML2_deck.pptx
+++ b/slides/ML2_deck.pptx
@@ -2644,17 +2644,14 @@
         </p:nvSpPr>
         <p:spPr>
           <a:xfrm>
-            <a:off x="4409357" y="3766822"/>
+            <a:off x="4408845" y="6173094"/>
             <a:ext cx="1494554" cy="488314"/>
           </a:xfrm>
           <a:prstGeom prst="roundRect">
             <a:avLst/>
           </a:prstGeom>
           <a:solidFill>
-            <a:schemeClr val="accent1">
-              <a:lumMod val="20000"/>
-              <a:lumOff val="80000"/>
-            </a:schemeClr>
+            <a:srgbClr val="CCFFCC"/>
           </a:solidFill>
         </p:spPr>
         <p:style>
@@ -3406,7 +3403,7 @@
         </p:nvSpPr>
         <p:spPr>
           <a:xfrm>
-            <a:off x="7783155" y="5532241"/>
+            <a:off x="4408845" y="3719960"/>
             <a:ext cx="1494554" cy="488314"/>
           </a:xfrm>
           <a:prstGeom prst="roundRect">
@@ -3514,7 +3511,7 @@
         </p:nvSpPr>
         <p:spPr>
           <a:xfrm>
-            <a:off x="4409357" y="6134018"/>
+            <a:off x="7783155" y="5513287"/>
             <a:ext cx="1494554" cy="488314"/>
           </a:xfrm>
           <a:prstGeom prst="roundRect">
@@ -6301,7 +6298,7 @@
         </p:blipFill>
         <p:spPr>
           <a:xfrm>
-            <a:off x="3705415" y="5046806"/>
+            <a:off x="3714940" y="4765819"/>
             <a:ext cx="7629525" cy="561975"/>
           </a:xfrm>
           <a:prstGeom prst="rect">
@@ -6331,7 +6328,7 @@
         </p:blipFill>
         <p:spPr>
           <a:xfrm>
-            <a:off x="3705415" y="5744801"/>
+            <a:off x="3714940" y="5463814"/>
             <a:ext cx="5514975" cy="552450"/>
           </a:xfrm>
           <a:prstGeom prst="rect">

--- a/slides/ML2_deck.pptx
+++ b/slides/ML2_deck.pptx
@@ -4,6 +4,9 @@
   <p:sldMasterIdLst>
     <p:sldMasterId id="2147483744" r:id="rId1"/>
   </p:sldMasterIdLst>
+  <p:notesMasterIdLst>
+    <p:notesMasterId r:id="rId17"/>
+  </p:notesMasterIdLst>
   <p:sldIdLst>
     <p:sldId id="256" r:id="rId2"/>
     <p:sldId id="257" r:id="rId3"/>
@@ -16,6 +19,10 @@
     <p:sldId id="264" r:id="rId10"/>
     <p:sldId id="265" r:id="rId11"/>
     <p:sldId id="266" r:id="rId12"/>
+    <p:sldId id="267" r:id="rId13"/>
+    <p:sldId id="268" r:id="rId14"/>
+    <p:sldId id="269" r:id="rId15"/>
+    <p:sldId id="270" r:id="rId16"/>
   </p:sldIdLst>
   <p:sldSz cx="12192000" cy="6858000"/>
   <p:notesSz cx="6858000" cy="9144000"/>
@@ -120,6 +127,1888 @@
     </p:ext>
   </p:extLst>
 </p:presentation>
+</file>
+
+<file path=ppt/notesMasters/notesMaster1.xml><?xml version="1.0" encoding="utf-8"?>
+<p:notesMaster xmlns:a="http://schemas.openxmlformats.org/drawingml/2006/main" xmlns:r="http://schemas.openxmlformats.org/officeDocument/2006/relationships" xmlns:p="http://schemas.openxmlformats.org/presentationml/2006/main">
+  <p:cSld>
+    <p:bg>
+      <p:bgRef idx="1001">
+        <a:schemeClr val="bg1"/>
+      </p:bgRef>
+    </p:bg>
+    <p:spTree>
+      <p:nvGrpSpPr>
+        <p:cNvPr id="1" name=""/>
+        <p:cNvGrpSpPr/>
+        <p:nvPr/>
+      </p:nvGrpSpPr>
+      <p:grpSpPr>
+        <a:xfrm>
+          <a:off x="0" y="0"/>
+          <a:ext cx="0" cy="0"/>
+          <a:chOff x="0" y="0"/>
+          <a:chExt cx="0" cy="0"/>
+        </a:xfrm>
+      </p:grpSpPr>
+      <p:sp>
+        <p:nvSpPr>
+          <p:cNvPr id="2" name="Header Placeholder 1"/>
+          <p:cNvSpPr>
+            <a:spLocks noGrp="1"/>
+          </p:cNvSpPr>
+          <p:nvPr>
+            <p:ph type="hdr" sz="quarter"/>
+          </p:nvPr>
+        </p:nvSpPr>
+        <p:spPr>
+          <a:xfrm>
+            <a:off x="0" y="0"/>
+            <a:ext cx="2971800" cy="458788"/>
+          </a:xfrm>
+          <a:prstGeom prst="rect">
+            <a:avLst/>
+          </a:prstGeom>
+        </p:spPr>
+        <p:txBody>
+          <a:bodyPr vert="horz" lIns="91440" tIns="45720" rIns="91440" bIns="45720" rtlCol="0"/>
+          <a:lstStyle>
+            <a:lvl1pPr algn="l">
+              <a:defRPr sz="1200"/>
+            </a:lvl1pPr>
+          </a:lstStyle>
+          <a:p>
+            <a:endParaRPr lang="en-US"/>
+          </a:p>
+        </p:txBody>
+      </p:sp>
+      <p:sp>
+        <p:nvSpPr>
+          <p:cNvPr id="3" name="Date Placeholder 2"/>
+          <p:cNvSpPr>
+            <a:spLocks noGrp="1"/>
+          </p:cNvSpPr>
+          <p:nvPr>
+            <p:ph type="dt" idx="1"/>
+          </p:nvPr>
+        </p:nvSpPr>
+        <p:spPr>
+          <a:xfrm>
+            <a:off x="3884613" y="0"/>
+            <a:ext cx="2971800" cy="458788"/>
+          </a:xfrm>
+          <a:prstGeom prst="rect">
+            <a:avLst/>
+          </a:prstGeom>
+        </p:spPr>
+        <p:txBody>
+          <a:bodyPr vert="horz" lIns="91440" tIns="45720" rIns="91440" bIns="45720" rtlCol="0"/>
+          <a:lstStyle>
+            <a:lvl1pPr algn="r">
+              <a:defRPr sz="1200"/>
+            </a:lvl1pPr>
+          </a:lstStyle>
+          <a:p>
+            <a:fld id="{53892EA4-68C6-4547-8C7D-E0A9CDF3B638}" type="datetimeFigureOut">
+              <a:rPr lang="en-US" smtClean="0"/>
+              <a:t>3/1/2023</a:t>
+            </a:fld>
+            <a:endParaRPr lang="en-US"/>
+          </a:p>
+        </p:txBody>
+      </p:sp>
+      <p:sp>
+        <p:nvSpPr>
+          <p:cNvPr id="4" name="Slide Image Placeholder 3"/>
+          <p:cNvSpPr>
+            <a:spLocks noGrp="1" noRot="1" noChangeAspect="1"/>
+          </p:cNvSpPr>
+          <p:nvPr>
+            <p:ph type="sldImg" idx="2"/>
+          </p:nvPr>
+        </p:nvSpPr>
+        <p:spPr>
+          <a:xfrm>
+            <a:off x="685800" y="1143000"/>
+            <a:ext cx="5486400" cy="3086100"/>
+          </a:xfrm>
+          <a:prstGeom prst="rect">
+            <a:avLst/>
+          </a:prstGeom>
+          <a:noFill/>
+          <a:ln w="12700">
+            <a:solidFill>
+              <a:prstClr val="black"/>
+            </a:solidFill>
+          </a:ln>
+        </p:spPr>
+        <p:txBody>
+          <a:bodyPr vert="horz" lIns="91440" tIns="45720" rIns="91440" bIns="45720" rtlCol="0" anchor="ctr"/>
+          <a:lstStyle/>
+          <a:p>
+            <a:endParaRPr lang="en-US"/>
+          </a:p>
+        </p:txBody>
+      </p:sp>
+      <p:sp>
+        <p:nvSpPr>
+          <p:cNvPr id="5" name="Notes Placeholder 4"/>
+          <p:cNvSpPr>
+            <a:spLocks noGrp="1"/>
+          </p:cNvSpPr>
+          <p:nvPr>
+            <p:ph type="body" sz="quarter" idx="3"/>
+          </p:nvPr>
+        </p:nvSpPr>
+        <p:spPr>
+          <a:xfrm>
+            <a:off x="685800" y="4400550"/>
+            <a:ext cx="5486400" cy="3600450"/>
+          </a:xfrm>
+          <a:prstGeom prst="rect">
+            <a:avLst/>
+          </a:prstGeom>
+        </p:spPr>
+        <p:txBody>
+          <a:bodyPr vert="horz" lIns="91440" tIns="45720" rIns="91440" bIns="45720" rtlCol="0"/>
+          <a:lstStyle/>
+          <a:p>
+            <a:pPr lvl="0"/>
+            <a:r>
+              <a:rPr lang="en-US"/>
+              <a:t>Click to edit Master text styles</a:t>
+            </a:r>
+          </a:p>
+          <a:p>
+            <a:pPr lvl="1"/>
+            <a:r>
+              <a:rPr lang="en-US"/>
+              <a:t>Second level</a:t>
+            </a:r>
+          </a:p>
+          <a:p>
+            <a:pPr lvl="2"/>
+            <a:r>
+              <a:rPr lang="en-US"/>
+              <a:t>Third level</a:t>
+            </a:r>
+          </a:p>
+          <a:p>
+            <a:pPr lvl="3"/>
+            <a:r>
+              <a:rPr lang="en-US"/>
+              <a:t>Fourth level</a:t>
+            </a:r>
+          </a:p>
+          <a:p>
+            <a:pPr lvl="4"/>
+            <a:r>
+              <a:rPr lang="en-US"/>
+              <a:t>Fifth level</a:t>
+            </a:r>
+          </a:p>
+        </p:txBody>
+      </p:sp>
+      <p:sp>
+        <p:nvSpPr>
+          <p:cNvPr id="6" name="Footer Placeholder 5"/>
+          <p:cNvSpPr>
+            <a:spLocks noGrp="1"/>
+          </p:cNvSpPr>
+          <p:nvPr>
+            <p:ph type="ftr" sz="quarter" idx="4"/>
+          </p:nvPr>
+        </p:nvSpPr>
+        <p:spPr>
+          <a:xfrm>
+            <a:off x="0" y="8685213"/>
+            <a:ext cx="2971800" cy="458787"/>
+          </a:xfrm>
+          <a:prstGeom prst="rect">
+            <a:avLst/>
+          </a:prstGeom>
+        </p:spPr>
+        <p:txBody>
+          <a:bodyPr vert="horz" lIns="91440" tIns="45720" rIns="91440" bIns="45720" rtlCol="0" anchor="b"/>
+          <a:lstStyle>
+            <a:lvl1pPr algn="l">
+              <a:defRPr sz="1200"/>
+            </a:lvl1pPr>
+          </a:lstStyle>
+          <a:p>
+            <a:endParaRPr lang="en-US"/>
+          </a:p>
+        </p:txBody>
+      </p:sp>
+      <p:sp>
+        <p:nvSpPr>
+          <p:cNvPr id="7" name="Slide Number Placeholder 6"/>
+          <p:cNvSpPr>
+            <a:spLocks noGrp="1"/>
+          </p:cNvSpPr>
+          <p:nvPr>
+            <p:ph type="sldNum" sz="quarter" idx="5"/>
+          </p:nvPr>
+        </p:nvSpPr>
+        <p:spPr>
+          <a:xfrm>
+            <a:off x="3884613" y="8685213"/>
+            <a:ext cx="2971800" cy="458787"/>
+          </a:xfrm>
+          <a:prstGeom prst="rect">
+            <a:avLst/>
+          </a:prstGeom>
+        </p:spPr>
+        <p:txBody>
+          <a:bodyPr vert="horz" lIns="91440" tIns="45720" rIns="91440" bIns="45720" rtlCol="0" anchor="b"/>
+          <a:lstStyle>
+            <a:lvl1pPr algn="r">
+              <a:defRPr sz="1200"/>
+            </a:lvl1pPr>
+          </a:lstStyle>
+          <a:p>
+            <a:fld id="{43CFD648-CA01-48F1-82F2-0EB99961A41D}" type="slidenum">
+              <a:rPr lang="en-US" smtClean="0"/>
+              <a:t>‹#›</a:t>
+            </a:fld>
+            <a:endParaRPr lang="en-US"/>
+          </a:p>
+        </p:txBody>
+      </p:sp>
+    </p:spTree>
+    <p:extLst>
+      <p:ext uri="{BB962C8B-B14F-4D97-AF65-F5344CB8AC3E}">
+        <p14:creationId xmlns:p14="http://schemas.microsoft.com/office/powerpoint/2010/main" val="1437006940"/>
+      </p:ext>
+    </p:extLst>
+  </p:cSld>
+  <p:clrMap bg1="lt1" tx1="dk1" bg2="lt2" tx2="dk2" accent1="accent1" accent2="accent2" accent3="accent3" accent4="accent4" accent5="accent5" accent6="accent6" hlink="hlink" folHlink="folHlink"/>
+  <p:notesStyle>
+    <a:lvl1pPr marL="0" algn="l" defTabSz="914400" rtl="0" eaLnBrk="1" latinLnBrk="0" hangingPunct="1">
+      <a:defRPr sz="1200" kern="1200">
+        <a:solidFill>
+          <a:schemeClr val="tx1"/>
+        </a:solidFill>
+        <a:latin typeface="+mn-lt"/>
+        <a:ea typeface="+mn-ea"/>
+        <a:cs typeface="+mn-cs"/>
+      </a:defRPr>
+    </a:lvl1pPr>
+    <a:lvl2pPr marL="457200" algn="l" defTabSz="914400" rtl="0" eaLnBrk="1" latinLnBrk="0" hangingPunct="1">
+      <a:defRPr sz="1200" kern="1200">
+        <a:solidFill>
+          <a:schemeClr val="tx1"/>
+        </a:solidFill>
+        <a:latin typeface="+mn-lt"/>
+        <a:ea typeface="+mn-ea"/>
+        <a:cs typeface="+mn-cs"/>
+      </a:defRPr>
+    </a:lvl2pPr>
+    <a:lvl3pPr marL="914400" algn="l" defTabSz="914400" rtl="0" eaLnBrk="1" latinLnBrk="0" hangingPunct="1">
+      <a:defRPr sz="1200" kern="1200">
+        <a:solidFill>
+          <a:schemeClr val="tx1"/>
+        </a:solidFill>
+        <a:latin typeface="+mn-lt"/>
+        <a:ea typeface="+mn-ea"/>
+        <a:cs typeface="+mn-cs"/>
+      </a:defRPr>
+    </a:lvl3pPr>
+    <a:lvl4pPr marL="1371600" algn="l" defTabSz="914400" rtl="0" eaLnBrk="1" latinLnBrk="0" hangingPunct="1">
+      <a:defRPr sz="1200" kern="1200">
+        <a:solidFill>
+          <a:schemeClr val="tx1"/>
+        </a:solidFill>
+        <a:latin typeface="+mn-lt"/>
+        <a:ea typeface="+mn-ea"/>
+        <a:cs typeface="+mn-cs"/>
+      </a:defRPr>
+    </a:lvl4pPr>
+    <a:lvl5pPr marL="1828800" algn="l" defTabSz="914400" rtl="0" eaLnBrk="1" latinLnBrk="0" hangingPunct="1">
+      <a:defRPr sz="1200" kern="1200">
+        <a:solidFill>
+          <a:schemeClr val="tx1"/>
+        </a:solidFill>
+        <a:latin typeface="+mn-lt"/>
+        <a:ea typeface="+mn-ea"/>
+        <a:cs typeface="+mn-cs"/>
+      </a:defRPr>
+    </a:lvl5pPr>
+    <a:lvl6pPr marL="2286000" algn="l" defTabSz="914400" rtl="0" eaLnBrk="1" latinLnBrk="0" hangingPunct="1">
+      <a:defRPr sz="1200" kern="1200">
+        <a:solidFill>
+          <a:schemeClr val="tx1"/>
+        </a:solidFill>
+        <a:latin typeface="+mn-lt"/>
+        <a:ea typeface="+mn-ea"/>
+        <a:cs typeface="+mn-cs"/>
+      </a:defRPr>
+    </a:lvl6pPr>
+    <a:lvl7pPr marL="2743200" algn="l" defTabSz="914400" rtl="0" eaLnBrk="1" latinLnBrk="0" hangingPunct="1">
+      <a:defRPr sz="1200" kern="1200">
+        <a:solidFill>
+          <a:schemeClr val="tx1"/>
+        </a:solidFill>
+        <a:latin typeface="+mn-lt"/>
+        <a:ea typeface="+mn-ea"/>
+        <a:cs typeface="+mn-cs"/>
+      </a:defRPr>
+    </a:lvl7pPr>
+    <a:lvl8pPr marL="3200400" algn="l" defTabSz="914400" rtl="0" eaLnBrk="1" latinLnBrk="0" hangingPunct="1">
+      <a:defRPr sz="1200" kern="1200">
+        <a:solidFill>
+          <a:schemeClr val="tx1"/>
+        </a:solidFill>
+        <a:latin typeface="+mn-lt"/>
+        <a:ea typeface="+mn-ea"/>
+        <a:cs typeface="+mn-cs"/>
+      </a:defRPr>
+    </a:lvl8pPr>
+    <a:lvl9pPr marL="3657600" algn="l" defTabSz="914400" rtl="0" eaLnBrk="1" latinLnBrk="0" hangingPunct="1">
+      <a:defRPr sz="1200" kern="1200">
+        <a:solidFill>
+          <a:schemeClr val="tx1"/>
+        </a:solidFill>
+        <a:latin typeface="+mn-lt"/>
+        <a:ea typeface="+mn-ea"/>
+        <a:cs typeface="+mn-cs"/>
+      </a:defRPr>
+    </a:lvl9pPr>
+  </p:notesStyle>
+</p:notesMaster>
+</file>
+
+<file path=ppt/notesSlides/notesSlide1.xml><?xml version="1.0" encoding="utf-8"?>
+<p:notes xmlns:a="http://schemas.openxmlformats.org/drawingml/2006/main" xmlns:r="http://schemas.openxmlformats.org/officeDocument/2006/relationships" xmlns:p="http://schemas.openxmlformats.org/presentationml/2006/main">
+  <p:cSld>
+    <p:spTree>
+      <p:nvGrpSpPr>
+        <p:cNvPr id="1" name=""/>
+        <p:cNvGrpSpPr/>
+        <p:nvPr/>
+      </p:nvGrpSpPr>
+      <p:grpSpPr>
+        <a:xfrm>
+          <a:off x="0" y="0"/>
+          <a:ext cx="0" cy="0"/>
+          <a:chOff x="0" y="0"/>
+          <a:chExt cx="0" cy="0"/>
+        </a:xfrm>
+      </p:grpSpPr>
+      <p:sp>
+        <p:nvSpPr>
+          <p:cNvPr id="2" name="Slide Image Placeholder 1"/>
+          <p:cNvSpPr>
+            <a:spLocks noGrp="1" noRot="1" noChangeAspect="1"/>
+          </p:cNvSpPr>
+          <p:nvPr>
+            <p:ph type="sldImg"/>
+          </p:nvPr>
+        </p:nvSpPr>
+        <p:spPr/>
+      </p:sp>
+      <p:sp>
+        <p:nvSpPr>
+          <p:cNvPr id="3" name="Notes Placeholder 2"/>
+          <p:cNvSpPr>
+            <a:spLocks noGrp="1"/>
+          </p:cNvSpPr>
+          <p:nvPr>
+            <p:ph type="body" idx="1"/>
+          </p:nvPr>
+        </p:nvSpPr>
+        <p:spPr/>
+        <p:txBody>
+          <a:bodyPr/>
+          <a:lstStyle/>
+          <a:p>
+            <a:pPr marL="171450" indent="-171450">
+              <a:buFont typeface="Arial" panose="020B0604020202020204" pitchFamily="34" charset="0"/>
+              <a:buChar char="•"/>
+            </a:pPr>
+            <a:r>
+              <a:rPr lang="en-US"/>
+              <a:t>we will look at two problems – predicting a used car listing price and predicting whether someone is diabetic</a:t>
+            </a:r>
+          </a:p>
+          <a:p>
+            <a:pPr marL="171450" indent="-171450">
+              <a:buFont typeface="Arial" panose="020B0604020202020204" pitchFamily="34" charset="0"/>
+              <a:buChar char="•"/>
+            </a:pPr>
+            <a:r>
+              <a:rPr lang="en-US"/>
+              <a:t>I must say it was very hard to find a good dataset that was personally interesting to me, but I finally found two</a:t>
+            </a:r>
+          </a:p>
+        </p:txBody>
+      </p:sp>
+      <p:sp>
+        <p:nvSpPr>
+          <p:cNvPr id="4" name="Slide Number Placeholder 3"/>
+          <p:cNvSpPr>
+            <a:spLocks noGrp="1"/>
+          </p:cNvSpPr>
+          <p:nvPr>
+            <p:ph type="sldNum" sz="quarter" idx="5"/>
+          </p:nvPr>
+        </p:nvSpPr>
+        <p:spPr/>
+        <p:txBody>
+          <a:bodyPr/>
+          <a:lstStyle/>
+          <a:p>
+            <a:fld id="{43CFD648-CA01-48F1-82F2-0EB99961A41D}" type="slidenum">
+              <a:rPr lang="en-US" smtClean="0"/>
+              <a:t>2</a:t>
+            </a:fld>
+            <a:endParaRPr lang="en-US"/>
+          </a:p>
+        </p:txBody>
+      </p:sp>
+    </p:spTree>
+    <p:extLst>
+      <p:ext uri="{BB962C8B-B14F-4D97-AF65-F5344CB8AC3E}">
+        <p14:creationId xmlns:p14="http://schemas.microsoft.com/office/powerpoint/2010/main" val="3432870954"/>
+      </p:ext>
+    </p:extLst>
+  </p:cSld>
+  <p:clrMapOvr>
+    <a:masterClrMapping/>
+  </p:clrMapOvr>
+</p:notes>
+</file>
+
+<file path=ppt/notesSlides/notesSlide10.xml><?xml version="1.0" encoding="utf-8"?>
+<p:notes xmlns:a="http://schemas.openxmlformats.org/drawingml/2006/main" xmlns:r="http://schemas.openxmlformats.org/officeDocument/2006/relationships" xmlns:p="http://schemas.openxmlformats.org/presentationml/2006/main">
+  <p:cSld>
+    <p:spTree>
+      <p:nvGrpSpPr>
+        <p:cNvPr id="1" name=""/>
+        <p:cNvGrpSpPr/>
+        <p:nvPr/>
+      </p:nvGrpSpPr>
+      <p:grpSpPr>
+        <a:xfrm>
+          <a:off x="0" y="0"/>
+          <a:ext cx="0" cy="0"/>
+          <a:chOff x="0" y="0"/>
+          <a:chExt cx="0" cy="0"/>
+        </a:xfrm>
+      </p:grpSpPr>
+      <p:sp>
+        <p:nvSpPr>
+          <p:cNvPr id="2" name="Slide Image Placeholder 1"/>
+          <p:cNvSpPr>
+            <a:spLocks noGrp="1" noRot="1" noChangeAspect="1"/>
+          </p:cNvSpPr>
+          <p:nvPr>
+            <p:ph type="sldImg"/>
+          </p:nvPr>
+        </p:nvSpPr>
+        <p:spPr/>
+      </p:sp>
+      <p:sp>
+        <p:nvSpPr>
+          <p:cNvPr id="3" name="Notes Placeholder 2"/>
+          <p:cNvSpPr>
+            <a:spLocks noGrp="1"/>
+          </p:cNvSpPr>
+          <p:nvPr>
+            <p:ph type="body" idx="1"/>
+          </p:nvPr>
+        </p:nvSpPr>
+        <p:spPr/>
+        <p:txBody>
+          <a:bodyPr/>
+          <a:lstStyle/>
+          <a:p>
+            <a:pPr marL="171450" indent="-171450">
+              <a:buFont typeface="Arial" panose="020B0604020202020204" pitchFamily="34" charset="0"/>
+              <a:buChar char="•"/>
+            </a:pPr>
+            <a:r>
+              <a:rPr lang="en-US"/>
+              <a:t>there are quite a few predictors in here, most of them are binary, but we also have some ordinal variables, based on an arbitrary scale, so we can either treat them as numeric or categorical variables</a:t>
+            </a:r>
+          </a:p>
+          <a:p>
+            <a:pPr marL="171450" indent="-171450">
+              <a:buFont typeface="Arial" panose="020B0604020202020204" pitchFamily="34" charset="0"/>
+              <a:buChar char="•"/>
+            </a:pPr>
+            <a:r>
+              <a:rPr lang="en-US"/>
+              <a:t>though of course this would matter only for logistic regression</a:t>
+            </a:r>
+          </a:p>
+        </p:txBody>
+      </p:sp>
+      <p:sp>
+        <p:nvSpPr>
+          <p:cNvPr id="4" name="Slide Number Placeholder 3"/>
+          <p:cNvSpPr>
+            <a:spLocks noGrp="1"/>
+          </p:cNvSpPr>
+          <p:nvPr>
+            <p:ph type="sldNum" sz="quarter" idx="5"/>
+          </p:nvPr>
+        </p:nvSpPr>
+        <p:spPr/>
+        <p:txBody>
+          <a:bodyPr/>
+          <a:lstStyle/>
+          <a:p>
+            <a:fld id="{43CFD648-CA01-48F1-82F2-0EB99961A41D}" type="slidenum">
+              <a:rPr lang="en-US" smtClean="0"/>
+              <a:t>11</a:t>
+            </a:fld>
+            <a:endParaRPr lang="en-US"/>
+          </a:p>
+        </p:txBody>
+      </p:sp>
+    </p:spTree>
+    <p:extLst>
+      <p:ext uri="{BB962C8B-B14F-4D97-AF65-F5344CB8AC3E}">
+        <p14:creationId xmlns:p14="http://schemas.microsoft.com/office/powerpoint/2010/main" val="327357745"/>
+      </p:ext>
+    </p:extLst>
+  </p:cSld>
+  <p:clrMapOvr>
+    <a:masterClrMapping/>
+  </p:clrMapOvr>
+</p:notes>
+</file>
+
+<file path=ppt/notesSlides/notesSlide11.xml><?xml version="1.0" encoding="utf-8"?>
+<p:notes xmlns:a="http://schemas.openxmlformats.org/drawingml/2006/main" xmlns:r="http://schemas.openxmlformats.org/officeDocument/2006/relationships" xmlns:p="http://schemas.openxmlformats.org/presentationml/2006/main">
+  <p:cSld>
+    <p:spTree>
+      <p:nvGrpSpPr>
+        <p:cNvPr id="1" name=""/>
+        <p:cNvGrpSpPr/>
+        <p:nvPr/>
+      </p:nvGrpSpPr>
+      <p:grpSpPr>
+        <a:xfrm>
+          <a:off x="0" y="0"/>
+          <a:ext cx="0" cy="0"/>
+          <a:chOff x="0" y="0"/>
+          <a:chExt cx="0" cy="0"/>
+        </a:xfrm>
+      </p:grpSpPr>
+      <p:sp>
+        <p:nvSpPr>
+          <p:cNvPr id="2" name="Slide Image Placeholder 1"/>
+          <p:cNvSpPr>
+            <a:spLocks noGrp="1" noRot="1" noChangeAspect="1"/>
+          </p:cNvSpPr>
+          <p:nvPr>
+            <p:ph type="sldImg"/>
+          </p:nvPr>
+        </p:nvSpPr>
+        <p:spPr/>
+      </p:sp>
+      <p:sp>
+        <p:nvSpPr>
+          <p:cNvPr id="3" name="Notes Placeholder 2"/>
+          <p:cNvSpPr>
+            <a:spLocks noGrp="1"/>
+          </p:cNvSpPr>
+          <p:nvPr>
+            <p:ph type="body" idx="1"/>
+          </p:nvPr>
+        </p:nvSpPr>
+        <p:spPr/>
+        <p:txBody>
+          <a:bodyPr/>
+          <a:lstStyle/>
+          <a:p>
+            <a:pPr marL="171450" indent="-171450">
+              <a:buFont typeface="Arial" panose="020B0604020202020204" pitchFamily="34" charset="0"/>
+              <a:buChar char="•"/>
+            </a:pPr>
+            <a:r>
+              <a:rPr lang="en-US"/>
+              <a:t>interestingly, we see here that predictors mostly have monotonic association with the target variable</a:t>
+            </a:r>
+          </a:p>
+          <a:p>
+            <a:pPr marL="171450" indent="-171450">
+              <a:buFont typeface="Arial" panose="020B0604020202020204" pitchFamily="34" charset="0"/>
+              <a:buChar char="•"/>
+            </a:pPr>
+            <a:r>
+              <a:rPr lang="en-US"/>
+              <a:t>this is of course not decisive, but based on these charts we can say that logistic regression should do pretty well</a:t>
+            </a:r>
+          </a:p>
+        </p:txBody>
+      </p:sp>
+      <p:sp>
+        <p:nvSpPr>
+          <p:cNvPr id="4" name="Slide Number Placeholder 3"/>
+          <p:cNvSpPr>
+            <a:spLocks noGrp="1"/>
+          </p:cNvSpPr>
+          <p:nvPr>
+            <p:ph type="sldNum" sz="quarter" idx="5"/>
+          </p:nvPr>
+        </p:nvSpPr>
+        <p:spPr/>
+        <p:txBody>
+          <a:bodyPr/>
+          <a:lstStyle/>
+          <a:p>
+            <a:fld id="{43CFD648-CA01-48F1-82F2-0EB99961A41D}" type="slidenum">
+              <a:rPr lang="en-US" smtClean="0"/>
+              <a:t>12</a:t>
+            </a:fld>
+            <a:endParaRPr lang="en-US"/>
+          </a:p>
+        </p:txBody>
+      </p:sp>
+    </p:spTree>
+    <p:extLst>
+      <p:ext uri="{BB962C8B-B14F-4D97-AF65-F5344CB8AC3E}">
+        <p14:creationId xmlns:p14="http://schemas.microsoft.com/office/powerpoint/2010/main" val="2834507185"/>
+      </p:ext>
+    </p:extLst>
+  </p:cSld>
+  <p:clrMapOvr>
+    <a:masterClrMapping/>
+  </p:clrMapOvr>
+</p:notes>
+</file>
+
+<file path=ppt/notesSlides/notesSlide12.xml><?xml version="1.0" encoding="utf-8"?>
+<p:notes xmlns:a="http://schemas.openxmlformats.org/drawingml/2006/main" xmlns:r="http://schemas.openxmlformats.org/officeDocument/2006/relationships" xmlns:p="http://schemas.openxmlformats.org/presentationml/2006/main">
+  <p:cSld>
+    <p:spTree>
+      <p:nvGrpSpPr>
+        <p:cNvPr id="1" name=""/>
+        <p:cNvGrpSpPr/>
+        <p:nvPr/>
+      </p:nvGrpSpPr>
+      <p:grpSpPr>
+        <a:xfrm>
+          <a:off x="0" y="0"/>
+          <a:ext cx="0" cy="0"/>
+          <a:chOff x="0" y="0"/>
+          <a:chExt cx="0" cy="0"/>
+        </a:xfrm>
+      </p:grpSpPr>
+      <p:sp>
+        <p:nvSpPr>
+          <p:cNvPr id="2" name="Slide Image Placeholder 1"/>
+          <p:cNvSpPr>
+            <a:spLocks noGrp="1" noRot="1" noChangeAspect="1"/>
+          </p:cNvSpPr>
+          <p:nvPr>
+            <p:ph type="sldImg"/>
+          </p:nvPr>
+        </p:nvSpPr>
+        <p:spPr/>
+      </p:sp>
+      <p:sp>
+        <p:nvSpPr>
+          <p:cNvPr id="3" name="Notes Placeholder 2"/>
+          <p:cNvSpPr>
+            <a:spLocks noGrp="1"/>
+          </p:cNvSpPr>
+          <p:nvPr>
+            <p:ph type="body" idx="1"/>
+          </p:nvPr>
+        </p:nvSpPr>
+        <p:spPr/>
+        <p:txBody>
+          <a:bodyPr/>
+          <a:lstStyle/>
+          <a:p>
+            <a:pPr marL="171450" indent="-171450">
+              <a:buFont typeface="Arial" panose="020B0604020202020204" pitchFamily="34" charset="0"/>
+              <a:buChar char="•"/>
+            </a:pPr>
+            <a:r>
+              <a:rPr lang="en-US"/>
+              <a:t>to test this, I will use logistic regression as a benchmark and random forest, XGBoost and neural network</a:t>
+            </a:r>
+          </a:p>
+          <a:p>
+            <a:pPr marL="171450" indent="-171450">
+              <a:buFont typeface="Arial" panose="020B0604020202020204" pitchFamily="34" charset="0"/>
+              <a:buChar char="•"/>
+            </a:pPr>
+            <a:r>
+              <a:rPr lang="en-US"/>
+              <a:t>this time I will use area under ROC curve</a:t>
+            </a:r>
+          </a:p>
+          <a:p>
+            <a:pPr marL="171450" indent="-171450">
+              <a:buFont typeface="Arial" panose="020B0604020202020204" pitchFamily="34" charset="0"/>
+              <a:buChar char="•"/>
+            </a:pPr>
+            <a:r>
+              <a:rPr lang="en-US"/>
+              <a:t>as well as F1 score, so the harmonic mean of precision and recall</a:t>
+            </a:r>
+          </a:p>
+        </p:txBody>
+      </p:sp>
+      <p:sp>
+        <p:nvSpPr>
+          <p:cNvPr id="4" name="Slide Number Placeholder 3"/>
+          <p:cNvSpPr>
+            <a:spLocks noGrp="1"/>
+          </p:cNvSpPr>
+          <p:nvPr>
+            <p:ph type="sldNum" sz="quarter" idx="5"/>
+          </p:nvPr>
+        </p:nvSpPr>
+        <p:spPr/>
+        <p:txBody>
+          <a:bodyPr/>
+          <a:lstStyle/>
+          <a:p>
+            <a:fld id="{43CFD648-CA01-48F1-82F2-0EB99961A41D}" type="slidenum">
+              <a:rPr lang="en-US" smtClean="0"/>
+              <a:t>13</a:t>
+            </a:fld>
+            <a:endParaRPr lang="en-US"/>
+          </a:p>
+        </p:txBody>
+      </p:sp>
+    </p:spTree>
+    <p:extLst>
+      <p:ext uri="{BB962C8B-B14F-4D97-AF65-F5344CB8AC3E}">
+        <p14:creationId xmlns:p14="http://schemas.microsoft.com/office/powerpoint/2010/main" val="1964713982"/>
+      </p:ext>
+    </p:extLst>
+  </p:cSld>
+  <p:clrMapOvr>
+    <a:masterClrMapping/>
+  </p:clrMapOvr>
+</p:notes>
+</file>
+
+<file path=ppt/notesSlides/notesSlide13.xml><?xml version="1.0" encoding="utf-8"?>
+<p:notes xmlns:a="http://schemas.openxmlformats.org/drawingml/2006/main" xmlns:r="http://schemas.openxmlformats.org/officeDocument/2006/relationships" xmlns:p="http://schemas.openxmlformats.org/presentationml/2006/main">
+  <p:cSld>
+    <p:spTree>
+      <p:nvGrpSpPr>
+        <p:cNvPr id="1" name=""/>
+        <p:cNvGrpSpPr/>
+        <p:nvPr/>
+      </p:nvGrpSpPr>
+      <p:grpSpPr>
+        <a:xfrm>
+          <a:off x="0" y="0"/>
+          <a:ext cx="0" cy="0"/>
+          <a:chOff x="0" y="0"/>
+          <a:chExt cx="0" cy="0"/>
+        </a:xfrm>
+      </p:grpSpPr>
+      <p:sp>
+        <p:nvSpPr>
+          <p:cNvPr id="2" name="Slide Image Placeholder 1"/>
+          <p:cNvSpPr>
+            <a:spLocks noGrp="1" noRot="1" noChangeAspect="1"/>
+          </p:cNvSpPr>
+          <p:nvPr>
+            <p:ph type="sldImg"/>
+          </p:nvPr>
+        </p:nvSpPr>
+        <p:spPr/>
+      </p:sp>
+      <p:sp>
+        <p:nvSpPr>
+          <p:cNvPr id="3" name="Notes Placeholder 2"/>
+          <p:cNvSpPr>
+            <a:spLocks noGrp="1"/>
+          </p:cNvSpPr>
+          <p:nvPr>
+            <p:ph type="body" idx="1"/>
+          </p:nvPr>
+        </p:nvSpPr>
+        <p:spPr/>
+        <p:txBody>
+          <a:bodyPr/>
+          <a:lstStyle/>
+          <a:p>
+            <a:pPr marL="171450" indent="-171450">
+              <a:buFont typeface="Arial" panose="020B0604020202020204" pitchFamily="34" charset="0"/>
+              <a:buChar char="•"/>
+            </a:pPr>
+            <a:r>
+              <a:rPr lang="en-US"/>
+              <a:t>same approach to tuning and validation, though this time I don’t need to onehotencode, since all the categorical variables are binary</a:t>
+            </a:r>
+          </a:p>
+        </p:txBody>
+      </p:sp>
+      <p:sp>
+        <p:nvSpPr>
+          <p:cNvPr id="4" name="Slide Number Placeholder 3"/>
+          <p:cNvSpPr>
+            <a:spLocks noGrp="1"/>
+          </p:cNvSpPr>
+          <p:nvPr>
+            <p:ph type="sldNum" sz="quarter" idx="5"/>
+          </p:nvPr>
+        </p:nvSpPr>
+        <p:spPr/>
+        <p:txBody>
+          <a:bodyPr/>
+          <a:lstStyle/>
+          <a:p>
+            <a:fld id="{43CFD648-CA01-48F1-82F2-0EB99961A41D}" type="slidenum">
+              <a:rPr lang="en-US" smtClean="0"/>
+              <a:t>14</a:t>
+            </a:fld>
+            <a:endParaRPr lang="en-US"/>
+          </a:p>
+        </p:txBody>
+      </p:sp>
+    </p:spTree>
+    <p:extLst>
+      <p:ext uri="{BB962C8B-B14F-4D97-AF65-F5344CB8AC3E}">
+        <p14:creationId xmlns:p14="http://schemas.microsoft.com/office/powerpoint/2010/main" val="2109423044"/>
+      </p:ext>
+    </p:extLst>
+  </p:cSld>
+  <p:clrMapOvr>
+    <a:masterClrMapping/>
+  </p:clrMapOvr>
+</p:notes>
+</file>
+
+<file path=ppt/notesSlides/notesSlide14.xml><?xml version="1.0" encoding="utf-8"?>
+<p:notes xmlns:a="http://schemas.openxmlformats.org/drawingml/2006/main" xmlns:r="http://schemas.openxmlformats.org/officeDocument/2006/relationships" xmlns:p="http://schemas.openxmlformats.org/presentationml/2006/main">
+  <p:cSld>
+    <p:spTree>
+      <p:nvGrpSpPr>
+        <p:cNvPr id="1" name=""/>
+        <p:cNvGrpSpPr/>
+        <p:nvPr/>
+      </p:nvGrpSpPr>
+      <p:grpSpPr>
+        <a:xfrm>
+          <a:off x="0" y="0"/>
+          <a:ext cx="0" cy="0"/>
+          <a:chOff x="0" y="0"/>
+          <a:chExt cx="0" cy="0"/>
+        </a:xfrm>
+      </p:grpSpPr>
+      <p:sp>
+        <p:nvSpPr>
+          <p:cNvPr id="2" name="Slide Image Placeholder 1"/>
+          <p:cNvSpPr>
+            <a:spLocks noGrp="1" noRot="1" noChangeAspect="1"/>
+          </p:cNvSpPr>
+          <p:nvPr>
+            <p:ph type="sldImg"/>
+          </p:nvPr>
+        </p:nvSpPr>
+        <p:spPr/>
+      </p:sp>
+      <p:sp>
+        <p:nvSpPr>
+          <p:cNvPr id="3" name="Notes Placeholder 2"/>
+          <p:cNvSpPr>
+            <a:spLocks noGrp="1"/>
+          </p:cNvSpPr>
+          <p:nvPr>
+            <p:ph type="body" idx="1"/>
+          </p:nvPr>
+        </p:nvSpPr>
+        <p:spPr/>
+        <p:txBody>
+          <a:bodyPr/>
+          <a:lstStyle/>
+          <a:p>
+            <a:pPr marL="171450" indent="-171450">
+              <a:buFont typeface="Arial" panose="020B0604020202020204" pitchFamily="34" charset="0"/>
+              <a:buChar char="•"/>
+            </a:pPr>
+            <a:r>
+              <a:rPr lang="en-US"/>
+              <a:t>and quite surprisingly, it seems we don’t need any of the fancy methods, since logistic regression is either on par, or even outperforms decision trees</a:t>
+            </a:r>
+          </a:p>
+          <a:p>
+            <a:pPr marL="171450" indent="-171450">
+              <a:buFont typeface="Arial" panose="020B0604020202020204" pitchFamily="34" charset="0"/>
+              <a:buChar char="•"/>
+            </a:pPr>
+            <a:r>
+              <a:rPr lang="en-US"/>
+              <a:t>I was wondering why, and after a bit of digging I found out that, the questions in the survey are not just some random lifestyle questions, but carefully chosen based on diabetes literature</a:t>
+            </a:r>
+          </a:p>
+          <a:p>
+            <a:pPr marL="171450" indent="-171450">
+              <a:buFont typeface="Arial" panose="020B0604020202020204" pitchFamily="34" charset="0"/>
+              <a:buChar char="•"/>
+            </a:pPr>
+            <a:r>
+              <a:rPr lang="en-US"/>
+              <a:t>so this is an interesting learning for me that in those situations where you have a well studied topic with strong expert knowledge on predictros, modern machine learning will not necessarily give you an edge</a:t>
+            </a:r>
+          </a:p>
+        </p:txBody>
+      </p:sp>
+      <p:sp>
+        <p:nvSpPr>
+          <p:cNvPr id="4" name="Slide Number Placeholder 3"/>
+          <p:cNvSpPr>
+            <a:spLocks noGrp="1"/>
+          </p:cNvSpPr>
+          <p:nvPr>
+            <p:ph type="sldNum" sz="quarter" idx="5"/>
+          </p:nvPr>
+        </p:nvSpPr>
+        <p:spPr/>
+        <p:txBody>
+          <a:bodyPr/>
+          <a:lstStyle/>
+          <a:p>
+            <a:fld id="{43CFD648-CA01-48F1-82F2-0EB99961A41D}" type="slidenum">
+              <a:rPr lang="en-US" smtClean="0"/>
+              <a:t>15</a:t>
+            </a:fld>
+            <a:endParaRPr lang="en-US"/>
+          </a:p>
+        </p:txBody>
+      </p:sp>
+    </p:spTree>
+    <p:extLst>
+      <p:ext uri="{BB962C8B-B14F-4D97-AF65-F5344CB8AC3E}">
+        <p14:creationId xmlns:p14="http://schemas.microsoft.com/office/powerpoint/2010/main" val="523659398"/>
+      </p:ext>
+    </p:extLst>
+  </p:cSld>
+  <p:clrMapOvr>
+    <a:masterClrMapping/>
+  </p:clrMapOvr>
+</p:notes>
+</file>
+
+<file path=ppt/notesSlides/notesSlide2.xml><?xml version="1.0" encoding="utf-8"?>
+<p:notes xmlns:a="http://schemas.openxmlformats.org/drawingml/2006/main" xmlns:r="http://schemas.openxmlformats.org/officeDocument/2006/relationships" xmlns:p="http://schemas.openxmlformats.org/presentationml/2006/main">
+  <p:cSld>
+    <p:spTree>
+      <p:nvGrpSpPr>
+        <p:cNvPr id="1" name=""/>
+        <p:cNvGrpSpPr/>
+        <p:nvPr/>
+      </p:nvGrpSpPr>
+      <p:grpSpPr>
+        <a:xfrm>
+          <a:off x="0" y="0"/>
+          <a:ext cx="0" cy="0"/>
+          <a:chOff x="0" y="0"/>
+          <a:chExt cx="0" cy="0"/>
+        </a:xfrm>
+      </p:grpSpPr>
+      <p:sp>
+        <p:nvSpPr>
+          <p:cNvPr id="2" name="Slide Image Placeholder 1"/>
+          <p:cNvSpPr>
+            <a:spLocks noGrp="1" noRot="1" noChangeAspect="1"/>
+          </p:cNvSpPr>
+          <p:nvPr>
+            <p:ph type="sldImg"/>
+          </p:nvPr>
+        </p:nvSpPr>
+        <p:spPr/>
+      </p:sp>
+      <p:sp>
+        <p:nvSpPr>
+          <p:cNvPr id="3" name="Notes Placeholder 2"/>
+          <p:cNvSpPr>
+            <a:spLocks noGrp="1"/>
+          </p:cNvSpPr>
+          <p:nvPr>
+            <p:ph type="body" idx="1"/>
+          </p:nvPr>
+        </p:nvSpPr>
+        <p:spPr/>
+        <p:txBody>
+          <a:bodyPr/>
+          <a:lstStyle/>
+          <a:p>
+            <a:pPr marL="171450" indent="-171450">
+              <a:buFont typeface="Arial" panose="020B0604020202020204" pitchFamily="34" charset="0"/>
+              <a:buChar char="•"/>
+            </a:pPr>
+            <a:r>
+              <a:rPr lang="en-US"/>
+              <a:t>in the first problem, I’m looking at 10,000 UK listings of used cars and trying to predict the price based on the car characteristics</a:t>
+            </a:r>
+          </a:p>
+          <a:p>
+            <a:pPr marL="171450" indent="-171450">
+              <a:buFont typeface="Arial" panose="020B0604020202020204" pitchFamily="34" charset="0"/>
+              <a:buChar char="•"/>
+            </a:pPr>
+            <a:r>
+              <a:rPr lang="en-US"/>
+              <a:t>this is quite interesting to me, because such prediction can be useful to both buyers and sellers, to avoid underpricing or to find a good existing price on the market</a:t>
+            </a:r>
+          </a:p>
+          <a:p>
+            <a:pPr marL="171450" indent="-171450">
+              <a:buFont typeface="Arial" panose="020B0604020202020204" pitchFamily="34" charset="0"/>
+              <a:buChar char="•"/>
+            </a:pPr>
+            <a:r>
+              <a:rPr lang="en-US"/>
+              <a:t>it’s even more interesting for me because some time ago I was looking for a car and was wondering if I would be able to get some prediction going</a:t>
+            </a:r>
+          </a:p>
+          <a:p>
+            <a:pPr marL="171450" indent="-171450">
+              <a:buFont typeface="Arial" panose="020B0604020202020204" pitchFamily="34" charset="0"/>
+              <a:buChar char="•"/>
+            </a:pPr>
+            <a:r>
+              <a:rPr lang="en-US"/>
+              <a:t>we’ll find out</a:t>
+            </a:r>
+          </a:p>
+          <a:p>
+            <a:pPr marL="171450" indent="-171450">
+              <a:buFont typeface="Arial" panose="020B0604020202020204" pitchFamily="34" charset="0"/>
+              <a:buChar char="•"/>
+            </a:pPr>
+            <a:endParaRPr lang="en-US"/>
+          </a:p>
+        </p:txBody>
+      </p:sp>
+      <p:sp>
+        <p:nvSpPr>
+          <p:cNvPr id="4" name="Slide Number Placeholder 3"/>
+          <p:cNvSpPr>
+            <a:spLocks noGrp="1"/>
+          </p:cNvSpPr>
+          <p:nvPr>
+            <p:ph type="sldNum" sz="quarter" idx="5"/>
+          </p:nvPr>
+        </p:nvSpPr>
+        <p:spPr/>
+        <p:txBody>
+          <a:bodyPr/>
+          <a:lstStyle/>
+          <a:p>
+            <a:fld id="{43CFD648-CA01-48F1-82F2-0EB99961A41D}" type="slidenum">
+              <a:rPr lang="en-US" smtClean="0"/>
+              <a:t>3</a:t>
+            </a:fld>
+            <a:endParaRPr lang="en-US"/>
+          </a:p>
+        </p:txBody>
+      </p:sp>
+    </p:spTree>
+    <p:extLst>
+      <p:ext uri="{BB962C8B-B14F-4D97-AF65-F5344CB8AC3E}">
+        <p14:creationId xmlns:p14="http://schemas.microsoft.com/office/powerpoint/2010/main" val="2161267164"/>
+      </p:ext>
+    </p:extLst>
+  </p:cSld>
+  <p:clrMapOvr>
+    <a:masterClrMapping/>
+  </p:clrMapOvr>
+</p:notes>
+</file>
+
+<file path=ppt/notesSlides/notesSlide3.xml><?xml version="1.0" encoding="utf-8"?>
+<p:notes xmlns:a="http://schemas.openxmlformats.org/drawingml/2006/main" xmlns:r="http://schemas.openxmlformats.org/officeDocument/2006/relationships" xmlns:p="http://schemas.openxmlformats.org/presentationml/2006/main">
+  <p:cSld>
+    <p:spTree>
+      <p:nvGrpSpPr>
+        <p:cNvPr id="1" name=""/>
+        <p:cNvGrpSpPr/>
+        <p:nvPr/>
+      </p:nvGrpSpPr>
+      <p:grpSpPr>
+        <a:xfrm>
+          <a:off x="0" y="0"/>
+          <a:ext cx="0" cy="0"/>
+          <a:chOff x="0" y="0"/>
+          <a:chExt cx="0" cy="0"/>
+        </a:xfrm>
+      </p:grpSpPr>
+      <p:sp>
+        <p:nvSpPr>
+          <p:cNvPr id="2" name="Slide Image Placeholder 1"/>
+          <p:cNvSpPr>
+            <a:spLocks noGrp="1" noRot="1" noChangeAspect="1"/>
+          </p:cNvSpPr>
+          <p:nvPr>
+            <p:ph type="sldImg"/>
+          </p:nvPr>
+        </p:nvSpPr>
+        <p:spPr/>
+      </p:sp>
+      <p:sp>
+        <p:nvSpPr>
+          <p:cNvPr id="3" name="Notes Placeholder 2"/>
+          <p:cNvSpPr>
+            <a:spLocks noGrp="1"/>
+          </p:cNvSpPr>
+          <p:nvPr>
+            <p:ph type="body" idx="1"/>
+          </p:nvPr>
+        </p:nvSpPr>
+        <p:spPr/>
+        <p:txBody>
+          <a:bodyPr/>
+          <a:lstStyle/>
+          <a:p>
+            <a:pPr marL="171450" indent="-171450">
+              <a:buFont typeface="Arial" panose="020B0604020202020204" pitchFamily="34" charset="0"/>
+              <a:buChar char="•"/>
+            </a:pPr>
+            <a:r>
+              <a:rPr lang="en-US"/>
+              <a:t>in the dataset we have both numeric and categorical variables, mostly focues on fuel efficiency, age and performance</a:t>
+            </a:r>
+          </a:p>
+        </p:txBody>
+      </p:sp>
+      <p:sp>
+        <p:nvSpPr>
+          <p:cNvPr id="4" name="Slide Number Placeholder 3"/>
+          <p:cNvSpPr>
+            <a:spLocks noGrp="1"/>
+          </p:cNvSpPr>
+          <p:nvPr>
+            <p:ph type="sldNum" sz="quarter" idx="5"/>
+          </p:nvPr>
+        </p:nvSpPr>
+        <p:spPr/>
+        <p:txBody>
+          <a:bodyPr/>
+          <a:lstStyle/>
+          <a:p>
+            <a:fld id="{43CFD648-CA01-48F1-82F2-0EB99961A41D}" type="slidenum">
+              <a:rPr lang="en-US" smtClean="0"/>
+              <a:t>4</a:t>
+            </a:fld>
+            <a:endParaRPr lang="en-US"/>
+          </a:p>
+        </p:txBody>
+      </p:sp>
+    </p:spTree>
+    <p:extLst>
+      <p:ext uri="{BB962C8B-B14F-4D97-AF65-F5344CB8AC3E}">
+        <p14:creationId xmlns:p14="http://schemas.microsoft.com/office/powerpoint/2010/main" val="837935756"/>
+      </p:ext>
+    </p:extLst>
+  </p:cSld>
+  <p:clrMapOvr>
+    <a:masterClrMapping/>
+  </p:clrMapOvr>
+</p:notes>
+</file>
+
+<file path=ppt/notesSlides/notesSlide4.xml><?xml version="1.0" encoding="utf-8"?>
+<p:notes xmlns:a="http://schemas.openxmlformats.org/drawingml/2006/main" xmlns:r="http://schemas.openxmlformats.org/officeDocument/2006/relationships" xmlns:p="http://schemas.openxmlformats.org/presentationml/2006/main">
+  <p:cSld>
+    <p:spTree>
+      <p:nvGrpSpPr>
+        <p:cNvPr id="1" name=""/>
+        <p:cNvGrpSpPr/>
+        <p:nvPr/>
+      </p:nvGrpSpPr>
+      <p:grpSpPr>
+        <a:xfrm>
+          <a:off x="0" y="0"/>
+          <a:ext cx="0" cy="0"/>
+          <a:chOff x="0" y="0"/>
+          <a:chExt cx="0" cy="0"/>
+        </a:xfrm>
+      </p:grpSpPr>
+      <p:sp>
+        <p:nvSpPr>
+          <p:cNvPr id="2" name="Slide Image Placeholder 1"/>
+          <p:cNvSpPr>
+            <a:spLocks noGrp="1" noRot="1" noChangeAspect="1"/>
+          </p:cNvSpPr>
+          <p:nvPr>
+            <p:ph type="sldImg"/>
+          </p:nvPr>
+        </p:nvSpPr>
+        <p:spPr/>
+      </p:sp>
+      <p:sp>
+        <p:nvSpPr>
+          <p:cNvPr id="3" name="Notes Placeholder 2"/>
+          <p:cNvSpPr>
+            <a:spLocks noGrp="1"/>
+          </p:cNvSpPr>
+          <p:nvPr>
+            <p:ph type="body" idx="1"/>
+          </p:nvPr>
+        </p:nvSpPr>
+        <p:spPr/>
+        <p:txBody>
+          <a:bodyPr/>
+          <a:lstStyle/>
+          <a:p>
+            <a:pPr marL="171450" indent="-171450">
+              <a:buFont typeface="Arial" panose="020B0604020202020204" pitchFamily="34" charset="0"/>
+              <a:buChar char="•"/>
+            </a:pPr>
+            <a:r>
+              <a:rPr lang="en-US"/>
+              <a:t>Unsuprisingly: year (of production) is positively correlated with the price- mileage is negatively correlated with the price- engine size is positively correlated with the price</a:t>
+            </a:r>
+          </a:p>
+          <a:p>
+            <a:pPr marL="171450" indent="-171450">
+              <a:buFont typeface="Arial" panose="020B0604020202020204" pitchFamily="34" charset="0"/>
+              <a:buChar char="•"/>
+            </a:pPr>
+            <a:r>
+              <a:rPr lang="en-US"/>
+              <a:t>All of these display low to mdeium level of non-linearity around extreme values, so because I will use linear regression as a benchmark, it will definitely reduce the precision</a:t>
+            </a:r>
+          </a:p>
+        </p:txBody>
+      </p:sp>
+      <p:sp>
+        <p:nvSpPr>
+          <p:cNvPr id="4" name="Slide Number Placeholder 3"/>
+          <p:cNvSpPr>
+            <a:spLocks noGrp="1"/>
+          </p:cNvSpPr>
+          <p:nvPr>
+            <p:ph type="sldNum" sz="quarter" idx="5"/>
+          </p:nvPr>
+        </p:nvSpPr>
+        <p:spPr/>
+        <p:txBody>
+          <a:bodyPr/>
+          <a:lstStyle/>
+          <a:p>
+            <a:fld id="{43CFD648-CA01-48F1-82F2-0EB99961A41D}" type="slidenum">
+              <a:rPr lang="en-US" smtClean="0"/>
+              <a:t>5</a:t>
+            </a:fld>
+            <a:endParaRPr lang="en-US"/>
+          </a:p>
+        </p:txBody>
+      </p:sp>
+    </p:spTree>
+    <p:extLst>
+      <p:ext uri="{BB962C8B-B14F-4D97-AF65-F5344CB8AC3E}">
+        <p14:creationId xmlns:p14="http://schemas.microsoft.com/office/powerpoint/2010/main" val="1004942660"/>
+      </p:ext>
+    </p:extLst>
+  </p:cSld>
+  <p:clrMapOvr>
+    <a:masterClrMapping/>
+  </p:clrMapOvr>
+</p:notes>
+</file>
+
+<file path=ppt/notesSlides/notesSlide5.xml><?xml version="1.0" encoding="utf-8"?>
+<p:notes xmlns:a="http://schemas.openxmlformats.org/drawingml/2006/main" xmlns:r="http://schemas.openxmlformats.org/officeDocument/2006/relationships" xmlns:p="http://schemas.openxmlformats.org/presentationml/2006/main">
+  <p:cSld>
+    <p:spTree>
+      <p:nvGrpSpPr>
+        <p:cNvPr id="1" name=""/>
+        <p:cNvGrpSpPr/>
+        <p:nvPr/>
+      </p:nvGrpSpPr>
+      <p:grpSpPr>
+        <a:xfrm>
+          <a:off x="0" y="0"/>
+          <a:ext cx="0" cy="0"/>
+          <a:chOff x="0" y="0"/>
+          <a:chExt cx="0" cy="0"/>
+        </a:xfrm>
+      </p:grpSpPr>
+      <p:sp>
+        <p:nvSpPr>
+          <p:cNvPr id="2" name="Slide Image Placeholder 1"/>
+          <p:cNvSpPr>
+            <a:spLocks noGrp="1" noRot="1" noChangeAspect="1"/>
+          </p:cNvSpPr>
+          <p:nvPr>
+            <p:ph type="sldImg"/>
+          </p:nvPr>
+        </p:nvSpPr>
+        <p:spPr/>
+      </p:sp>
+      <p:sp>
+        <p:nvSpPr>
+          <p:cNvPr id="3" name="Notes Placeholder 2"/>
+          <p:cNvSpPr>
+            <a:spLocks noGrp="1"/>
+          </p:cNvSpPr>
+          <p:nvPr>
+            <p:ph type="body" idx="1"/>
+          </p:nvPr>
+        </p:nvSpPr>
+        <p:spPr/>
+        <p:txBody>
+          <a:bodyPr/>
+          <a:lstStyle/>
+          <a:p>
+            <a:r>
+              <a:rPr lang="en-US"/>
+              <a:t>Categorical variables seem informative e.g. automatic cars are positively associated with price, though there is not much difference between petrol and diesel cars in terms of price. </a:t>
+            </a:r>
+          </a:p>
+          <a:p>
+            <a:r>
+              <a:rPr lang="en-US"/>
+              <a:t>The model types had a high cardinality, so I left only the top 10 models which represented 95% of observations and grouped others. Unsuprisingly the prices vary greatly across model types.</a:t>
+            </a:r>
+          </a:p>
+        </p:txBody>
+      </p:sp>
+      <p:sp>
+        <p:nvSpPr>
+          <p:cNvPr id="4" name="Slide Number Placeholder 3"/>
+          <p:cNvSpPr>
+            <a:spLocks noGrp="1"/>
+          </p:cNvSpPr>
+          <p:nvPr>
+            <p:ph type="sldNum" sz="quarter" idx="5"/>
+          </p:nvPr>
+        </p:nvSpPr>
+        <p:spPr/>
+        <p:txBody>
+          <a:bodyPr/>
+          <a:lstStyle/>
+          <a:p>
+            <a:fld id="{43CFD648-CA01-48F1-82F2-0EB99961A41D}" type="slidenum">
+              <a:rPr lang="en-US" smtClean="0"/>
+              <a:t>6</a:t>
+            </a:fld>
+            <a:endParaRPr lang="en-US"/>
+          </a:p>
+        </p:txBody>
+      </p:sp>
+    </p:spTree>
+    <p:extLst>
+      <p:ext uri="{BB962C8B-B14F-4D97-AF65-F5344CB8AC3E}">
+        <p14:creationId xmlns:p14="http://schemas.microsoft.com/office/powerpoint/2010/main" val="2067929259"/>
+      </p:ext>
+    </p:extLst>
+  </p:cSld>
+  <p:clrMapOvr>
+    <a:masterClrMapping/>
+  </p:clrMapOvr>
+</p:notes>
+</file>
+
+<file path=ppt/notesSlides/notesSlide6.xml><?xml version="1.0" encoding="utf-8"?>
+<p:notes xmlns:a="http://schemas.openxmlformats.org/drawingml/2006/main" xmlns:r="http://schemas.openxmlformats.org/officeDocument/2006/relationships" xmlns:p="http://schemas.openxmlformats.org/presentationml/2006/main">
+  <p:cSld>
+    <p:spTree>
+      <p:nvGrpSpPr>
+        <p:cNvPr id="1" name=""/>
+        <p:cNvGrpSpPr/>
+        <p:nvPr/>
+      </p:nvGrpSpPr>
+      <p:grpSpPr>
+        <a:xfrm>
+          <a:off x="0" y="0"/>
+          <a:ext cx="0" cy="0"/>
+          <a:chOff x="0" y="0"/>
+          <a:chExt cx="0" cy="0"/>
+        </a:xfrm>
+      </p:grpSpPr>
+      <p:sp>
+        <p:nvSpPr>
+          <p:cNvPr id="2" name="Slide Image Placeholder 1"/>
+          <p:cNvSpPr>
+            <a:spLocks noGrp="1" noRot="1" noChangeAspect="1"/>
+          </p:cNvSpPr>
+          <p:nvPr>
+            <p:ph type="sldImg"/>
+          </p:nvPr>
+        </p:nvSpPr>
+        <p:spPr/>
+      </p:sp>
+      <p:sp>
+        <p:nvSpPr>
+          <p:cNvPr id="3" name="Notes Placeholder 2"/>
+          <p:cNvSpPr>
+            <a:spLocks noGrp="1"/>
+          </p:cNvSpPr>
+          <p:nvPr>
+            <p:ph type="body" idx="1"/>
+          </p:nvPr>
+        </p:nvSpPr>
+        <p:spPr/>
+        <p:txBody>
+          <a:bodyPr/>
+          <a:lstStyle/>
+          <a:p>
+            <a:pPr marL="171450" indent="-171450">
+              <a:buFont typeface="Arial" panose="020B0604020202020204" pitchFamily="34" charset="0"/>
+              <a:buChar char="•"/>
+            </a:pPr>
+            <a:r>
+              <a:rPr lang="en-US"/>
+              <a:t>as far as modeling is concerned, I’m using linear regression as a benchmark, and three methods we covered during the classes</a:t>
+            </a:r>
+          </a:p>
+          <a:p>
+            <a:pPr marL="171450" indent="-171450">
+              <a:buFont typeface="Arial" panose="020B0604020202020204" pitchFamily="34" charset="0"/>
+              <a:buChar char="•"/>
+            </a:pPr>
+            <a:r>
+              <a:rPr lang="en-US"/>
+              <a:t>Random forecast, XGBoost and neural networks</a:t>
+            </a:r>
+          </a:p>
+          <a:p>
+            <a:pPr marL="171450" indent="-171450">
+              <a:buFont typeface="Arial" panose="020B0604020202020204" pitchFamily="34" charset="0"/>
+              <a:buChar char="•"/>
+            </a:pPr>
+            <a:r>
+              <a:rPr lang="en-US"/>
+              <a:t>will asses on Mean Average Percentage Error, but will also look at Mean Absolute Error because it has a very nice tacticle feel, it is how much you would be out of pocket on average due to error</a:t>
+            </a:r>
+          </a:p>
+          <a:p>
+            <a:pPr marL="171450" indent="-171450">
+              <a:buFont typeface="Arial" panose="020B0604020202020204" pitchFamily="34" charset="0"/>
+              <a:buChar char="•"/>
+            </a:pPr>
+            <a:r>
+              <a:rPr lang="en-US"/>
+              <a:t>Root Mean Square Error just to see how outliers are impacting across models</a:t>
+            </a:r>
+          </a:p>
+          <a:p>
+            <a:pPr marL="171450" indent="-171450">
+              <a:buFont typeface="Arial" panose="020B0604020202020204" pitchFamily="34" charset="0"/>
+              <a:buChar char="•"/>
+            </a:pPr>
+            <a:r>
+              <a:rPr lang="en-US"/>
+              <a:t>Definitely expect XGBoost to perform the best</a:t>
+            </a:r>
+          </a:p>
+        </p:txBody>
+      </p:sp>
+      <p:sp>
+        <p:nvSpPr>
+          <p:cNvPr id="4" name="Slide Number Placeholder 3"/>
+          <p:cNvSpPr>
+            <a:spLocks noGrp="1"/>
+          </p:cNvSpPr>
+          <p:nvPr>
+            <p:ph type="sldNum" sz="quarter" idx="5"/>
+          </p:nvPr>
+        </p:nvSpPr>
+        <p:spPr/>
+        <p:txBody>
+          <a:bodyPr/>
+          <a:lstStyle/>
+          <a:p>
+            <a:fld id="{43CFD648-CA01-48F1-82F2-0EB99961A41D}" type="slidenum">
+              <a:rPr lang="en-US" smtClean="0"/>
+              <a:t>7</a:t>
+            </a:fld>
+            <a:endParaRPr lang="en-US"/>
+          </a:p>
+        </p:txBody>
+      </p:sp>
+    </p:spTree>
+    <p:extLst>
+      <p:ext uri="{BB962C8B-B14F-4D97-AF65-F5344CB8AC3E}">
+        <p14:creationId xmlns:p14="http://schemas.microsoft.com/office/powerpoint/2010/main" val="3277362328"/>
+      </p:ext>
+    </p:extLst>
+  </p:cSld>
+  <p:clrMapOvr>
+    <a:masterClrMapping/>
+  </p:clrMapOvr>
+</p:notes>
+</file>
+
+<file path=ppt/notesSlides/notesSlide7.xml><?xml version="1.0" encoding="utf-8"?>
+<p:notes xmlns:a="http://schemas.openxmlformats.org/drawingml/2006/main" xmlns:r="http://schemas.openxmlformats.org/officeDocument/2006/relationships" xmlns:p="http://schemas.openxmlformats.org/presentationml/2006/main">
+  <p:cSld>
+    <p:spTree>
+      <p:nvGrpSpPr>
+        <p:cNvPr id="1" name=""/>
+        <p:cNvGrpSpPr/>
+        <p:nvPr/>
+      </p:nvGrpSpPr>
+      <p:grpSpPr>
+        <a:xfrm>
+          <a:off x="0" y="0"/>
+          <a:ext cx="0" cy="0"/>
+          <a:chOff x="0" y="0"/>
+          <a:chExt cx="0" cy="0"/>
+        </a:xfrm>
+      </p:grpSpPr>
+      <p:sp>
+        <p:nvSpPr>
+          <p:cNvPr id="2" name="Slide Image Placeholder 1"/>
+          <p:cNvSpPr>
+            <a:spLocks noGrp="1" noRot="1" noChangeAspect="1"/>
+          </p:cNvSpPr>
+          <p:nvPr>
+            <p:ph type="sldImg"/>
+          </p:nvPr>
+        </p:nvSpPr>
+        <p:spPr/>
+      </p:sp>
+      <p:sp>
+        <p:nvSpPr>
+          <p:cNvPr id="3" name="Notes Placeholder 2"/>
+          <p:cNvSpPr>
+            <a:spLocks noGrp="1"/>
+          </p:cNvSpPr>
+          <p:nvPr>
+            <p:ph type="body" idx="1"/>
+          </p:nvPr>
+        </p:nvSpPr>
+        <p:spPr/>
+        <p:txBody>
+          <a:bodyPr/>
+          <a:lstStyle/>
+          <a:p>
+            <a:pPr marL="171450" indent="-171450">
+              <a:buFont typeface="Arial" panose="020B0604020202020204" pitchFamily="34" charset="0"/>
+              <a:buChar char="•"/>
+            </a:pPr>
+            <a:r>
+              <a:rPr lang="en-US"/>
+              <a:t>at training stage, I’m using 5-fold cross-validation, I’m using the scikit-learn pipelines, so any transformations I’m doing are trained separately on each split, so I’m getting a quite accurate estimate of performance</a:t>
+            </a:r>
+          </a:p>
+          <a:p>
+            <a:pPr marL="171450" indent="-171450">
+              <a:buFont typeface="Arial" panose="020B0604020202020204" pitchFamily="34" charset="0"/>
+              <a:buChar char="•"/>
+            </a:pPr>
+            <a:r>
+              <a:rPr lang="en-US"/>
+              <a:t>for linear regression I’m centering and scaling variables with Yeo-Johnson transformation</a:t>
+            </a:r>
+          </a:p>
+          <a:p>
+            <a:pPr marL="171450" indent="-171450">
+              <a:buFont typeface="Arial" panose="020B0604020202020204" pitchFamily="34" charset="0"/>
+              <a:buChar char="•"/>
+            </a:pPr>
+            <a:r>
+              <a:rPr lang="en-US"/>
+              <a:t>for random forest and linear regression I’m onehotencoding categorical variables</a:t>
+            </a:r>
+          </a:p>
+          <a:p>
+            <a:pPr marL="171450" indent="-171450">
+              <a:buFont typeface="Arial" panose="020B0604020202020204" pitchFamily="34" charset="0"/>
+              <a:buChar char="•"/>
+            </a:pPr>
+            <a:r>
+              <a:rPr lang="en-US"/>
+              <a:t>XGBoost, because I’m using the native API, will handle categories itself</a:t>
+            </a:r>
+          </a:p>
+          <a:p>
+            <a:pPr marL="171450" indent="-171450">
+              <a:buFont typeface="Arial" panose="020B0604020202020204" pitchFamily="34" charset="0"/>
+              <a:buChar char="•"/>
+            </a:pPr>
+            <a:r>
+              <a:rPr lang="en-US"/>
+              <a:t>for hyperparameter tuning, I’m using Bayesian optimization instead of standard grid or random search, so each combination of hyperparameters tried is guided by the previous ones. So we pick those combinations that are either maximizing the likelihood we’re gonna get improvement or are very different from the ones we tried so far so we simply don’t know</a:t>
+            </a:r>
+          </a:p>
+          <a:p>
+            <a:pPr marL="171450" indent="-171450">
+              <a:buFont typeface="Arial" panose="020B0604020202020204" pitchFamily="34" charset="0"/>
+              <a:buChar char="•"/>
+            </a:pPr>
+            <a:r>
+              <a:rPr lang="en-US"/>
+              <a:t>here you can see the final hyperparameters for random forest and XGBoost</a:t>
+            </a:r>
+          </a:p>
+        </p:txBody>
+      </p:sp>
+      <p:sp>
+        <p:nvSpPr>
+          <p:cNvPr id="4" name="Slide Number Placeholder 3"/>
+          <p:cNvSpPr>
+            <a:spLocks noGrp="1"/>
+          </p:cNvSpPr>
+          <p:nvPr>
+            <p:ph type="sldNum" sz="quarter" idx="5"/>
+          </p:nvPr>
+        </p:nvSpPr>
+        <p:spPr/>
+        <p:txBody>
+          <a:bodyPr/>
+          <a:lstStyle/>
+          <a:p>
+            <a:fld id="{43CFD648-CA01-48F1-82F2-0EB99961A41D}" type="slidenum">
+              <a:rPr lang="en-US" smtClean="0"/>
+              <a:t>8</a:t>
+            </a:fld>
+            <a:endParaRPr lang="en-US"/>
+          </a:p>
+        </p:txBody>
+      </p:sp>
+    </p:spTree>
+    <p:extLst>
+      <p:ext uri="{BB962C8B-B14F-4D97-AF65-F5344CB8AC3E}">
+        <p14:creationId xmlns:p14="http://schemas.microsoft.com/office/powerpoint/2010/main" val="2803788458"/>
+      </p:ext>
+    </p:extLst>
+  </p:cSld>
+  <p:clrMapOvr>
+    <a:masterClrMapping/>
+  </p:clrMapOvr>
+</p:notes>
+</file>
+
+<file path=ppt/notesSlides/notesSlide8.xml><?xml version="1.0" encoding="utf-8"?>
+<p:notes xmlns:a="http://schemas.openxmlformats.org/drawingml/2006/main" xmlns:r="http://schemas.openxmlformats.org/officeDocument/2006/relationships" xmlns:p="http://schemas.openxmlformats.org/presentationml/2006/main">
+  <p:cSld>
+    <p:spTree>
+      <p:nvGrpSpPr>
+        <p:cNvPr id="1" name=""/>
+        <p:cNvGrpSpPr/>
+        <p:nvPr/>
+      </p:nvGrpSpPr>
+      <p:grpSpPr>
+        <a:xfrm>
+          <a:off x="0" y="0"/>
+          <a:ext cx="0" cy="0"/>
+          <a:chOff x="0" y="0"/>
+          <a:chExt cx="0" cy="0"/>
+        </a:xfrm>
+      </p:grpSpPr>
+      <p:sp>
+        <p:nvSpPr>
+          <p:cNvPr id="2" name="Slide Image Placeholder 1"/>
+          <p:cNvSpPr>
+            <a:spLocks noGrp="1" noRot="1" noChangeAspect="1"/>
+          </p:cNvSpPr>
+          <p:nvPr>
+            <p:ph type="sldImg"/>
+          </p:nvPr>
+        </p:nvSpPr>
+        <p:spPr/>
+      </p:sp>
+      <p:sp>
+        <p:nvSpPr>
+          <p:cNvPr id="3" name="Notes Placeholder 2"/>
+          <p:cNvSpPr>
+            <a:spLocks noGrp="1"/>
+          </p:cNvSpPr>
+          <p:nvPr>
+            <p:ph type="body" idx="1"/>
+          </p:nvPr>
+        </p:nvSpPr>
+        <p:spPr/>
+        <p:txBody>
+          <a:bodyPr/>
+          <a:lstStyle/>
+          <a:p>
+            <a:pPr marL="171450" indent="-171450">
+              <a:buFont typeface="Arial" panose="020B0604020202020204" pitchFamily="34" charset="0"/>
+              <a:buChar char="•"/>
+            </a:pPr>
+            <a:r>
+              <a:rPr lang="en-US"/>
+              <a:t>final results are no surprise, linear regression did pretty badly, and XGBoost was the most accurate method, though the difference on test set in absolute terms is not that high</a:t>
+            </a:r>
+          </a:p>
+          <a:p>
+            <a:pPr marL="171450" indent="-171450">
+              <a:buFont typeface="Arial" panose="020B0604020202020204" pitchFamily="34" charset="0"/>
+              <a:buChar char="•"/>
+            </a:pPr>
+            <a:r>
+              <a:rPr lang="en-US"/>
+              <a:t>although overall we see that considering the average car cost 22k, the 1.4k error on average is still quite high</a:t>
+            </a:r>
+          </a:p>
+          <a:p>
+            <a:pPr marL="171450" indent="-171450">
+              <a:buFont typeface="Arial" panose="020B0604020202020204" pitchFamily="34" charset="0"/>
+              <a:buChar char="•"/>
+            </a:pPr>
+            <a:r>
+              <a:rPr lang="en-US"/>
+              <a:t>however, the interesting thing we should note that test performance is better that cross-validated training score, and this is because the final model was trained on full training data, so it had 25% more observations</a:t>
+            </a:r>
+          </a:p>
+          <a:p>
+            <a:pPr marL="171450" indent="-171450">
+              <a:buFont typeface="Arial" panose="020B0604020202020204" pitchFamily="34" charset="0"/>
+              <a:buChar char="•"/>
+            </a:pPr>
+            <a:r>
+              <a:rPr lang="en-US"/>
+              <a:t>this means that we can expect random forest and XGBoost to benefit quite a lot from additional data</a:t>
+            </a:r>
+          </a:p>
+        </p:txBody>
+      </p:sp>
+      <p:sp>
+        <p:nvSpPr>
+          <p:cNvPr id="4" name="Slide Number Placeholder 3"/>
+          <p:cNvSpPr>
+            <a:spLocks noGrp="1"/>
+          </p:cNvSpPr>
+          <p:nvPr>
+            <p:ph type="sldNum" sz="quarter" idx="5"/>
+          </p:nvPr>
+        </p:nvSpPr>
+        <p:spPr/>
+        <p:txBody>
+          <a:bodyPr/>
+          <a:lstStyle/>
+          <a:p>
+            <a:fld id="{43CFD648-CA01-48F1-82F2-0EB99961A41D}" type="slidenum">
+              <a:rPr lang="en-US" smtClean="0"/>
+              <a:t>9</a:t>
+            </a:fld>
+            <a:endParaRPr lang="en-US"/>
+          </a:p>
+        </p:txBody>
+      </p:sp>
+    </p:spTree>
+    <p:extLst>
+      <p:ext uri="{BB962C8B-B14F-4D97-AF65-F5344CB8AC3E}">
+        <p14:creationId xmlns:p14="http://schemas.microsoft.com/office/powerpoint/2010/main" val="2051241394"/>
+      </p:ext>
+    </p:extLst>
+  </p:cSld>
+  <p:clrMapOvr>
+    <a:masterClrMapping/>
+  </p:clrMapOvr>
+</p:notes>
+</file>
+
+<file path=ppt/notesSlides/notesSlide9.xml><?xml version="1.0" encoding="utf-8"?>
+<p:notes xmlns:a="http://schemas.openxmlformats.org/drawingml/2006/main" xmlns:r="http://schemas.openxmlformats.org/officeDocument/2006/relationships" xmlns:p="http://schemas.openxmlformats.org/presentationml/2006/main">
+  <p:cSld>
+    <p:spTree>
+      <p:nvGrpSpPr>
+        <p:cNvPr id="1" name=""/>
+        <p:cNvGrpSpPr/>
+        <p:nvPr/>
+      </p:nvGrpSpPr>
+      <p:grpSpPr>
+        <a:xfrm>
+          <a:off x="0" y="0"/>
+          <a:ext cx="0" cy="0"/>
+          <a:chOff x="0" y="0"/>
+          <a:chExt cx="0" cy="0"/>
+        </a:xfrm>
+      </p:grpSpPr>
+      <p:sp>
+        <p:nvSpPr>
+          <p:cNvPr id="2" name="Slide Image Placeholder 1"/>
+          <p:cNvSpPr>
+            <a:spLocks noGrp="1" noRot="1" noChangeAspect="1"/>
+          </p:cNvSpPr>
+          <p:nvPr>
+            <p:ph type="sldImg"/>
+          </p:nvPr>
+        </p:nvSpPr>
+        <p:spPr/>
+      </p:sp>
+      <p:sp>
+        <p:nvSpPr>
+          <p:cNvPr id="3" name="Notes Placeholder 2"/>
+          <p:cNvSpPr>
+            <a:spLocks noGrp="1"/>
+          </p:cNvSpPr>
+          <p:nvPr>
+            <p:ph type="body" idx="1"/>
+          </p:nvPr>
+        </p:nvSpPr>
+        <p:spPr/>
+        <p:txBody>
+          <a:bodyPr/>
+          <a:lstStyle/>
+          <a:p>
+            <a:pPr marL="171450" indent="-171450">
+              <a:buFont typeface="Arial" panose="020B0604020202020204" pitchFamily="34" charset="0"/>
+              <a:buChar char="•"/>
+            </a:pPr>
+            <a:r>
+              <a:rPr lang="en-US"/>
+              <a:t>for the classification task I’m trying to predict if a person is a diabetic based on their responses</a:t>
+            </a:r>
+          </a:p>
+          <a:p>
+            <a:pPr marL="171450" indent="-171450">
+              <a:buFont typeface="Arial" panose="020B0604020202020204" pitchFamily="34" charset="0"/>
+              <a:buChar char="•"/>
+            </a:pPr>
+            <a:r>
+              <a:rPr lang="en-US"/>
+              <a:t>based on survey ran by CDC where they call up people with diabetes and healthy people, ask them some questions</a:t>
+            </a:r>
+          </a:p>
+          <a:p>
+            <a:pPr marL="171450" indent="-171450">
+              <a:buFont typeface="Arial" panose="020B0604020202020204" pitchFamily="34" charset="0"/>
+              <a:buChar char="•"/>
+            </a:pPr>
+            <a:r>
+              <a:rPr lang="en-US"/>
+              <a:t>which is potentially very impactful, because if we are accurate enough, we can than start screening people who we don’t know if they are diabetics, and potentially for those who are at risk, help them change their lifestyle</a:t>
+            </a:r>
+          </a:p>
+        </p:txBody>
+      </p:sp>
+      <p:sp>
+        <p:nvSpPr>
+          <p:cNvPr id="4" name="Slide Number Placeholder 3"/>
+          <p:cNvSpPr>
+            <a:spLocks noGrp="1"/>
+          </p:cNvSpPr>
+          <p:nvPr>
+            <p:ph type="sldNum" sz="quarter" idx="5"/>
+          </p:nvPr>
+        </p:nvSpPr>
+        <p:spPr/>
+        <p:txBody>
+          <a:bodyPr/>
+          <a:lstStyle/>
+          <a:p>
+            <a:fld id="{43CFD648-CA01-48F1-82F2-0EB99961A41D}" type="slidenum">
+              <a:rPr lang="en-US" smtClean="0"/>
+              <a:t>10</a:t>
+            </a:fld>
+            <a:endParaRPr lang="en-US"/>
+          </a:p>
+        </p:txBody>
+      </p:sp>
+    </p:spTree>
+    <p:extLst>
+      <p:ext uri="{BB962C8B-B14F-4D97-AF65-F5344CB8AC3E}">
+        <p14:creationId xmlns:p14="http://schemas.microsoft.com/office/powerpoint/2010/main" val="2190382537"/>
+      </p:ext>
+    </p:extLst>
+  </p:cSld>
+  <p:clrMapOvr>
+    <a:masterClrMapping/>
+  </p:clrMapOvr>
+</p:notes>
 </file>
 
 <file path=ppt/slideLayouts/slideLayout1.xml><?xml version="1.0" encoding="utf-8"?>
@@ -1753,9 +3642,14 @@
           <a:lstStyle/>
           <a:p>
             <a:r>
-              <a:rPr lang="en-PL" dirty="0"/>
+              <a:rPr lang="en-PL"/>
               <a:t>Machine Learning</a:t>
             </a:r>
+            <a:r>
+              <a:rPr lang="en-US"/>
+              <a:t> 2</a:t>
+            </a:r>
+            <a:endParaRPr lang="en-PL" dirty="0"/>
           </a:p>
         </p:txBody>
       </p:sp>
@@ -2246,7 +4140,7 @@
           <p:nvPr/>
         </p:nvPicPr>
         <p:blipFill>
-          <a:blip r:embed="rId2"/>
+          <a:blip r:embed="rId3"/>
           <a:stretch>
             <a:fillRect/>
           </a:stretch>
@@ -3774,6 +5668,1802 @@
 </p:sld>
 </file>
 
+<file path=ppt/slides/slide12.xml><?xml version="1.0" encoding="utf-8"?>
+<p:sld xmlns:a="http://schemas.openxmlformats.org/drawingml/2006/main" xmlns:r="http://schemas.openxmlformats.org/officeDocument/2006/relationships" xmlns:p="http://schemas.openxmlformats.org/presentationml/2006/main">
+  <p:cSld>
+    <p:spTree>
+      <p:nvGrpSpPr>
+        <p:cNvPr id="1" name=""/>
+        <p:cNvGrpSpPr/>
+        <p:nvPr/>
+      </p:nvGrpSpPr>
+      <p:grpSpPr>
+        <a:xfrm>
+          <a:off x="0" y="0"/>
+          <a:ext cx="0" cy="0"/>
+          <a:chOff x="0" y="0"/>
+          <a:chExt cx="0" cy="0"/>
+        </a:xfrm>
+      </p:grpSpPr>
+      <p:sp>
+        <p:nvSpPr>
+          <p:cNvPr id="2" name="Title 1">
+            <a:extLst>
+              <a:ext uri="{FF2B5EF4-FFF2-40B4-BE49-F238E27FC236}">
+                <a16:creationId xmlns:a16="http://schemas.microsoft.com/office/drawing/2014/main" id="{14ED5139-853C-FB34-1B42-0E4C4061390E}"/>
+              </a:ext>
+            </a:extLst>
+          </p:cNvPr>
+          <p:cNvSpPr>
+            <a:spLocks noGrp="1"/>
+          </p:cNvSpPr>
+          <p:nvPr>
+            <p:ph type="title"/>
+          </p:nvPr>
+        </p:nvSpPr>
+        <p:spPr/>
+        <p:txBody>
+          <a:bodyPr/>
+          <a:lstStyle/>
+          <a:p>
+            <a:r>
+              <a:rPr lang="en-US"/>
+              <a:t>EDA – numeric variables</a:t>
+            </a:r>
+            <a:endParaRPr lang="en-PL" dirty="0"/>
+          </a:p>
+        </p:txBody>
+      </p:sp>
+      <p:pic>
+        <p:nvPicPr>
+          <p:cNvPr id="5" name="Picture 4">
+            <a:extLst>
+              <a:ext uri="{FF2B5EF4-FFF2-40B4-BE49-F238E27FC236}">
+                <a16:creationId xmlns:a16="http://schemas.microsoft.com/office/drawing/2014/main" id="{CC2AC2D8-E121-182B-3E2D-2D1E73807FB0}"/>
+              </a:ext>
+            </a:extLst>
+          </p:cNvPr>
+          <p:cNvPicPr>
+            <a:picLocks noChangeAspect="1"/>
+          </p:cNvPicPr>
+          <p:nvPr/>
+        </p:nvPicPr>
+        <p:blipFill rotWithShape="1">
+          <a:blip r:embed="rId3"/>
+          <a:srcRect r="699"/>
+          <a:stretch/>
+        </p:blipFill>
+        <p:spPr>
+          <a:xfrm>
+            <a:off x="367330" y="1707482"/>
+            <a:ext cx="8528018" cy="4893844"/>
+          </a:xfrm>
+          <a:prstGeom prst="rect">
+            <a:avLst/>
+          </a:prstGeom>
+        </p:spPr>
+      </p:pic>
+      <p:pic>
+        <p:nvPicPr>
+          <p:cNvPr id="7" name="Picture 6">
+            <a:extLst>
+              <a:ext uri="{FF2B5EF4-FFF2-40B4-BE49-F238E27FC236}">
+                <a16:creationId xmlns:a16="http://schemas.microsoft.com/office/drawing/2014/main" id="{DFB021EF-0B43-5E3F-3008-1BA85C430F31}"/>
+              </a:ext>
+            </a:extLst>
+          </p:cNvPr>
+          <p:cNvPicPr>
+            <a:picLocks noChangeAspect="1"/>
+          </p:cNvPicPr>
+          <p:nvPr/>
+        </p:nvPicPr>
+        <p:blipFill>
+          <a:blip r:embed="rId4"/>
+          <a:stretch>
+            <a:fillRect/>
+          </a:stretch>
+        </p:blipFill>
+        <p:spPr>
+          <a:xfrm>
+            <a:off x="6915902" y="4270261"/>
+            <a:ext cx="4666498" cy="1872807"/>
+          </a:xfrm>
+          <a:prstGeom prst="rect">
+            <a:avLst/>
+          </a:prstGeom>
+        </p:spPr>
+      </p:pic>
+      <p:sp>
+        <p:nvSpPr>
+          <p:cNvPr id="9" name="Rectangle 8">
+            <a:extLst>
+              <a:ext uri="{FF2B5EF4-FFF2-40B4-BE49-F238E27FC236}">
+                <a16:creationId xmlns:a16="http://schemas.microsoft.com/office/drawing/2014/main" id="{126F9575-C8AA-EBCB-22BB-32783E487F93}"/>
+              </a:ext>
+            </a:extLst>
+          </p:cNvPr>
+          <p:cNvSpPr/>
+          <p:nvPr/>
+        </p:nvSpPr>
+        <p:spPr>
+          <a:xfrm>
+            <a:off x="216568" y="4034589"/>
+            <a:ext cx="9200148" cy="235672"/>
+          </a:xfrm>
+          <a:prstGeom prst="rect">
+            <a:avLst/>
+          </a:prstGeom>
+          <a:solidFill>
+            <a:schemeClr val="bg1"/>
+          </a:solidFill>
+          <a:ln>
+            <a:noFill/>
+          </a:ln>
+        </p:spPr>
+        <p:style>
+          <a:lnRef idx="2">
+            <a:schemeClr val="accent1">
+              <a:shade val="50000"/>
+            </a:schemeClr>
+          </a:lnRef>
+          <a:fillRef idx="1">
+            <a:schemeClr val="accent1"/>
+          </a:fillRef>
+          <a:effectRef idx="0">
+            <a:schemeClr val="accent1"/>
+          </a:effectRef>
+          <a:fontRef idx="minor">
+            <a:schemeClr val="lt1"/>
+          </a:fontRef>
+        </p:style>
+        <p:txBody>
+          <a:bodyPr rtlCol="0" anchor="ctr"/>
+          <a:lstStyle/>
+          <a:p>
+            <a:pPr algn="ctr"/>
+            <a:endParaRPr lang="en-US"/>
+          </a:p>
+        </p:txBody>
+      </p:sp>
+      <p:sp>
+        <p:nvSpPr>
+          <p:cNvPr id="10" name="Rectangle 9">
+            <a:extLst>
+              <a:ext uri="{FF2B5EF4-FFF2-40B4-BE49-F238E27FC236}">
+                <a16:creationId xmlns:a16="http://schemas.microsoft.com/office/drawing/2014/main" id="{573775E7-ED8E-7D3D-C3C1-BCBB9A52B403}"/>
+              </a:ext>
+            </a:extLst>
+          </p:cNvPr>
+          <p:cNvSpPr/>
+          <p:nvPr/>
+        </p:nvSpPr>
+        <p:spPr>
+          <a:xfrm>
+            <a:off x="6915902" y="6143068"/>
+            <a:ext cx="4506078" cy="454300"/>
+          </a:xfrm>
+          <a:prstGeom prst="rect">
+            <a:avLst/>
+          </a:prstGeom>
+          <a:solidFill>
+            <a:schemeClr val="bg1"/>
+          </a:solidFill>
+          <a:ln>
+            <a:noFill/>
+          </a:ln>
+        </p:spPr>
+        <p:style>
+          <a:lnRef idx="2">
+            <a:schemeClr val="accent1">
+              <a:shade val="50000"/>
+            </a:schemeClr>
+          </a:lnRef>
+          <a:fillRef idx="1">
+            <a:schemeClr val="accent1"/>
+          </a:fillRef>
+          <a:effectRef idx="0">
+            <a:schemeClr val="accent1"/>
+          </a:effectRef>
+          <a:fontRef idx="minor">
+            <a:schemeClr val="lt1"/>
+          </a:fontRef>
+        </p:style>
+        <p:txBody>
+          <a:bodyPr rtlCol="0" anchor="ctr"/>
+          <a:lstStyle/>
+          <a:p>
+            <a:pPr algn="ctr"/>
+            <a:endParaRPr lang="en-US"/>
+          </a:p>
+        </p:txBody>
+      </p:sp>
+    </p:spTree>
+    <p:extLst>
+      <p:ext uri="{BB962C8B-B14F-4D97-AF65-F5344CB8AC3E}">
+        <p14:creationId xmlns:p14="http://schemas.microsoft.com/office/powerpoint/2010/main" val="2418888730"/>
+      </p:ext>
+    </p:extLst>
+  </p:cSld>
+  <p:clrMapOvr>
+    <a:masterClrMapping/>
+  </p:clrMapOvr>
+</p:sld>
+</file>
+
+<file path=ppt/slides/slide13.xml><?xml version="1.0" encoding="utf-8"?>
+<p:sld xmlns:a="http://schemas.openxmlformats.org/drawingml/2006/main" xmlns:r="http://schemas.openxmlformats.org/officeDocument/2006/relationships" xmlns:p="http://schemas.openxmlformats.org/presentationml/2006/main">
+  <p:cSld>
+    <p:spTree>
+      <p:nvGrpSpPr>
+        <p:cNvPr id="1" name=""/>
+        <p:cNvGrpSpPr/>
+        <p:nvPr/>
+      </p:nvGrpSpPr>
+      <p:grpSpPr>
+        <a:xfrm>
+          <a:off x="0" y="0"/>
+          <a:ext cx="0" cy="0"/>
+          <a:chOff x="0" y="0"/>
+          <a:chExt cx="0" cy="0"/>
+        </a:xfrm>
+      </p:grpSpPr>
+      <p:sp>
+        <p:nvSpPr>
+          <p:cNvPr id="2" name="Title 1">
+            <a:extLst>
+              <a:ext uri="{FF2B5EF4-FFF2-40B4-BE49-F238E27FC236}">
+                <a16:creationId xmlns:a16="http://schemas.microsoft.com/office/drawing/2014/main" id="{14ED5139-853C-FB34-1B42-0E4C4061390E}"/>
+              </a:ext>
+            </a:extLst>
+          </p:cNvPr>
+          <p:cNvSpPr>
+            <a:spLocks noGrp="1"/>
+          </p:cNvSpPr>
+          <p:nvPr>
+            <p:ph type="title"/>
+          </p:nvPr>
+        </p:nvSpPr>
+        <p:spPr/>
+        <p:txBody>
+          <a:bodyPr/>
+          <a:lstStyle/>
+          <a:p>
+            <a:r>
+              <a:rPr lang="en-US"/>
+              <a:t>Modelling</a:t>
+            </a:r>
+            <a:endParaRPr lang="en-PL" dirty="0"/>
+          </a:p>
+        </p:txBody>
+      </p:sp>
+      <p:sp>
+        <p:nvSpPr>
+          <p:cNvPr id="4" name="Rectangle: Rounded Corners 3">
+            <a:extLst>
+              <a:ext uri="{FF2B5EF4-FFF2-40B4-BE49-F238E27FC236}">
+                <a16:creationId xmlns:a16="http://schemas.microsoft.com/office/drawing/2014/main" id="{AB809A2E-D655-22B2-A7DD-95CAA189726D}"/>
+              </a:ext>
+            </a:extLst>
+          </p:cNvPr>
+          <p:cNvSpPr/>
+          <p:nvPr/>
+        </p:nvSpPr>
+        <p:spPr>
+          <a:xfrm>
+            <a:off x="2456732" y="2633259"/>
+            <a:ext cx="2104154" cy="931718"/>
+          </a:xfrm>
+          <a:prstGeom prst="roundRect">
+            <a:avLst/>
+          </a:prstGeom>
+        </p:spPr>
+        <p:style>
+          <a:lnRef idx="2">
+            <a:schemeClr val="accent6">
+              <a:shade val="50000"/>
+            </a:schemeClr>
+          </a:lnRef>
+          <a:fillRef idx="1">
+            <a:schemeClr val="accent6"/>
+          </a:fillRef>
+          <a:effectRef idx="0">
+            <a:schemeClr val="accent6"/>
+          </a:effectRef>
+          <a:fontRef idx="minor">
+            <a:schemeClr val="lt1"/>
+          </a:fontRef>
+        </p:style>
+        <p:txBody>
+          <a:bodyPr rtlCol="0" anchor="ctr"/>
+          <a:lstStyle/>
+          <a:p>
+            <a:pPr algn="ctr"/>
+            <a:r>
+              <a:rPr lang="en-US" b="1"/>
+              <a:t>Models</a:t>
+            </a:r>
+            <a:endParaRPr lang="en-PL" b="1" dirty="0"/>
+          </a:p>
+        </p:txBody>
+      </p:sp>
+      <p:sp>
+        <p:nvSpPr>
+          <p:cNvPr id="7" name="Rectangle: Rounded Corners 6">
+            <a:extLst>
+              <a:ext uri="{FF2B5EF4-FFF2-40B4-BE49-F238E27FC236}">
+                <a16:creationId xmlns:a16="http://schemas.microsoft.com/office/drawing/2014/main" id="{47F64060-C226-E9BA-B47E-DCE27A3718D6}"/>
+              </a:ext>
+            </a:extLst>
+          </p:cNvPr>
+          <p:cNvSpPr/>
+          <p:nvPr/>
+        </p:nvSpPr>
+        <p:spPr>
+          <a:xfrm>
+            <a:off x="6943007" y="2633259"/>
+            <a:ext cx="2104154" cy="931718"/>
+          </a:xfrm>
+          <a:prstGeom prst="roundRect">
+            <a:avLst/>
+          </a:prstGeom>
+        </p:spPr>
+        <p:style>
+          <a:lnRef idx="2">
+            <a:schemeClr val="accent6">
+              <a:shade val="50000"/>
+            </a:schemeClr>
+          </a:lnRef>
+          <a:fillRef idx="1">
+            <a:schemeClr val="accent6"/>
+          </a:fillRef>
+          <a:effectRef idx="0">
+            <a:schemeClr val="accent6"/>
+          </a:effectRef>
+          <a:fontRef idx="minor">
+            <a:schemeClr val="lt1"/>
+          </a:fontRef>
+        </p:style>
+        <p:txBody>
+          <a:bodyPr rtlCol="0" anchor="ctr"/>
+          <a:lstStyle/>
+          <a:p>
+            <a:pPr algn="ctr"/>
+            <a:r>
+              <a:rPr lang="en-US" b="1"/>
+              <a:t>Performance metrics</a:t>
+            </a:r>
+            <a:endParaRPr lang="en-PL" b="1" dirty="0"/>
+          </a:p>
+        </p:txBody>
+      </p:sp>
+      <p:sp>
+        <p:nvSpPr>
+          <p:cNvPr id="8" name="Rectangle: Rounded Corners 7">
+            <a:extLst>
+              <a:ext uri="{FF2B5EF4-FFF2-40B4-BE49-F238E27FC236}">
+                <a16:creationId xmlns:a16="http://schemas.microsoft.com/office/drawing/2014/main" id="{FC7BC206-49EC-F965-022C-70E4CEB57797}"/>
+              </a:ext>
+            </a:extLst>
+          </p:cNvPr>
+          <p:cNvSpPr/>
+          <p:nvPr/>
+        </p:nvSpPr>
+        <p:spPr>
+          <a:xfrm>
+            <a:off x="6943007" y="3747684"/>
+            <a:ext cx="2104154" cy="488314"/>
+          </a:xfrm>
+          <a:prstGeom prst="roundRect">
+            <a:avLst/>
+          </a:prstGeom>
+          <a:solidFill>
+            <a:schemeClr val="accent5">
+              <a:lumMod val="110000"/>
+              <a:satMod val="105000"/>
+              <a:tint val="67000"/>
+            </a:schemeClr>
+          </a:solidFill>
+        </p:spPr>
+        <p:style>
+          <a:lnRef idx="1">
+            <a:schemeClr val="accent5"/>
+          </a:lnRef>
+          <a:fillRef idx="2">
+            <a:schemeClr val="accent5"/>
+          </a:fillRef>
+          <a:effectRef idx="1">
+            <a:schemeClr val="accent5"/>
+          </a:effectRef>
+          <a:fontRef idx="minor">
+            <a:schemeClr val="dk1"/>
+          </a:fontRef>
+        </p:style>
+        <p:txBody>
+          <a:bodyPr rtlCol="0" anchor="ctr"/>
+          <a:lstStyle/>
+          <a:p>
+            <a:pPr algn="ctr"/>
+            <a:r>
+              <a:rPr lang="en-US" sz="1600"/>
+              <a:t>AUC</a:t>
+            </a:r>
+            <a:endParaRPr lang="en-PL" sz="1600" dirty="0"/>
+          </a:p>
+        </p:txBody>
+      </p:sp>
+      <p:sp>
+        <p:nvSpPr>
+          <p:cNvPr id="10" name="Rectangle: Rounded Corners 9">
+            <a:extLst>
+              <a:ext uri="{FF2B5EF4-FFF2-40B4-BE49-F238E27FC236}">
+                <a16:creationId xmlns:a16="http://schemas.microsoft.com/office/drawing/2014/main" id="{21190B29-1471-B092-91D2-1E97950DD857}"/>
+              </a:ext>
+            </a:extLst>
+          </p:cNvPr>
+          <p:cNvSpPr/>
+          <p:nvPr/>
+        </p:nvSpPr>
+        <p:spPr>
+          <a:xfrm>
+            <a:off x="6943007" y="4418705"/>
+            <a:ext cx="2104154" cy="488314"/>
+          </a:xfrm>
+          <a:prstGeom prst="roundRect">
+            <a:avLst/>
+          </a:prstGeom>
+        </p:spPr>
+        <p:style>
+          <a:lnRef idx="2">
+            <a:schemeClr val="accent6"/>
+          </a:lnRef>
+          <a:fillRef idx="1">
+            <a:schemeClr val="lt1"/>
+          </a:fillRef>
+          <a:effectRef idx="0">
+            <a:schemeClr val="accent6"/>
+          </a:effectRef>
+          <a:fontRef idx="minor">
+            <a:schemeClr val="dk1"/>
+          </a:fontRef>
+        </p:style>
+        <p:txBody>
+          <a:bodyPr rtlCol="0" anchor="ctr"/>
+          <a:lstStyle/>
+          <a:p>
+            <a:pPr algn="ctr"/>
+            <a:r>
+              <a:rPr lang="en-US" sz="1600"/>
+              <a:t>Balanced F1</a:t>
+            </a:r>
+            <a:endParaRPr lang="en-PL" sz="1600" dirty="0"/>
+          </a:p>
+        </p:txBody>
+      </p:sp>
+      <p:sp>
+        <p:nvSpPr>
+          <p:cNvPr id="11" name="Rectangle: Rounded Corners 10">
+            <a:extLst>
+              <a:ext uri="{FF2B5EF4-FFF2-40B4-BE49-F238E27FC236}">
+                <a16:creationId xmlns:a16="http://schemas.microsoft.com/office/drawing/2014/main" id="{D6888A46-66A8-0F33-7780-8F616B7F170E}"/>
+              </a:ext>
+            </a:extLst>
+          </p:cNvPr>
+          <p:cNvSpPr/>
+          <p:nvPr/>
+        </p:nvSpPr>
+        <p:spPr>
+          <a:xfrm>
+            <a:off x="2456732" y="3747684"/>
+            <a:ext cx="2104154" cy="488314"/>
+          </a:xfrm>
+          <a:prstGeom prst="roundRect">
+            <a:avLst/>
+          </a:prstGeom>
+        </p:spPr>
+        <p:style>
+          <a:lnRef idx="2">
+            <a:schemeClr val="accent5"/>
+          </a:lnRef>
+          <a:fillRef idx="1">
+            <a:schemeClr val="lt1"/>
+          </a:fillRef>
+          <a:effectRef idx="0">
+            <a:schemeClr val="accent5"/>
+          </a:effectRef>
+          <a:fontRef idx="minor">
+            <a:schemeClr val="dk1"/>
+          </a:fontRef>
+        </p:style>
+        <p:txBody>
+          <a:bodyPr rtlCol="0" anchor="ctr"/>
+          <a:lstStyle/>
+          <a:p>
+            <a:pPr algn="ctr"/>
+            <a:r>
+              <a:rPr lang="en-US" sz="1600"/>
+              <a:t>Logistic regression</a:t>
+            </a:r>
+            <a:endParaRPr lang="en-PL" sz="1600" dirty="0"/>
+          </a:p>
+        </p:txBody>
+      </p:sp>
+      <p:sp>
+        <p:nvSpPr>
+          <p:cNvPr id="12" name="Rectangle: Rounded Corners 11">
+            <a:extLst>
+              <a:ext uri="{FF2B5EF4-FFF2-40B4-BE49-F238E27FC236}">
+                <a16:creationId xmlns:a16="http://schemas.microsoft.com/office/drawing/2014/main" id="{ECD13631-7021-E873-2529-FDDD532F375D}"/>
+              </a:ext>
+            </a:extLst>
+          </p:cNvPr>
+          <p:cNvSpPr/>
+          <p:nvPr/>
+        </p:nvSpPr>
+        <p:spPr>
+          <a:xfrm>
+            <a:off x="2456732" y="5081184"/>
+            <a:ext cx="2104154" cy="488314"/>
+          </a:xfrm>
+          <a:prstGeom prst="roundRect">
+            <a:avLst/>
+          </a:prstGeom>
+          <a:solidFill>
+            <a:schemeClr val="accent6">
+              <a:lumMod val="110000"/>
+              <a:satMod val="105000"/>
+              <a:tint val="67000"/>
+            </a:schemeClr>
+          </a:solidFill>
+        </p:spPr>
+        <p:style>
+          <a:lnRef idx="1">
+            <a:schemeClr val="accent6"/>
+          </a:lnRef>
+          <a:fillRef idx="2">
+            <a:schemeClr val="accent6"/>
+          </a:fillRef>
+          <a:effectRef idx="1">
+            <a:schemeClr val="accent6"/>
+          </a:effectRef>
+          <a:fontRef idx="minor">
+            <a:schemeClr val="dk1"/>
+          </a:fontRef>
+        </p:style>
+        <p:txBody>
+          <a:bodyPr rtlCol="0" anchor="ctr"/>
+          <a:lstStyle/>
+          <a:p>
+            <a:pPr algn="ctr"/>
+            <a:r>
+              <a:rPr lang="en-US" sz="1600"/>
+              <a:t>XGBoost</a:t>
+            </a:r>
+            <a:endParaRPr lang="en-PL" sz="1600" dirty="0"/>
+          </a:p>
+        </p:txBody>
+      </p:sp>
+      <p:sp>
+        <p:nvSpPr>
+          <p:cNvPr id="13" name="Rectangle: Rounded Corners 12">
+            <a:extLst>
+              <a:ext uri="{FF2B5EF4-FFF2-40B4-BE49-F238E27FC236}">
+                <a16:creationId xmlns:a16="http://schemas.microsoft.com/office/drawing/2014/main" id="{3B372BF5-EAC6-C7A1-C8CE-785F473DB73A}"/>
+              </a:ext>
+            </a:extLst>
+          </p:cNvPr>
+          <p:cNvSpPr/>
+          <p:nvPr/>
+        </p:nvSpPr>
+        <p:spPr>
+          <a:xfrm>
+            <a:off x="2456732" y="4418705"/>
+            <a:ext cx="2104154" cy="488314"/>
+          </a:xfrm>
+          <a:prstGeom prst="roundRect">
+            <a:avLst/>
+          </a:prstGeom>
+          <a:solidFill>
+            <a:schemeClr val="accent6">
+              <a:lumMod val="110000"/>
+              <a:satMod val="105000"/>
+              <a:tint val="67000"/>
+            </a:schemeClr>
+          </a:solidFill>
+        </p:spPr>
+        <p:style>
+          <a:lnRef idx="1">
+            <a:schemeClr val="accent6"/>
+          </a:lnRef>
+          <a:fillRef idx="2">
+            <a:schemeClr val="accent6"/>
+          </a:fillRef>
+          <a:effectRef idx="1">
+            <a:schemeClr val="accent6"/>
+          </a:effectRef>
+          <a:fontRef idx="minor">
+            <a:schemeClr val="dk1"/>
+          </a:fontRef>
+        </p:style>
+        <p:txBody>
+          <a:bodyPr rtlCol="0" anchor="ctr"/>
+          <a:lstStyle/>
+          <a:p>
+            <a:pPr algn="ctr"/>
+            <a:r>
+              <a:rPr lang="en-US" sz="1600"/>
+              <a:t>Random Forest</a:t>
+            </a:r>
+            <a:endParaRPr lang="en-PL" sz="1600" dirty="0"/>
+          </a:p>
+        </p:txBody>
+      </p:sp>
+      <p:sp>
+        <p:nvSpPr>
+          <p:cNvPr id="14" name="Rectangle: Rounded Corners 13">
+            <a:extLst>
+              <a:ext uri="{FF2B5EF4-FFF2-40B4-BE49-F238E27FC236}">
+                <a16:creationId xmlns:a16="http://schemas.microsoft.com/office/drawing/2014/main" id="{B744F651-3785-9F1A-7CA9-12053A3B723E}"/>
+              </a:ext>
+            </a:extLst>
+          </p:cNvPr>
+          <p:cNvSpPr/>
+          <p:nvPr/>
+        </p:nvSpPr>
+        <p:spPr>
+          <a:xfrm>
+            <a:off x="2456732" y="5743663"/>
+            <a:ext cx="2104154" cy="488314"/>
+          </a:xfrm>
+          <a:prstGeom prst="roundRect">
+            <a:avLst/>
+          </a:prstGeom>
+          <a:solidFill>
+            <a:schemeClr val="accent6">
+              <a:lumMod val="110000"/>
+              <a:satMod val="105000"/>
+              <a:tint val="67000"/>
+            </a:schemeClr>
+          </a:solidFill>
+        </p:spPr>
+        <p:style>
+          <a:lnRef idx="1">
+            <a:schemeClr val="accent6"/>
+          </a:lnRef>
+          <a:fillRef idx="2">
+            <a:schemeClr val="accent6"/>
+          </a:fillRef>
+          <a:effectRef idx="1">
+            <a:schemeClr val="accent6"/>
+          </a:effectRef>
+          <a:fontRef idx="minor">
+            <a:schemeClr val="dk1"/>
+          </a:fontRef>
+        </p:style>
+        <p:txBody>
+          <a:bodyPr rtlCol="0" anchor="ctr"/>
+          <a:lstStyle/>
+          <a:p>
+            <a:pPr algn="ctr"/>
+            <a:r>
+              <a:rPr lang="en-US" sz="1600"/>
+              <a:t>Neural network</a:t>
+            </a:r>
+            <a:endParaRPr lang="en-PL" sz="1600" dirty="0"/>
+          </a:p>
+        </p:txBody>
+      </p:sp>
+    </p:spTree>
+    <p:extLst>
+      <p:ext uri="{BB962C8B-B14F-4D97-AF65-F5344CB8AC3E}">
+        <p14:creationId xmlns:p14="http://schemas.microsoft.com/office/powerpoint/2010/main" val="2873587836"/>
+      </p:ext>
+    </p:extLst>
+  </p:cSld>
+  <p:clrMapOvr>
+    <a:masterClrMapping/>
+  </p:clrMapOvr>
+</p:sld>
+</file>
+
+<file path=ppt/slides/slide14.xml><?xml version="1.0" encoding="utf-8"?>
+<p:sld xmlns:a="http://schemas.openxmlformats.org/drawingml/2006/main" xmlns:r="http://schemas.openxmlformats.org/officeDocument/2006/relationships" xmlns:p="http://schemas.openxmlformats.org/presentationml/2006/main">
+  <p:cSld>
+    <p:spTree>
+      <p:nvGrpSpPr>
+        <p:cNvPr id="1" name=""/>
+        <p:cNvGrpSpPr/>
+        <p:nvPr/>
+      </p:nvGrpSpPr>
+      <p:grpSpPr>
+        <a:xfrm>
+          <a:off x="0" y="0"/>
+          <a:ext cx="0" cy="0"/>
+          <a:chOff x="0" y="0"/>
+          <a:chExt cx="0" cy="0"/>
+        </a:xfrm>
+      </p:grpSpPr>
+      <p:sp>
+        <p:nvSpPr>
+          <p:cNvPr id="2" name="Title 1">
+            <a:extLst>
+              <a:ext uri="{FF2B5EF4-FFF2-40B4-BE49-F238E27FC236}">
+                <a16:creationId xmlns:a16="http://schemas.microsoft.com/office/drawing/2014/main" id="{14ED5139-853C-FB34-1B42-0E4C4061390E}"/>
+              </a:ext>
+            </a:extLst>
+          </p:cNvPr>
+          <p:cNvSpPr>
+            <a:spLocks noGrp="1"/>
+          </p:cNvSpPr>
+          <p:nvPr>
+            <p:ph type="title"/>
+          </p:nvPr>
+        </p:nvSpPr>
+        <p:spPr/>
+        <p:txBody>
+          <a:bodyPr/>
+          <a:lstStyle/>
+          <a:p>
+            <a:r>
+              <a:rPr lang="en-US"/>
+              <a:t>Tuning and validation</a:t>
+            </a:r>
+            <a:endParaRPr lang="en-PL" dirty="0"/>
+          </a:p>
+        </p:txBody>
+      </p:sp>
+      <p:sp>
+        <p:nvSpPr>
+          <p:cNvPr id="6" name="Rectangle: Rounded Corners 5">
+            <a:extLst>
+              <a:ext uri="{FF2B5EF4-FFF2-40B4-BE49-F238E27FC236}">
+                <a16:creationId xmlns:a16="http://schemas.microsoft.com/office/drawing/2014/main" id="{478686B3-2FF6-52EC-FDB3-07B2816F364E}"/>
+              </a:ext>
+            </a:extLst>
+          </p:cNvPr>
+          <p:cNvSpPr/>
+          <p:nvPr/>
+        </p:nvSpPr>
+        <p:spPr>
+          <a:xfrm>
+            <a:off x="256457" y="2908444"/>
+            <a:ext cx="2839550" cy="834014"/>
+          </a:xfrm>
+          <a:prstGeom prst="roundRect">
+            <a:avLst/>
+          </a:prstGeom>
+        </p:spPr>
+        <p:style>
+          <a:lnRef idx="2">
+            <a:schemeClr val="accent6"/>
+          </a:lnRef>
+          <a:fillRef idx="1">
+            <a:schemeClr val="lt1"/>
+          </a:fillRef>
+          <a:effectRef idx="0">
+            <a:schemeClr val="accent6"/>
+          </a:effectRef>
+          <a:fontRef idx="minor">
+            <a:schemeClr val="dk1"/>
+          </a:fontRef>
+        </p:style>
+        <p:txBody>
+          <a:bodyPr rtlCol="0" anchor="ctr"/>
+          <a:lstStyle/>
+          <a:p>
+            <a:pPr algn="ctr"/>
+            <a:r>
+              <a:rPr lang="en-US" sz="1600"/>
+              <a:t>5-fold cross-validation, with transformations trained separately on each split</a:t>
+            </a:r>
+            <a:endParaRPr lang="en-PL" sz="1600" dirty="0"/>
+          </a:p>
+        </p:txBody>
+      </p:sp>
+      <p:sp>
+        <p:nvSpPr>
+          <p:cNvPr id="15" name="Rectangle: Rounded Corners 14">
+            <a:extLst>
+              <a:ext uri="{FF2B5EF4-FFF2-40B4-BE49-F238E27FC236}">
+                <a16:creationId xmlns:a16="http://schemas.microsoft.com/office/drawing/2014/main" id="{2EA79D8D-BBC4-EBC8-442D-498BA1A62CF8}"/>
+              </a:ext>
+            </a:extLst>
+          </p:cNvPr>
+          <p:cNvSpPr/>
+          <p:nvPr/>
+        </p:nvSpPr>
+        <p:spPr>
+          <a:xfrm>
+            <a:off x="256456" y="1881650"/>
+            <a:ext cx="2839549" cy="931718"/>
+          </a:xfrm>
+          <a:prstGeom prst="roundRect">
+            <a:avLst/>
+          </a:prstGeom>
+        </p:spPr>
+        <p:style>
+          <a:lnRef idx="2">
+            <a:schemeClr val="accent6">
+              <a:shade val="50000"/>
+            </a:schemeClr>
+          </a:lnRef>
+          <a:fillRef idx="1">
+            <a:schemeClr val="accent6"/>
+          </a:fillRef>
+          <a:effectRef idx="0">
+            <a:schemeClr val="accent6"/>
+          </a:effectRef>
+          <a:fontRef idx="minor">
+            <a:schemeClr val="lt1"/>
+          </a:fontRef>
+        </p:style>
+        <p:txBody>
+          <a:bodyPr rtlCol="0" anchor="ctr"/>
+          <a:lstStyle/>
+          <a:p>
+            <a:pPr algn="ctr"/>
+            <a:r>
+              <a:rPr lang="en-US" b="1"/>
+              <a:t>Validation</a:t>
+            </a:r>
+            <a:endParaRPr lang="en-PL" b="1" dirty="0"/>
+          </a:p>
+        </p:txBody>
+      </p:sp>
+      <p:sp>
+        <p:nvSpPr>
+          <p:cNvPr id="16" name="Rectangle: Rounded Corners 15">
+            <a:extLst>
+              <a:ext uri="{FF2B5EF4-FFF2-40B4-BE49-F238E27FC236}">
+                <a16:creationId xmlns:a16="http://schemas.microsoft.com/office/drawing/2014/main" id="{7488324F-2B3D-EDE0-8970-1606F228409A}"/>
+              </a:ext>
+            </a:extLst>
+          </p:cNvPr>
+          <p:cNvSpPr/>
+          <p:nvPr/>
+        </p:nvSpPr>
+        <p:spPr>
+          <a:xfrm>
+            <a:off x="256457" y="5327794"/>
+            <a:ext cx="2839550" cy="834014"/>
+          </a:xfrm>
+          <a:prstGeom prst="roundRect">
+            <a:avLst/>
+          </a:prstGeom>
+        </p:spPr>
+        <p:style>
+          <a:lnRef idx="2">
+            <a:schemeClr val="accent6"/>
+          </a:lnRef>
+          <a:fillRef idx="1">
+            <a:schemeClr val="lt1"/>
+          </a:fillRef>
+          <a:effectRef idx="0">
+            <a:schemeClr val="accent6"/>
+          </a:effectRef>
+          <a:fontRef idx="minor">
+            <a:schemeClr val="dk1"/>
+          </a:fontRef>
+        </p:style>
+        <p:txBody>
+          <a:bodyPr rtlCol="0" anchor="ctr"/>
+          <a:lstStyle/>
+          <a:p>
+            <a:pPr algn="ctr"/>
+            <a:r>
+              <a:rPr lang="en-US" sz="1600"/>
+              <a:t>Bayesian optimization with 50 trials</a:t>
+            </a:r>
+            <a:endParaRPr lang="en-PL" sz="1600" dirty="0"/>
+          </a:p>
+        </p:txBody>
+      </p:sp>
+      <p:sp>
+        <p:nvSpPr>
+          <p:cNvPr id="17" name="Rectangle: Rounded Corners 16">
+            <a:extLst>
+              <a:ext uri="{FF2B5EF4-FFF2-40B4-BE49-F238E27FC236}">
+                <a16:creationId xmlns:a16="http://schemas.microsoft.com/office/drawing/2014/main" id="{010650F6-4457-1BC9-495C-A42FED1D6057}"/>
+              </a:ext>
+            </a:extLst>
+          </p:cNvPr>
+          <p:cNvSpPr/>
+          <p:nvPr/>
+        </p:nvSpPr>
+        <p:spPr>
+          <a:xfrm>
+            <a:off x="256456" y="4301000"/>
+            <a:ext cx="2839549" cy="931718"/>
+          </a:xfrm>
+          <a:prstGeom prst="roundRect">
+            <a:avLst/>
+          </a:prstGeom>
+        </p:spPr>
+        <p:style>
+          <a:lnRef idx="2">
+            <a:schemeClr val="accent6">
+              <a:shade val="50000"/>
+            </a:schemeClr>
+          </a:lnRef>
+          <a:fillRef idx="1">
+            <a:schemeClr val="accent6"/>
+          </a:fillRef>
+          <a:effectRef idx="0">
+            <a:schemeClr val="accent6"/>
+          </a:effectRef>
+          <a:fontRef idx="minor">
+            <a:schemeClr val="lt1"/>
+          </a:fontRef>
+        </p:style>
+        <p:txBody>
+          <a:bodyPr rtlCol="0" anchor="ctr"/>
+          <a:lstStyle/>
+          <a:p>
+            <a:pPr algn="ctr"/>
+            <a:r>
+              <a:rPr lang="en-US" b="1"/>
+              <a:t>Hyperparameter tuning</a:t>
+            </a:r>
+            <a:endParaRPr lang="en-PL" b="1" dirty="0"/>
+          </a:p>
+        </p:txBody>
+      </p:sp>
+      <p:pic>
+        <p:nvPicPr>
+          <p:cNvPr id="8" name="Picture 7">
+            <a:extLst>
+              <a:ext uri="{FF2B5EF4-FFF2-40B4-BE49-F238E27FC236}">
+                <a16:creationId xmlns:a16="http://schemas.microsoft.com/office/drawing/2014/main" id="{ED682335-FB57-2F95-28F1-C9E4F57C50CD}"/>
+              </a:ext>
+            </a:extLst>
+          </p:cNvPr>
+          <p:cNvPicPr>
+            <a:picLocks noChangeAspect="1"/>
+          </p:cNvPicPr>
+          <p:nvPr/>
+        </p:nvPicPr>
+        <p:blipFill rotWithShape="1">
+          <a:blip r:embed="rId3"/>
+          <a:srcRect t="1274" b="1"/>
+          <a:stretch/>
+        </p:blipFill>
+        <p:spPr>
+          <a:xfrm>
+            <a:off x="3869156" y="2235821"/>
+            <a:ext cx="6057900" cy="1561002"/>
+          </a:xfrm>
+          <a:prstGeom prst="rect">
+            <a:avLst/>
+          </a:prstGeom>
+        </p:spPr>
+      </p:pic>
+      <p:pic>
+        <p:nvPicPr>
+          <p:cNvPr id="10" name="Picture 9">
+            <a:extLst>
+              <a:ext uri="{FF2B5EF4-FFF2-40B4-BE49-F238E27FC236}">
+                <a16:creationId xmlns:a16="http://schemas.microsoft.com/office/drawing/2014/main" id="{95493C08-B40D-626D-9D98-F1D90F30C678}"/>
+              </a:ext>
+            </a:extLst>
+          </p:cNvPr>
+          <p:cNvPicPr>
+            <a:picLocks noChangeAspect="1"/>
+          </p:cNvPicPr>
+          <p:nvPr/>
+        </p:nvPicPr>
+        <p:blipFill>
+          <a:blip r:embed="rId4"/>
+          <a:stretch>
+            <a:fillRect/>
+          </a:stretch>
+        </p:blipFill>
+        <p:spPr>
+          <a:xfrm>
+            <a:off x="3869156" y="4666498"/>
+            <a:ext cx="6010275" cy="428625"/>
+          </a:xfrm>
+          <a:prstGeom prst="rect">
+            <a:avLst/>
+          </a:prstGeom>
+        </p:spPr>
+      </p:pic>
+      <p:pic>
+        <p:nvPicPr>
+          <p:cNvPr id="12" name="Picture 11">
+            <a:extLst>
+              <a:ext uri="{FF2B5EF4-FFF2-40B4-BE49-F238E27FC236}">
+                <a16:creationId xmlns:a16="http://schemas.microsoft.com/office/drawing/2014/main" id="{8592CB73-3CA6-C09B-B471-819B81FB136C}"/>
+              </a:ext>
+            </a:extLst>
+          </p:cNvPr>
+          <p:cNvPicPr>
+            <a:picLocks noChangeAspect="1"/>
+          </p:cNvPicPr>
+          <p:nvPr/>
+        </p:nvPicPr>
+        <p:blipFill>
+          <a:blip r:embed="rId5"/>
+          <a:stretch>
+            <a:fillRect/>
+          </a:stretch>
+        </p:blipFill>
+        <p:spPr>
+          <a:xfrm>
+            <a:off x="3890962" y="5306651"/>
+            <a:ext cx="4410075" cy="438150"/>
+          </a:xfrm>
+          <a:prstGeom prst="rect">
+            <a:avLst/>
+          </a:prstGeom>
+        </p:spPr>
+      </p:pic>
+    </p:spTree>
+    <p:extLst>
+      <p:ext uri="{BB962C8B-B14F-4D97-AF65-F5344CB8AC3E}">
+        <p14:creationId xmlns:p14="http://schemas.microsoft.com/office/powerpoint/2010/main" val="2747609104"/>
+      </p:ext>
+    </p:extLst>
+  </p:cSld>
+  <p:clrMapOvr>
+    <a:masterClrMapping/>
+  </p:clrMapOvr>
+</p:sld>
+</file>
+
+<file path=ppt/slides/slide15.xml><?xml version="1.0" encoding="utf-8"?>
+<p:sld xmlns:a="http://schemas.openxmlformats.org/drawingml/2006/main" xmlns:r="http://schemas.openxmlformats.org/officeDocument/2006/relationships" xmlns:p="http://schemas.openxmlformats.org/presentationml/2006/main">
+  <p:cSld>
+    <p:spTree>
+      <p:nvGrpSpPr>
+        <p:cNvPr id="1" name=""/>
+        <p:cNvGrpSpPr/>
+        <p:nvPr/>
+      </p:nvGrpSpPr>
+      <p:grpSpPr>
+        <a:xfrm>
+          <a:off x="0" y="0"/>
+          <a:ext cx="0" cy="0"/>
+          <a:chOff x="0" y="0"/>
+          <a:chExt cx="0" cy="0"/>
+        </a:xfrm>
+      </p:grpSpPr>
+      <p:sp>
+        <p:nvSpPr>
+          <p:cNvPr id="2" name="Title 1">
+            <a:extLst>
+              <a:ext uri="{FF2B5EF4-FFF2-40B4-BE49-F238E27FC236}">
+                <a16:creationId xmlns:a16="http://schemas.microsoft.com/office/drawing/2014/main" id="{14ED5139-853C-FB34-1B42-0E4C4061390E}"/>
+              </a:ext>
+            </a:extLst>
+          </p:cNvPr>
+          <p:cNvSpPr>
+            <a:spLocks noGrp="1"/>
+          </p:cNvSpPr>
+          <p:nvPr>
+            <p:ph type="title"/>
+          </p:nvPr>
+        </p:nvSpPr>
+        <p:spPr/>
+        <p:txBody>
+          <a:bodyPr/>
+          <a:lstStyle/>
+          <a:p>
+            <a:r>
+              <a:rPr lang="en-US"/>
+              <a:t>Results</a:t>
+            </a:r>
+            <a:endParaRPr lang="en-PL" dirty="0"/>
+          </a:p>
+        </p:txBody>
+      </p:sp>
+      <p:graphicFrame>
+        <p:nvGraphicFramePr>
+          <p:cNvPr id="3" name="Table 3">
+            <a:extLst>
+              <a:ext uri="{FF2B5EF4-FFF2-40B4-BE49-F238E27FC236}">
+                <a16:creationId xmlns:a16="http://schemas.microsoft.com/office/drawing/2014/main" id="{D2E463DE-3C3E-8E44-6DA7-857237601C09}"/>
+              </a:ext>
+            </a:extLst>
+          </p:cNvPr>
+          <p:cNvGraphicFramePr>
+            <a:graphicFrameLocks noGrp="1"/>
+          </p:cNvGraphicFramePr>
+          <p:nvPr>
+            <p:extLst>
+              <p:ext uri="{D42A27DB-BD31-4B8C-83A1-F6EECF244321}">
+                <p14:modId xmlns:p14="http://schemas.microsoft.com/office/powerpoint/2010/main" val="4285615850"/>
+              </p:ext>
+            </p:extLst>
+          </p:nvPr>
+        </p:nvGraphicFramePr>
+        <p:xfrm>
+          <a:off x="2407987" y="2963055"/>
+          <a:ext cx="6321777" cy="2214880"/>
+        </p:xfrm>
+        <a:graphic>
+          <a:graphicData uri="http://schemas.openxmlformats.org/drawingml/2006/table">
+            <a:tbl>
+              <a:tblPr firstRow="1">
+                <a:tableStyleId>{10A1B5D5-9B99-4C35-A422-299274C87663}</a:tableStyleId>
+              </a:tblPr>
+              <a:tblGrid>
+                <a:gridCol w="2709333">
+                  <a:extLst>
+                    <a:ext uri="{9D8B030D-6E8A-4147-A177-3AD203B41FA5}">
+                      <a16:colId xmlns:a16="http://schemas.microsoft.com/office/drawing/2014/main" val="827560038"/>
+                    </a:ext>
+                  </a:extLst>
+                </a:gridCol>
+                <a:gridCol w="903111">
+                  <a:extLst>
+                    <a:ext uri="{9D8B030D-6E8A-4147-A177-3AD203B41FA5}">
+                      <a16:colId xmlns:a16="http://schemas.microsoft.com/office/drawing/2014/main" val="2388348512"/>
+                    </a:ext>
+                  </a:extLst>
+                </a:gridCol>
+                <a:gridCol w="903111">
+                  <a:extLst>
+                    <a:ext uri="{9D8B030D-6E8A-4147-A177-3AD203B41FA5}">
+                      <a16:colId xmlns:a16="http://schemas.microsoft.com/office/drawing/2014/main" val="1156810535"/>
+                    </a:ext>
+                  </a:extLst>
+                </a:gridCol>
+                <a:gridCol w="903111">
+                  <a:extLst>
+                    <a:ext uri="{9D8B030D-6E8A-4147-A177-3AD203B41FA5}">
+                      <a16:colId xmlns:a16="http://schemas.microsoft.com/office/drawing/2014/main" val="3702625831"/>
+                    </a:ext>
+                  </a:extLst>
+                </a:gridCol>
+                <a:gridCol w="903111">
+                  <a:extLst>
+                    <a:ext uri="{9D8B030D-6E8A-4147-A177-3AD203B41FA5}">
+                      <a16:colId xmlns:a16="http://schemas.microsoft.com/office/drawing/2014/main" val="691491962"/>
+                    </a:ext>
+                  </a:extLst>
+                </a:gridCol>
+              </a:tblGrid>
+              <a:tr h="185420">
+                <a:tc rowSpan="2">
+                  <a:txBody>
+                    <a:bodyPr/>
+                    <a:lstStyle/>
+                    <a:p>
+                      <a:r>
+                        <a:rPr lang="en-US">
+                          <a:solidFill>
+                            <a:schemeClr val="bg1"/>
+                          </a:solidFill>
+                        </a:rPr>
+                        <a:t>Model</a:t>
+                      </a:r>
+                    </a:p>
+                  </a:txBody>
+                  <a:tcPr anchor="ctr">
+                    <a:lnR w="28575" cap="flat" cmpd="sng" algn="ctr">
+                      <a:solidFill>
+                        <a:schemeClr val="bg1"/>
+                      </a:solidFill>
+                      <a:prstDash val="solid"/>
+                      <a:round/>
+                      <a:headEnd type="none" w="med" len="med"/>
+                      <a:tailEnd type="none" w="med" len="med"/>
+                    </a:lnR>
+                  </a:tcPr>
+                </a:tc>
+                <a:tc gridSpan="2">
+                  <a:txBody>
+                    <a:bodyPr/>
+                    <a:lstStyle/>
+                    <a:p>
+                      <a:pPr algn="ctr"/>
+                      <a:r>
+                        <a:rPr lang="en-US">
+                          <a:solidFill>
+                            <a:schemeClr val="bg1"/>
+                          </a:solidFill>
+                        </a:rPr>
+                        <a:t>Training score</a:t>
+                      </a:r>
+                    </a:p>
+                  </a:txBody>
+                  <a:tcPr anchor="ctr">
+                    <a:lnL w="28575" cap="flat" cmpd="sng" algn="ctr">
+                      <a:solidFill>
+                        <a:schemeClr val="bg1"/>
+                      </a:solidFill>
+                      <a:prstDash val="solid"/>
+                      <a:round/>
+                      <a:headEnd type="none" w="med" len="med"/>
+                      <a:tailEnd type="none" w="med" len="med"/>
+                    </a:lnL>
+                    <a:lnR w="28575" cap="flat" cmpd="sng" algn="ctr">
+                      <a:solidFill>
+                        <a:schemeClr val="bg1"/>
+                      </a:solidFill>
+                      <a:prstDash val="solid"/>
+                      <a:round/>
+                      <a:headEnd type="none" w="med" len="med"/>
+                      <a:tailEnd type="none" w="med" len="med"/>
+                    </a:lnR>
+                    <a:lnB w="12700" cmpd="sng">
+                      <a:noFill/>
+                    </a:lnB>
+                  </a:tcPr>
+                </a:tc>
+                <a:tc hMerge="1">
+                  <a:txBody>
+                    <a:bodyPr/>
+                    <a:lstStyle/>
+                    <a:p>
+                      <a:endParaRPr lang="en-US"/>
+                    </a:p>
+                  </a:txBody>
+                  <a:tcPr/>
+                </a:tc>
+                <a:tc gridSpan="2">
+                  <a:txBody>
+                    <a:bodyPr/>
+                    <a:lstStyle/>
+                    <a:p>
+                      <a:pPr algn="ctr"/>
+                      <a:r>
+                        <a:rPr lang="en-US">
+                          <a:solidFill>
+                            <a:schemeClr val="bg1"/>
+                          </a:solidFill>
+                        </a:rPr>
+                        <a:t>Test score</a:t>
+                      </a:r>
+                    </a:p>
+                  </a:txBody>
+                  <a:tcPr anchor="ctr">
+                    <a:lnL w="28575" cap="flat" cmpd="sng" algn="ctr">
+                      <a:solidFill>
+                        <a:schemeClr val="bg1"/>
+                      </a:solidFill>
+                      <a:prstDash val="solid"/>
+                      <a:round/>
+                      <a:headEnd type="none" w="med" len="med"/>
+                      <a:tailEnd type="none" w="med" len="med"/>
+                    </a:lnL>
+                    <a:lnB w="12700" cmpd="sng">
+                      <a:noFill/>
+                    </a:lnB>
+                  </a:tcPr>
+                </a:tc>
+                <a:tc hMerge="1">
+                  <a:txBody>
+                    <a:bodyPr/>
+                    <a:lstStyle/>
+                    <a:p>
+                      <a:endParaRPr lang="en-US"/>
+                    </a:p>
+                  </a:txBody>
+                  <a:tcPr/>
+                </a:tc>
+                <a:extLst>
+                  <a:ext uri="{0D108BD9-81ED-4DB2-BD59-A6C34878D82A}">
+                    <a16:rowId xmlns:a16="http://schemas.microsoft.com/office/drawing/2014/main" val="342436175"/>
+                  </a:ext>
+                </a:extLst>
+              </a:tr>
+              <a:tr h="185420">
+                <a:tc vMerge="1">
+                  <a:txBody>
+                    <a:bodyPr/>
+                    <a:lstStyle/>
+                    <a:p>
+                      <a:endParaRPr lang="en-US"/>
+                    </a:p>
+                  </a:txBody>
+                  <a:tcPr/>
+                </a:tc>
+                <a:tc>
+                  <a:txBody>
+                    <a:bodyPr/>
+                    <a:lstStyle/>
+                    <a:p>
+                      <a:pPr algn="ctr"/>
+                      <a:r>
+                        <a:rPr lang="en-US">
+                          <a:solidFill>
+                            <a:schemeClr val="bg1"/>
+                          </a:solidFill>
+                        </a:rPr>
+                        <a:t>AUC</a:t>
+                      </a:r>
+                    </a:p>
+                  </a:txBody>
+                  <a:tcPr anchor="ctr">
+                    <a:lnL w="28575" cap="flat" cmpd="sng" algn="ctr">
+                      <a:solidFill>
+                        <a:schemeClr val="bg1"/>
+                      </a:solidFill>
+                      <a:prstDash val="solid"/>
+                      <a:round/>
+                      <a:headEnd type="none" w="med" len="med"/>
+                      <a:tailEnd type="none" w="med" len="med"/>
+                    </a:lnL>
+                    <a:lnR w="28575" cap="flat" cmpd="sng" algn="ctr">
+                      <a:solidFill>
+                        <a:schemeClr val="bg1"/>
+                      </a:solidFill>
+                      <a:prstDash val="solid"/>
+                      <a:round/>
+                      <a:headEnd type="none" w="med" len="med"/>
+                      <a:tailEnd type="none" w="med" len="med"/>
+                    </a:lnR>
+                    <a:lnT w="12700" cmpd="sng">
+                      <a:noFill/>
+                    </a:lnT>
+                    <a:solidFill>
+                      <a:schemeClr val="accent6"/>
+                    </a:solidFill>
+                  </a:tcPr>
+                </a:tc>
+                <a:tc>
+                  <a:txBody>
+                    <a:bodyPr/>
+                    <a:lstStyle/>
+                    <a:p>
+                      <a:pPr algn="ctr"/>
+                      <a:r>
+                        <a:rPr lang="en-US">
+                          <a:solidFill>
+                            <a:schemeClr val="bg1"/>
+                          </a:solidFill>
+                        </a:rPr>
+                        <a:t>F1</a:t>
+                      </a:r>
+                    </a:p>
+                  </a:txBody>
+                  <a:tcPr anchor="ctr">
+                    <a:lnL w="28575" cap="flat" cmpd="sng" algn="ctr">
+                      <a:solidFill>
+                        <a:schemeClr val="bg1"/>
+                      </a:solidFill>
+                      <a:prstDash val="solid"/>
+                      <a:round/>
+                      <a:headEnd type="none" w="med" len="med"/>
+                      <a:tailEnd type="none" w="med" len="med"/>
+                    </a:lnL>
+                    <a:lnR w="28575" cap="flat" cmpd="sng" algn="ctr">
+                      <a:solidFill>
+                        <a:schemeClr val="bg1"/>
+                      </a:solidFill>
+                      <a:prstDash val="solid"/>
+                      <a:round/>
+                      <a:headEnd type="none" w="med" len="med"/>
+                      <a:tailEnd type="none" w="med" len="med"/>
+                    </a:lnR>
+                    <a:lnT w="12700" cmpd="sng">
+                      <a:noFill/>
+                    </a:lnT>
+                    <a:solidFill>
+                      <a:schemeClr val="accent6"/>
+                    </a:solidFill>
+                  </a:tcPr>
+                </a:tc>
+                <a:tc>
+                  <a:txBody>
+                    <a:bodyPr/>
+                    <a:lstStyle/>
+                    <a:p>
+                      <a:pPr algn="ctr"/>
+                      <a:r>
+                        <a:rPr lang="en-US">
+                          <a:solidFill>
+                            <a:schemeClr val="bg1"/>
+                          </a:solidFill>
+                        </a:rPr>
+                        <a:t>AUC</a:t>
+                      </a:r>
+                    </a:p>
+                  </a:txBody>
+                  <a:tcPr anchor="ctr">
+                    <a:lnL w="28575" cap="flat" cmpd="sng" algn="ctr">
+                      <a:solidFill>
+                        <a:schemeClr val="bg1"/>
+                      </a:solidFill>
+                      <a:prstDash val="solid"/>
+                      <a:round/>
+                      <a:headEnd type="none" w="med" len="med"/>
+                      <a:tailEnd type="none" w="med" len="med"/>
+                    </a:lnL>
+                    <a:lnR w="28575" cap="flat" cmpd="sng" algn="ctr">
+                      <a:solidFill>
+                        <a:schemeClr val="bg1"/>
+                      </a:solidFill>
+                      <a:prstDash val="solid"/>
+                      <a:round/>
+                      <a:headEnd type="none" w="med" len="med"/>
+                      <a:tailEnd type="none" w="med" len="med"/>
+                    </a:lnR>
+                    <a:lnT w="12700" cmpd="sng">
+                      <a:noFill/>
+                    </a:lnT>
+                    <a:solidFill>
+                      <a:schemeClr val="accent6"/>
+                    </a:solidFill>
+                  </a:tcPr>
+                </a:tc>
+                <a:tc>
+                  <a:txBody>
+                    <a:bodyPr/>
+                    <a:lstStyle/>
+                    <a:p>
+                      <a:pPr algn="ctr"/>
+                      <a:r>
+                        <a:rPr lang="en-US">
+                          <a:solidFill>
+                            <a:schemeClr val="bg1"/>
+                          </a:solidFill>
+                        </a:rPr>
+                        <a:t>F1</a:t>
+                      </a:r>
+                    </a:p>
+                  </a:txBody>
+                  <a:tcPr anchor="ctr">
+                    <a:lnL w="28575" cap="flat" cmpd="sng" algn="ctr">
+                      <a:solidFill>
+                        <a:schemeClr val="bg1"/>
+                      </a:solidFill>
+                      <a:prstDash val="solid"/>
+                      <a:round/>
+                      <a:headEnd type="none" w="med" len="med"/>
+                      <a:tailEnd type="none" w="med" len="med"/>
+                    </a:lnL>
+                    <a:solidFill>
+                      <a:schemeClr val="accent6"/>
+                    </a:solidFill>
+                  </a:tcPr>
+                </a:tc>
+                <a:extLst>
+                  <a:ext uri="{0D108BD9-81ED-4DB2-BD59-A6C34878D82A}">
+                    <a16:rowId xmlns:a16="http://schemas.microsoft.com/office/drawing/2014/main" val="786338898"/>
+                  </a:ext>
+                </a:extLst>
+              </a:tr>
+              <a:tr h="370840">
+                <a:tc>
+                  <a:txBody>
+                    <a:bodyPr/>
+                    <a:lstStyle/>
+                    <a:p>
+                      <a:r>
+                        <a:rPr lang="en-US"/>
+                        <a:t>Logistic regression</a:t>
+                      </a:r>
+                    </a:p>
+                  </a:txBody>
+                  <a:tcPr>
+                    <a:solidFill>
+                      <a:schemeClr val="accent6">
+                        <a:lumMod val="20000"/>
+                        <a:lumOff val="80000"/>
+                      </a:schemeClr>
+                    </a:solidFill>
+                  </a:tcPr>
+                </a:tc>
+                <a:tc>
+                  <a:txBody>
+                    <a:bodyPr/>
+                    <a:lstStyle/>
+                    <a:p>
+                      <a:pPr algn="ctr"/>
+                      <a:r>
+                        <a:rPr lang="en-US"/>
+                        <a:t>0.823</a:t>
+                      </a:r>
+                    </a:p>
+                  </a:txBody>
+                  <a:tcPr>
+                    <a:solidFill>
+                      <a:schemeClr val="accent6">
+                        <a:lumMod val="20000"/>
+                        <a:lumOff val="80000"/>
+                      </a:schemeClr>
+                    </a:solidFill>
+                  </a:tcPr>
+                </a:tc>
+                <a:tc>
+                  <a:txBody>
+                    <a:bodyPr/>
+                    <a:lstStyle/>
+                    <a:p>
+                      <a:pPr algn="ctr"/>
+                      <a:r>
+                        <a:rPr lang="en-US"/>
+                        <a:t>0.749</a:t>
+                      </a:r>
+                    </a:p>
+                  </a:txBody>
+                  <a:tcPr>
+                    <a:solidFill>
+                      <a:schemeClr val="accent6">
+                        <a:lumMod val="20000"/>
+                        <a:lumOff val="80000"/>
+                      </a:schemeClr>
+                    </a:solidFill>
+                  </a:tcPr>
+                </a:tc>
+                <a:tc>
+                  <a:txBody>
+                    <a:bodyPr/>
+                    <a:lstStyle/>
+                    <a:p>
+                      <a:pPr algn="ctr"/>
+                      <a:r>
+                        <a:rPr lang="en-US"/>
+                        <a:t>0.826</a:t>
+                      </a:r>
+                    </a:p>
+                  </a:txBody>
+                  <a:tcPr>
+                    <a:solidFill>
+                      <a:schemeClr val="accent6">
+                        <a:lumMod val="20000"/>
+                        <a:lumOff val="80000"/>
+                      </a:schemeClr>
+                    </a:solidFill>
+                  </a:tcPr>
+                </a:tc>
+                <a:tc>
+                  <a:txBody>
+                    <a:bodyPr/>
+                    <a:lstStyle/>
+                    <a:p>
+                      <a:pPr algn="ctr"/>
+                      <a:r>
+                        <a:rPr lang="en-US"/>
+                        <a:t>0.756</a:t>
+                      </a:r>
+                    </a:p>
+                  </a:txBody>
+                  <a:tcPr>
+                    <a:solidFill>
+                      <a:schemeClr val="accent6">
+                        <a:lumMod val="20000"/>
+                        <a:lumOff val="80000"/>
+                      </a:schemeClr>
+                    </a:solidFill>
+                  </a:tcPr>
+                </a:tc>
+                <a:extLst>
+                  <a:ext uri="{0D108BD9-81ED-4DB2-BD59-A6C34878D82A}">
+                    <a16:rowId xmlns:a16="http://schemas.microsoft.com/office/drawing/2014/main" val="1740106630"/>
+                  </a:ext>
+                </a:extLst>
+              </a:tr>
+              <a:tr h="370840">
+                <a:tc>
+                  <a:txBody>
+                    <a:bodyPr/>
+                    <a:lstStyle/>
+                    <a:p>
+                      <a:r>
+                        <a:rPr lang="en-US"/>
+                        <a:t>Random forest</a:t>
+                      </a:r>
+                    </a:p>
+                  </a:txBody>
+                  <a:tcPr/>
+                </a:tc>
+                <a:tc>
+                  <a:txBody>
+                    <a:bodyPr/>
+                    <a:lstStyle/>
+                    <a:p>
+                      <a:pPr algn="ctr"/>
+                      <a:r>
+                        <a:rPr lang="en-US"/>
+                        <a:t>0.821</a:t>
+                      </a:r>
+                    </a:p>
+                  </a:txBody>
+                  <a:tcPr/>
+                </a:tc>
+                <a:tc>
+                  <a:txBody>
+                    <a:bodyPr/>
+                    <a:lstStyle/>
+                    <a:p>
+                      <a:pPr algn="ctr"/>
+                      <a:r>
+                        <a:rPr lang="en-US"/>
+                        <a:t>0.755</a:t>
+                      </a:r>
+                    </a:p>
+                  </a:txBody>
+                  <a:tcPr/>
+                </a:tc>
+                <a:tc>
+                  <a:txBody>
+                    <a:bodyPr/>
+                    <a:lstStyle/>
+                    <a:p>
+                      <a:pPr algn="ctr"/>
+                      <a:r>
+                        <a:rPr lang="en-US"/>
+                        <a:t>0.826</a:t>
+                      </a:r>
+                    </a:p>
+                  </a:txBody>
+                  <a:tcPr/>
+                </a:tc>
+                <a:tc>
+                  <a:txBody>
+                    <a:bodyPr/>
+                    <a:lstStyle/>
+                    <a:p>
+                      <a:pPr algn="ctr"/>
+                      <a:r>
+                        <a:rPr lang="en-US"/>
+                        <a:t>0.761</a:t>
+                      </a:r>
+                    </a:p>
+                  </a:txBody>
+                  <a:tcPr/>
+                </a:tc>
+                <a:extLst>
+                  <a:ext uri="{0D108BD9-81ED-4DB2-BD59-A6C34878D82A}">
+                    <a16:rowId xmlns:a16="http://schemas.microsoft.com/office/drawing/2014/main" val="2150813504"/>
+                  </a:ext>
+                </a:extLst>
+              </a:tr>
+              <a:tr h="370840">
+                <a:tc>
+                  <a:txBody>
+                    <a:bodyPr/>
+                    <a:lstStyle/>
+                    <a:p>
+                      <a:r>
+                        <a:rPr lang="en-US"/>
+                        <a:t>XGBoost</a:t>
+                      </a:r>
+                    </a:p>
+                  </a:txBody>
+                  <a:tcPr/>
+                </a:tc>
+                <a:tc>
+                  <a:txBody>
+                    <a:bodyPr/>
+                    <a:lstStyle/>
+                    <a:p>
+                      <a:pPr algn="ctr"/>
+                      <a:r>
+                        <a:rPr lang="en-US"/>
+                        <a:t>0.827</a:t>
+                      </a:r>
+                    </a:p>
+                  </a:txBody>
+                  <a:tcPr/>
+                </a:tc>
+                <a:tc>
+                  <a:txBody>
+                    <a:bodyPr/>
+                    <a:lstStyle/>
+                    <a:p>
+                      <a:pPr algn="ctr"/>
+                      <a:r>
+                        <a:rPr lang="en-US"/>
+                        <a:t>0.760</a:t>
+                      </a:r>
+                    </a:p>
+                  </a:txBody>
+                  <a:tcPr/>
+                </a:tc>
+                <a:tc>
+                  <a:txBody>
+                    <a:bodyPr/>
+                    <a:lstStyle/>
+                    <a:p>
+                      <a:pPr algn="ctr"/>
+                      <a:r>
+                        <a:rPr lang="en-US"/>
+                        <a:t>0.819</a:t>
+                      </a:r>
+                    </a:p>
+                  </a:txBody>
+                  <a:tcPr/>
+                </a:tc>
+                <a:tc>
+                  <a:txBody>
+                    <a:bodyPr/>
+                    <a:lstStyle/>
+                    <a:p>
+                      <a:pPr algn="ctr"/>
+                      <a:r>
+                        <a:rPr lang="en-US"/>
+                        <a:t>0.756</a:t>
+                      </a:r>
+                    </a:p>
+                  </a:txBody>
+                  <a:tcPr/>
+                </a:tc>
+                <a:extLst>
+                  <a:ext uri="{0D108BD9-81ED-4DB2-BD59-A6C34878D82A}">
+                    <a16:rowId xmlns:a16="http://schemas.microsoft.com/office/drawing/2014/main" val="1612812703"/>
+                  </a:ext>
+                </a:extLst>
+              </a:tr>
+              <a:tr h="370840">
+                <a:tc>
+                  <a:txBody>
+                    <a:bodyPr/>
+                    <a:lstStyle/>
+                    <a:p>
+                      <a:r>
+                        <a:rPr lang="en-US"/>
+                        <a:t>Neural network</a:t>
+                      </a:r>
+                    </a:p>
+                  </a:txBody>
+                  <a:tcPr/>
+                </a:tc>
+                <a:tc>
+                  <a:txBody>
+                    <a:bodyPr/>
+                    <a:lstStyle/>
+                    <a:p>
+                      <a:endParaRPr lang="en-US"/>
+                    </a:p>
+                  </a:txBody>
+                  <a:tcPr/>
+                </a:tc>
+                <a:tc>
+                  <a:txBody>
+                    <a:bodyPr/>
+                    <a:lstStyle/>
+                    <a:p>
+                      <a:endParaRPr lang="en-US"/>
+                    </a:p>
+                  </a:txBody>
+                  <a:tcPr/>
+                </a:tc>
+                <a:tc>
+                  <a:txBody>
+                    <a:bodyPr/>
+                    <a:lstStyle/>
+                    <a:p>
+                      <a:endParaRPr lang="en-US"/>
+                    </a:p>
+                  </a:txBody>
+                  <a:tcPr/>
+                </a:tc>
+                <a:tc>
+                  <a:txBody>
+                    <a:bodyPr/>
+                    <a:lstStyle/>
+                    <a:p>
+                      <a:endParaRPr lang="en-US"/>
+                    </a:p>
+                  </a:txBody>
+                  <a:tcPr/>
+                </a:tc>
+                <a:extLst>
+                  <a:ext uri="{0D108BD9-81ED-4DB2-BD59-A6C34878D82A}">
+                    <a16:rowId xmlns:a16="http://schemas.microsoft.com/office/drawing/2014/main" val="79357264"/>
+                  </a:ext>
+                </a:extLst>
+              </a:tr>
+            </a:tbl>
+          </a:graphicData>
+        </a:graphic>
+      </p:graphicFrame>
+    </p:spTree>
+    <p:extLst>
+      <p:ext uri="{BB962C8B-B14F-4D97-AF65-F5344CB8AC3E}">
+        <p14:creationId xmlns:p14="http://schemas.microsoft.com/office/powerpoint/2010/main" val="4280039355"/>
+      </p:ext>
+    </p:extLst>
+  </p:cSld>
+  <p:clrMapOvr>
+    <a:masterClrMapping/>
+  </p:clrMapOvr>
+</p:sld>
+</file>
+
 <file path=ppt/slides/slide2.xml><?xml version="1.0" encoding="utf-8"?>
 <p:sld xmlns:a="http://schemas.openxmlformats.org/drawingml/2006/main" xmlns:r="http://schemas.openxmlformats.org/officeDocument/2006/relationships" xmlns:p="http://schemas.openxmlformats.org/presentationml/2006/main">
   <p:cSld>
@@ -3885,7 +7575,7 @@
           <p:nvPr/>
         </p:nvPicPr>
         <p:blipFill>
-          <a:blip r:embed="rId2"/>
+          <a:blip r:embed="rId3"/>
           <a:stretch>
             <a:fillRect/>
           </a:stretch>
@@ -3966,36 +7656,6 @@
           <p:nvPr/>
         </p:nvPicPr>
         <p:blipFill>
-          <a:blip r:embed="rId3"/>
-          <a:stretch>
-            <a:fillRect/>
-          </a:stretch>
-        </p:blipFill>
-        <p:spPr>
-          <a:xfrm>
-            <a:off x="4103648" y="2260611"/>
-            <a:ext cx="669096" cy="669096"/>
-          </a:xfrm>
-          <a:prstGeom prst="rect">
-            <a:avLst/>
-          </a:prstGeom>
-        </p:spPr>
-      </p:pic>
-      <p:pic>
-        <p:nvPicPr>
-          <p:cNvPr id="16" name="Picture 15" descr="Icon&#10;&#10;Description automatically generated">
-            <a:extLst>
-              <a:ext uri="{FF2B5EF4-FFF2-40B4-BE49-F238E27FC236}">
-                <a16:creationId xmlns:a16="http://schemas.microsoft.com/office/drawing/2014/main" id="{33725F0D-4305-4C28-1C28-84E44F0B4B12}"/>
-              </a:ext>
-            </a:extLst>
-          </p:cNvPr>
-          <p:cNvPicPr>
-            <a:picLocks noChangeAspect="1"/>
-          </p:cNvPicPr>
-          <p:nvPr/>
-        </p:nvPicPr>
-        <p:blipFill>
           <a:blip r:embed="rId4"/>
           <a:stretch>
             <a:fillRect/>
@@ -4003,8 +7663,8 @@
         </p:blipFill>
         <p:spPr>
           <a:xfrm>
-            <a:off x="2567238" y="4086225"/>
-            <a:ext cx="1797574" cy="1797574"/>
+            <a:off x="4103648" y="2260611"/>
+            <a:ext cx="669096" cy="669096"/>
           </a:xfrm>
           <a:prstGeom prst="rect">
             <a:avLst/>
@@ -4013,10 +7673,10 @@
       </p:pic>
       <p:pic>
         <p:nvPicPr>
-          <p:cNvPr id="5" name="Picture 4" descr="A picture containing text, clock&#10;&#10;Description automatically generated">
-            <a:extLst>
-              <a:ext uri="{FF2B5EF4-FFF2-40B4-BE49-F238E27FC236}">
-                <a16:creationId xmlns:a16="http://schemas.microsoft.com/office/drawing/2014/main" id="{E7095636-84ED-BF6D-9B58-163A9F553E43}"/>
+          <p:cNvPr id="16" name="Picture 15" descr="Icon&#10;&#10;Description automatically generated">
+            <a:extLst>
+              <a:ext uri="{FF2B5EF4-FFF2-40B4-BE49-F238E27FC236}">
+                <a16:creationId xmlns:a16="http://schemas.microsoft.com/office/drawing/2014/main" id="{33725F0D-4305-4C28-1C28-84E44F0B4B12}"/>
               </a:ext>
             </a:extLst>
           </p:cNvPr>
@@ -4027,6 +7687,36 @@
         </p:nvPicPr>
         <p:blipFill>
           <a:blip r:embed="rId5"/>
+          <a:stretch>
+            <a:fillRect/>
+          </a:stretch>
+        </p:blipFill>
+        <p:spPr>
+          <a:xfrm>
+            <a:off x="2567238" y="4086225"/>
+            <a:ext cx="1797574" cy="1797574"/>
+          </a:xfrm>
+          <a:prstGeom prst="rect">
+            <a:avLst/>
+          </a:prstGeom>
+        </p:spPr>
+      </p:pic>
+      <p:pic>
+        <p:nvPicPr>
+          <p:cNvPr id="5" name="Picture 4" descr="A picture containing text, clock&#10;&#10;Description automatically generated">
+            <a:extLst>
+              <a:ext uri="{FF2B5EF4-FFF2-40B4-BE49-F238E27FC236}">
+                <a16:creationId xmlns:a16="http://schemas.microsoft.com/office/drawing/2014/main" id="{E7095636-84ED-BF6D-9B58-163A9F553E43}"/>
+              </a:ext>
+            </a:extLst>
+          </p:cNvPr>
+          <p:cNvPicPr>
+            <a:picLocks noChangeAspect="1"/>
+          </p:cNvPicPr>
+          <p:nvPr/>
+        </p:nvPicPr>
+        <p:blipFill>
+          <a:blip r:embed="rId6"/>
           <a:stretch>
             <a:fillRect/>
           </a:stretch>
@@ -4422,7 +8112,7 @@
           <p:nvPr/>
         </p:nvPicPr>
         <p:blipFill>
-          <a:blip r:embed="rId2"/>
+          <a:blip r:embed="rId3"/>
           <a:stretch>
             <a:fillRect/>
           </a:stretch>
@@ -5274,7 +8964,7 @@
           <p:nvPr/>
         </p:nvPicPr>
         <p:blipFill>
-          <a:blip r:embed="rId2"/>
+          <a:blip r:embed="rId3"/>
           <a:stretch>
             <a:fillRect/>
           </a:stretch>
@@ -5304,7 +8994,7 @@
           <p:nvPr/>
         </p:nvPicPr>
         <p:blipFill>
-          <a:blip r:embed="rId3"/>
+          <a:blip r:embed="rId4"/>
           <a:stretch>
             <a:fillRect/>
           </a:stretch>
@@ -5393,36 +9083,6 @@
           <p:nvPr/>
         </p:nvPicPr>
         <p:blipFill>
-          <a:blip r:embed="rId2"/>
-          <a:stretch>
-            <a:fillRect/>
-          </a:stretch>
-        </p:blipFill>
-        <p:spPr>
-          <a:xfrm>
-            <a:off x="332895" y="2343150"/>
-            <a:ext cx="3596108" cy="3573956"/>
-          </a:xfrm>
-          <a:prstGeom prst="rect">
-            <a:avLst/>
-          </a:prstGeom>
-        </p:spPr>
-      </p:pic>
-      <p:pic>
-        <p:nvPicPr>
-          <p:cNvPr id="6" name="Picture 5">
-            <a:extLst>
-              <a:ext uri="{FF2B5EF4-FFF2-40B4-BE49-F238E27FC236}">
-                <a16:creationId xmlns:a16="http://schemas.microsoft.com/office/drawing/2014/main" id="{47167ED2-3905-0931-CC2E-81C21D44FA34}"/>
-              </a:ext>
-            </a:extLst>
-          </p:cNvPr>
-          <p:cNvPicPr>
-            <a:picLocks noChangeAspect="1"/>
-          </p:cNvPicPr>
-          <p:nvPr/>
-        </p:nvPicPr>
-        <p:blipFill>
           <a:blip r:embed="rId3"/>
           <a:stretch>
             <a:fillRect/>
@@ -5430,8 +9090,8 @@
         </p:blipFill>
         <p:spPr>
           <a:xfrm>
-            <a:off x="3991034" y="2343150"/>
-            <a:ext cx="3581341" cy="3573956"/>
+            <a:off x="332895" y="2343150"/>
+            <a:ext cx="3596108" cy="3573956"/>
           </a:xfrm>
           <a:prstGeom prst="rect">
             <a:avLst/>
@@ -5440,10 +9100,10 @@
       </p:pic>
       <p:pic>
         <p:nvPicPr>
-          <p:cNvPr id="9" name="Picture 8">
-            <a:extLst>
-              <a:ext uri="{FF2B5EF4-FFF2-40B4-BE49-F238E27FC236}">
-                <a16:creationId xmlns:a16="http://schemas.microsoft.com/office/drawing/2014/main" id="{FC1A649E-EEAB-14D1-CC21-8B460FA7C55E}"/>
+          <p:cNvPr id="6" name="Picture 5">
+            <a:extLst>
+              <a:ext uri="{FF2B5EF4-FFF2-40B4-BE49-F238E27FC236}">
+                <a16:creationId xmlns:a16="http://schemas.microsoft.com/office/drawing/2014/main" id="{47167ED2-3905-0931-CC2E-81C21D44FA34}"/>
               </a:ext>
             </a:extLst>
           </p:cNvPr>
@@ -5454,6 +9114,36 @@
         </p:nvPicPr>
         <p:blipFill>
           <a:blip r:embed="rId4"/>
+          <a:stretch>
+            <a:fillRect/>
+          </a:stretch>
+        </p:blipFill>
+        <p:spPr>
+          <a:xfrm>
+            <a:off x="3991034" y="2343150"/>
+            <a:ext cx="3581341" cy="3573956"/>
+          </a:xfrm>
+          <a:prstGeom prst="rect">
+            <a:avLst/>
+          </a:prstGeom>
+        </p:spPr>
+      </p:pic>
+      <p:pic>
+        <p:nvPicPr>
+          <p:cNvPr id="9" name="Picture 8">
+            <a:extLst>
+              <a:ext uri="{FF2B5EF4-FFF2-40B4-BE49-F238E27FC236}">
+                <a16:creationId xmlns:a16="http://schemas.microsoft.com/office/drawing/2014/main" id="{FC1A649E-EEAB-14D1-CC21-8B460FA7C55E}"/>
+              </a:ext>
+            </a:extLst>
+          </p:cNvPr>
+          <p:cNvPicPr>
+            <a:picLocks noChangeAspect="1"/>
+          </p:cNvPicPr>
+          <p:nvPr/>
+        </p:nvPicPr>
+        <p:blipFill>
+          <a:blip r:embed="rId5"/>
           <a:stretch>
             <a:fillRect/>
           </a:stretch>
@@ -6064,7 +9754,7 @@
           <p:nvPr/>
         </p:nvPicPr>
         <p:blipFill rotWithShape="1">
-          <a:blip r:embed="rId2"/>
+          <a:blip r:embed="rId3"/>
           <a:srcRect t="890"/>
           <a:stretch/>
         </p:blipFill>
@@ -6291,7 +9981,7 @@
           <p:nvPr/>
         </p:nvPicPr>
         <p:blipFill>
-          <a:blip r:embed="rId3"/>
+          <a:blip r:embed="rId4"/>
           <a:stretch>
             <a:fillRect/>
           </a:stretch>
@@ -6321,7 +10011,7 @@
           <p:nvPr/>
         </p:nvPicPr>
         <p:blipFill>
-          <a:blip r:embed="rId4"/>
+          <a:blip r:embed="rId5"/>
           <a:stretch>
             <a:fillRect/>
           </a:stretch>
@@ -7538,4 +11228,299 @@
     </a:ext>
   </a:extLst>
 </a:theme>
+</file>
+
+<file path=ppt/theme/theme2.xml><?xml version="1.0" encoding="utf-8"?>
+<a:theme xmlns:a="http://schemas.openxmlformats.org/drawingml/2006/main" name="Office Theme">
+  <a:themeElements>
+    <a:clrScheme name="Office">
+      <a:dk1>
+        <a:sysClr val="windowText" lastClr="000000"/>
+      </a:dk1>
+      <a:lt1>
+        <a:sysClr val="window" lastClr="FFFFFF"/>
+      </a:lt1>
+      <a:dk2>
+        <a:srgbClr val="44546A"/>
+      </a:dk2>
+      <a:lt2>
+        <a:srgbClr val="E7E6E6"/>
+      </a:lt2>
+      <a:accent1>
+        <a:srgbClr val="4472C4"/>
+      </a:accent1>
+      <a:accent2>
+        <a:srgbClr val="ED7D31"/>
+      </a:accent2>
+      <a:accent3>
+        <a:srgbClr val="A5A5A5"/>
+      </a:accent3>
+      <a:accent4>
+        <a:srgbClr val="FFC000"/>
+      </a:accent4>
+      <a:accent5>
+        <a:srgbClr val="5B9BD5"/>
+      </a:accent5>
+      <a:accent6>
+        <a:srgbClr val="70AD47"/>
+      </a:accent6>
+      <a:hlink>
+        <a:srgbClr val="0563C1"/>
+      </a:hlink>
+      <a:folHlink>
+        <a:srgbClr val="954F72"/>
+      </a:folHlink>
+    </a:clrScheme>
+    <a:fontScheme name="Office">
+      <a:majorFont>
+        <a:latin typeface="Calibri Light" panose="020F0302020204030204"/>
+        <a:ea typeface=""/>
+        <a:cs typeface=""/>
+        <a:font script="Jpan" typeface="游ゴシック Light"/>
+        <a:font script="Hang" typeface="맑은 고딕"/>
+        <a:font script="Hans" typeface="等线 Light"/>
+        <a:font script="Hant" typeface="新細明體"/>
+        <a:font script="Arab" typeface="Times New Roman"/>
+        <a:font script="Hebr" typeface="Times New Roman"/>
+        <a:font script="Thai" typeface="Angsana New"/>
+        <a:font script="Ethi" typeface="Nyala"/>
+        <a:font script="Beng" typeface="Vrinda"/>
+        <a:font script="Gujr" typeface="Shruti"/>
+        <a:font script="Khmr" typeface="MoolBoran"/>
+        <a:font script="Knda" typeface="Tunga"/>
+        <a:font script="Guru" typeface="Raavi"/>
+        <a:font script="Cans" typeface="Euphemia"/>
+        <a:font script="Cher" typeface="Plantagenet Cherokee"/>
+        <a:font script="Yiii" typeface="Microsoft Yi Baiti"/>
+        <a:font script="Tibt" typeface="Microsoft Himalaya"/>
+        <a:font script="Thaa" typeface="MV Boli"/>
+        <a:font script="Deva" typeface="Mangal"/>
+        <a:font script="Telu" typeface="Gautami"/>
+        <a:font script="Taml" typeface="Latha"/>
+        <a:font script="Syrc" typeface="Estrangelo Edessa"/>
+        <a:font script="Orya" typeface="Kalinga"/>
+        <a:font script="Mlym" typeface="Kartika"/>
+        <a:font script="Laoo" typeface="DokChampa"/>
+        <a:font script="Sinh" typeface="Iskoola Pota"/>
+        <a:font script="Mong" typeface="Mongolian Baiti"/>
+        <a:font script="Viet" typeface="Times New Roman"/>
+        <a:font script="Uigh" typeface="Microsoft Uighur"/>
+        <a:font script="Geor" typeface="Sylfaen"/>
+        <a:font script="Armn" typeface="Arial"/>
+        <a:font script="Bugi" typeface="Leelawadee UI"/>
+        <a:font script="Bopo" typeface="Microsoft JhengHei"/>
+        <a:font script="Java" typeface="Javanese Text"/>
+        <a:font script="Lisu" typeface="Segoe UI"/>
+        <a:font script="Mymr" typeface="Myanmar Text"/>
+        <a:font script="Nkoo" typeface="Ebrima"/>
+        <a:font script="Olck" typeface="Nirmala UI"/>
+        <a:font script="Osma" typeface="Ebrima"/>
+        <a:font script="Phag" typeface="Phagspa"/>
+        <a:font script="Syrn" typeface="Estrangelo Edessa"/>
+        <a:font script="Syrj" typeface="Estrangelo Edessa"/>
+        <a:font script="Syre" typeface="Estrangelo Edessa"/>
+        <a:font script="Sora" typeface="Nirmala UI"/>
+        <a:font script="Tale" typeface="Microsoft Tai Le"/>
+        <a:font script="Talu" typeface="Microsoft New Tai Lue"/>
+        <a:font script="Tfng" typeface="Ebrima"/>
+      </a:majorFont>
+      <a:minorFont>
+        <a:latin typeface="Calibri" panose="020F0502020204030204"/>
+        <a:ea typeface=""/>
+        <a:cs typeface=""/>
+        <a:font script="Jpan" typeface="游ゴシック"/>
+        <a:font script="Hang" typeface="맑은 고딕"/>
+        <a:font script="Hans" typeface="等线"/>
+        <a:font script="Hant" typeface="新細明體"/>
+        <a:font script="Arab" typeface="Arial"/>
+        <a:font script="Hebr" typeface="Arial"/>
+        <a:font script="Thai" typeface="Cordia New"/>
+        <a:font script="Ethi" typeface="Nyala"/>
+        <a:font script="Beng" typeface="Vrinda"/>
+        <a:font script="Gujr" typeface="Shruti"/>
+        <a:font script="Khmr" typeface="DaunPenh"/>
+        <a:font script="Knda" typeface="Tunga"/>
+        <a:font script="Guru" typeface="Raavi"/>
+        <a:font script="Cans" typeface="Euphemia"/>
+        <a:font script="Cher" typeface="Plantagenet Cherokee"/>
+        <a:font script="Yiii" typeface="Microsoft Yi Baiti"/>
+        <a:font script="Tibt" typeface="Microsoft Himalaya"/>
+        <a:font script="Thaa" typeface="MV Boli"/>
+        <a:font script="Deva" typeface="Mangal"/>
+        <a:font script="Telu" typeface="Gautami"/>
+        <a:font script="Taml" typeface="Latha"/>
+        <a:font script="Syrc" typeface="Estrangelo Edessa"/>
+        <a:font script="Orya" typeface="Kalinga"/>
+        <a:font script="Mlym" typeface="Kartika"/>
+        <a:font script="Laoo" typeface="DokChampa"/>
+        <a:font script="Sinh" typeface="Iskoola Pota"/>
+        <a:font script="Mong" typeface="Mongolian Baiti"/>
+        <a:font script="Viet" typeface="Arial"/>
+        <a:font script="Uigh" typeface="Microsoft Uighur"/>
+        <a:font script="Geor" typeface="Sylfaen"/>
+        <a:font script="Armn" typeface="Arial"/>
+        <a:font script="Bugi" typeface="Leelawadee UI"/>
+        <a:font script="Bopo" typeface="Microsoft JhengHei"/>
+        <a:font script="Java" typeface="Javanese Text"/>
+        <a:font script="Lisu" typeface="Segoe UI"/>
+        <a:font script="Mymr" typeface="Myanmar Text"/>
+        <a:font script="Nkoo" typeface="Ebrima"/>
+        <a:font script="Olck" typeface="Nirmala UI"/>
+        <a:font script="Osma" typeface="Ebrima"/>
+        <a:font script="Phag" typeface="Phagspa"/>
+        <a:font script="Syrn" typeface="Estrangelo Edessa"/>
+        <a:font script="Syrj" typeface="Estrangelo Edessa"/>
+        <a:font script="Syre" typeface="Estrangelo Edessa"/>
+        <a:font script="Sora" typeface="Nirmala UI"/>
+        <a:font script="Tale" typeface="Microsoft Tai Le"/>
+        <a:font script="Talu" typeface="Microsoft New Tai Lue"/>
+        <a:font script="Tfng" typeface="Ebrima"/>
+      </a:minorFont>
+    </a:fontScheme>
+    <a:fmtScheme name="Office">
+      <a:fillStyleLst>
+        <a:solidFill>
+          <a:schemeClr val="phClr"/>
+        </a:solidFill>
+        <a:gradFill rotWithShape="1">
+          <a:gsLst>
+            <a:gs pos="0">
+              <a:schemeClr val="phClr">
+                <a:lumMod val="110000"/>
+                <a:satMod val="105000"/>
+                <a:tint val="67000"/>
+              </a:schemeClr>
+            </a:gs>
+            <a:gs pos="50000">
+              <a:schemeClr val="phClr">
+                <a:lumMod val="105000"/>
+                <a:satMod val="103000"/>
+                <a:tint val="73000"/>
+              </a:schemeClr>
+            </a:gs>
+            <a:gs pos="100000">
+              <a:schemeClr val="phClr">
+                <a:lumMod val="105000"/>
+                <a:satMod val="109000"/>
+                <a:tint val="81000"/>
+              </a:schemeClr>
+            </a:gs>
+          </a:gsLst>
+          <a:lin ang="5400000" scaled="0"/>
+        </a:gradFill>
+        <a:gradFill rotWithShape="1">
+          <a:gsLst>
+            <a:gs pos="0">
+              <a:schemeClr val="phClr">
+                <a:satMod val="103000"/>
+                <a:lumMod val="102000"/>
+                <a:tint val="94000"/>
+              </a:schemeClr>
+            </a:gs>
+            <a:gs pos="50000">
+              <a:schemeClr val="phClr">
+                <a:satMod val="110000"/>
+                <a:lumMod val="100000"/>
+                <a:shade val="100000"/>
+              </a:schemeClr>
+            </a:gs>
+            <a:gs pos="100000">
+              <a:schemeClr val="phClr">
+                <a:lumMod val="99000"/>
+                <a:satMod val="120000"/>
+                <a:shade val="78000"/>
+              </a:schemeClr>
+            </a:gs>
+          </a:gsLst>
+          <a:lin ang="5400000" scaled="0"/>
+        </a:gradFill>
+      </a:fillStyleLst>
+      <a:lnStyleLst>
+        <a:ln w="6350" cap="flat" cmpd="sng" algn="ctr">
+          <a:solidFill>
+            <a:schemeClr val="phClr"/>
+          </a:solidFill>
+          <a:prstDash val="solid"/>
+          <a:miter lim="800000"/>
+        </a:ln>
+        <a:ln w="12700" cap="flat" cmpd="sng" algn="ctr">
+          <a:solidFill>
+            <a:schemeClr val="phClr"/>
+          </a:solidFill>
+          <a:prstDash val="solid"/>
+          <a:miter lim="800000"/>
+        </a:ln>
+        <a:ln w="19050" cap="flat" cmpd="sng" algn="ctr">
+          <a:solidFill>
+            <a:schemeClr val="phClr"/>
+          </a:solidFill>
+          <a:prstDash val="solid"/>
+          <a:miter lim="800000"/>
+        </a:ln>
+      </a:lnStyleLst>
+      <a:effectStyleLst>
+        <a:effectStyle>
+          <a:effectLst/>
+        </a:effectStyle>
+        <a:effectStyle>
+          <a:effectLst/>
+        </a:effectStyle>
+        <a:effectStyle>
+          <a:effectLst>
+            <a:outerShdw blurRad="57150" dist="19050" dir="5400000" algn="ctr" rotWithShape="0">
+              <a:srgbClr val="000000">
+                <a:alpha val="63000"/>
+              </a:srgbClr>
+            </a:outerShdw>
+          </a:effectLst>
+        </a:effectStyle>
+      </a:effectStyleLst>
+      <a:bgFillStyleLst>
+        <a:solidFill>
+          <a:schemeClr val="phClr"/>
+        </a:solidFill>
+        <a:solidFill>
+          <a:schemeClr val="phClr">
+            <a:tint val="95000"/>
+            <a:satMod val="170000"/>
+          </a:schemeClr>
+        </a:solidFill>
+        <a:gradFill rotWithShape="1">
+          <a:gsLst>
+            <a:gs pos="0">
+              <a:schemeClr val="phClr">
+                <a:tint val="93000"/>
+                <a:satMod val="150000"/>
+                <a:shade val="98000"/>
+                <a:lumMod val="102000"/>
+              </a:schemeClr>
+            </a:gs>
+            <a:gs pos="50000">
+              <a:schemeClr val="phClr">
+                <a:tint val="98000"/>
+                <a:satMod val="130000"/>
+                <a:shade val="90000"/>
+                <a:lumMod val="103000"/>
+              </a:schemeClr>
+            </a:gs>
+            <a:gs pos="100000">
+              <a:schemeClr val="phClr">
+                <a:shade val="63000"/>
+                <a:satMod val="120000"/>
+              </a:schemeClr>
+            </a:gs>
+          </a:gsLst>
+          <a:lin ang="5400000" scaled="0"/>
+        </a:gradFill>
+      </a:bgFillStyleLst>
+    </a:fmtScheme>
+  </a:themeElements>
+  <a:objectDefaults/>
+  <a:extraClrSchemeLst/>
+  <a:extLst>
+    <a:ext uri="{05A4C25C-085E-4340-85A3-A5531E510DB2}">
+      <thm15:themeFamily xmlns:thm15="http://schemas.microsoft.com/office/thememl/2012/main" name="Office Theme" id="{62F939B6-93AF-4DB8-9C6B-D6C7DFDC589F}" vid="{4A3C46E8-61CC-4603-A589-7422A47A8E4A}"/>
+    </a:ext>
+  </a:extLst>
+</a:theme>
 </file>
--- a/slides/ML2_deck.pptx
+++ b/slides/ML2_deck.pptx
@@ -526,20 +526,7 @@
               <a:buFont typeface="Arial" panose="020B0604020202020204" pitchFamily="34" charset="0"/>
               <a:buChar char="•"/>
             </a:pPr>
-            <a:r>
-              <a:rPr lang="en-US"/>
-              <a:t>we will look at two problems – predicting a used car listing price and predicting whether someone is diabetic</a:t>
-            </a:r>
-          </a:p>
-          <a:p>
-            <a:pPr marL="171450" indent="-171450">
-              <a:buFont typeface="Arial" panose="020B0604020202020204" pitchFamily="34" charset="0"/>
-              <a:buChar char="•"/>
-            </a:pPr>
-            <a:r>
-              <a:rPr lang="en-US"/>
-              <a:t>I must say it was very hard to find a good dataset that was personally interesting to me, but I finally found two</a:t>
-            </a:r>
+            <a:endParaRPr lang="en-US"/>
           </a:p>
         </p:txBody>
       </p:sp>
@@ -627,20 +614,7 @@
               <a:buFont typeface="Arial" panose="020B0604020202020204" pitchFamily="34" charset="0"/>
               <a:buChar char="•"/>
             </a:pPr>
-            <a:r>
-              <a:rPr lang="en-US"/>
-              <a:t>there are quite a few predictors in here, most of them are binary, but we also have some ordinal variables, based on an arbitrary scale, so we can either treat them as numeric or categorical variables</a:t>
-            </a:r>
-          </a:p>
-          <a:p>
-            <a:pPr marL="171450" indent="-171450">
-              <a:buFont typeface="Arial" panose="020B0604020202020204" pitchFamily="34" charset="0"/>
-              <a:buChar char="•"/>
-            </a:pPr>
-            <a:r>
-              <a:rPr lang="en-US"/>
-              <a:t>though of course this would matter only for logistic regression</a:t>
-            </a:r>
+            <a:endParaRPr lang="en-US"/>
           </a:p>
         </p:txBody>
       </p:sp>
@@ -728,20 +702,7 @@
               <a:buFont typeface="Arial" panose="020B0604020202020204" pitchFamily="34" charset="0"/>
               <a:buChar char="•"/>
             </a:pPr>
-            <a:r>
-              <a:rPr lang="en-US"/>
-              <a:t>interestingly, we see here that predictors mostly have monotonic association with the target variable</a:t>
-            </a:r>
-          </a:p>
-          <a:p>
-            <a:pPr marL="171450" indent="-171450">
-              <a:buFont typeface="Arial" panose="020B0604020202020204" pitchFamily="34" charset="0"/>
-              <a:buChar char="•"/>
-            </a:pPr>
-            <a:r>
-              <a:rPr lang="en-US"/>
-              <a:t>this is of course not decisive, but based on these charts we can say that logistic regression should do pretty well</a:t>
-            </a:r>
+            <a:endParaRPr lang="en-US"/>
           </a:p>
         </p:txBody>
       </p:sp>
@@ -829,30 +790,7 @@
               <a:buFont typeface="Arial" panose="020B0604020202020204" pitchFamily="34" charset="0"/>
               <a:buChar char="•"/>
             </a:pPr>
-            <a:r>
-              <a:rPr lang="en-US"/>
-              <a:t>to test this, I will use logistic regression as a benchmark and random forest, XGBoost and neural network</a:t>
-            </a:r>
-          </a:p>
-          <a:p>
-            <a:pPr marL="171450" indent="-171450">
-              <a:buFont typeface="Arial" panose="020B0604020202020204" pitchFamily="34" charset="0"/>
-              <a:buChar char="•"/>
-            </a:pPr>
-            <a:r>
-              <a:rPr lang="en-US"/>
-              <a:t>this time I will use area under ROC curve</a:t>
-            </a:r>
-          </a:p>
-          <a:p>
-            <a:pPr marL="171450" indent="-171450">
-              <a:buFont typeface="Arial" panose="020B0604020202020204" pitchFamily="34" charset="0"/>
-              <a:buChar char="•"/>
-            </a:pPr>
-            <a:r>
-              <a:rPr lang="en-US"/>
-              <a:t>as well as F1 score, so the harmonic mean of precision and recall</a:t>
-            </a:r>
+            <a:endParaRPr lang="en-US"/>
           </a:p>
         </p:txBody>
       </p:sp>
@@ -940,10 +878,7 @@
               <a:buFont typeface="Arial" panose="020B0604020202020204" pitchFamily="34" charset="0"/>
               <a:buChar char="•"/>
             </a:pPr>
-            <a:r>
-              <a:rPr lang="en-US"/>
-              <a:t>same approach to tuning and validation, though this time I don’t need to onehotencode, since all the categorical variables are binary</a:t>
-            </a:r>
+            <a:endParaRPr lang="en-US"/>
           </a:p>
         </p:txBody>
       </p:sp>
@@ -1031,30 +966,7 @@
               <a:buFont typeface="Arial" panose="020B0604020202020204" pitchFamily="34" charset="0"/>
               <a:buChar char="•"/>
             </a:pPr>
-            <a:r>
-              <a:rPr lang="en-US"/>
-              <a:t>and quite surprisingly, it seems we don’t need any of the fancy methods, since logistic regression is either on par, or even outperforms decision trees</a:t>
-            </a:r>
-          </a:p>
-          <a:p>
-            <a:pPr marL="171450" indent="-171450">
-              <a:buFont typeface="Arial" panose="020B0604020202020204" pitchFamily="34" charset="0"/>
-              <a:buChar char="•"/>
-            </a:pPr>
-            <a:r>
-              <a:rPr lang="en-US"/>
-              <a:t>I was wondering why, and after a bit of digging I found out that, the questions in the survey are not just some random lifestyle questions, but carefully chosen based on diabetes literature</a:t>
-            </a:r>
-          </a:p>
-          <a:p>
-            <a:pPr marL="171450" indent="-171450">
-              <a:buFont typeface="Arial" panose="020B0604020202020204" pitchFamily="34" charset="0"/>
-              <a:buChar char="•"/>
-            </a:pPr>
-            <a:r>
-              <a:rPr lang="en-US"/>
-              <a:t>so this is an interesting learning for me that in those situations where you have a well studied topic with strong expert knowledge on predictros, modern machine learning will not necessarily give you an edge</a:t>
-            </a:r>
+            <a:endParaRPr lang="en-US"/>
           </a:p>
         </p:txBody>
       </p:sp>
@@ -1142,46 +1054,6 @@
               <a:buFont typeface="Arial" panose="020B0604020202020204" pitchFamily="34" charset="0"/>
               <a:buChar char="•"/>
             </a:pPr>
-            <a:r>
-              <a:rPr lang="en-US"/>
-              <a:t>in the first problem, I’m looking at 10,000 UK listings of used cars and trying to predict the price based on the car characteristics</a:t>
-            </a:r>
-          </a:p>
-          <a:p>
-            <a:pPr marL="171450" indent="-171450">
-              <a:buFont typeface="Arial" panose="020B0604020202020204" pitchFamily="34" charset="0"/>
-              <a:buChar char="•"/>
-            </a:pPr>
-            <a:r>
-              <a:rPr lang="en-US"/>
-              <a:t>this is quite interesting to me, because such prediction can be useful to both buyers and sellers, to avoid underpricing or to find a good existing price on the market</a:t>
-            </a:r>
-          </a:p>
-          <a:p>
-            <a:pPr marL="171450" indent="-171450">
-              <a:buFont typeface="Arial" panose="020B0604020202020204" pitchFamily="34" charset="0"/>
-              <a:buChar char="•"/>
-            </a:pPr>
-            <a:r>
-              <a:rPr lang="en-US"/>
-              <a:t>it’s even more interesting for me because some time ago I was looking for a car and was wondering if I would be able to get some prediction going</a:t>
-            </a:r>
-          </a:p>
-          <a:p>
-            <a:pPr marL="171450" indent="-171450">
-              <a:buFont typeface="Arial" panose="020B0604020202020204" pitchFamily="34" charset="0"/>
-              <a:buChar char="•"/>
-            </a:pPr>
-            <a:r>
-              <a:rPr lang="en-US"/>
-              <a:t>we’ll find out</a:t>
-            </a:r>
-          </a:p>
-          <a:p>
-            <a:pPr marL="171450" indent="-171450">
-              <a:buFont typeface="Arial" panose="020B0604020202020204" pitchFamily="34" charset="0"/>
-              <a:buChar char="•"/>
-            </a:pPr>
             <a:endParaRPr lang="en-US"/>
           </a:p>
         </p:txBody>
@@ -1270,10 +1142,7 @@
               <a:buFont typeface="Arial" panose="020B0604020202020204" pitchFamily="34" charset="0"/>
               <a:buChar char="•"/>
             </a:pPr>
-            <a:r>
-              <a:rPr lang="en-US"/>
-              <a:t>in the dataset we have both numeric and categorical variables, mostly focues on fuel efficiency, age and performance</a:t>
-            </a:r>
+            <a:endParaRPr lang="en-US"/>
           </a:p>
         </p:txBody>
       </p:sp>
@@ -1361,20 +1230,7 @@
               <a:buFont typeface="Arial" panose="020B0604020202020204" pitchFamily="34" charset="0"/>
               <a:buChar char="•"/>
             </a:pPr>
-            <a:r>
-              <a:rPr lang="en-US"/>
-              <a:t>Unsuprisingly: year (of production) is positively correlated with the price- mileage is negatively correlated with the price- engine size is positively correlated with the price</a:t>
-            </a:r>
-          </a:p>
-          <a:p>
-            <a:pPr marL="171450" indent="-171450">
-              <a:buFont typeface="Arial" panose="020B0604020202020204" pitchFamily="34" charset="0"/>
-              <a:buChar char="•"/>
-            </a:pPr>
-            <a:r>
-              <a:rPr lang="en-US"/>
-              <a:t>All of these display low to mdeium level of non-linearity around extreme values, so because I will use linear regression as a benchmark, it will definitely reduce the precision</a:t>
-            </a:r>
+            <a:endParaRPr lang="en-US"/>
           </a:p>
         </p:txBody>
       </p:sp>
@@ -1458,16 +1314,7 @@
           <a:bodyPr/>
           <a:lstStyle/>
           <a:p>
-            <a:r>
-              <a:rPr lang="en-US"/>
-              <a:t>Categorical variables seem informative e.g. automatic cars are positively associated with price, though there is not much difference between petrol and diesel cars in terms of price. </a:t>
-            </a:r>
-          </a:p>
-          <a:p>
-            <a:r>
-              <a:rPr lang="en-US"/>
-              <a:t>The model types had a high cardinality, so I left only the top 10 models which represented 95% of observations and grouped others. Unsuprisingly the prices vary greatly across model types.</a:t>
-            </a:r>
+            <a:endParaRPr lang="en-US"/>
           </a:p>
         </p:txBody>
       </p:sp>
@@ -1555,50 +1402,7 @@
               <a:buFont typeface="Arial" panose="020B0604020202020204" pitchFamily="34" charset="0"/>
               <a:buChar char="•"/>
             </a:pPr>
-            <a:r>
-              <a:rPr lang="en-US"/>
-              <a:t>as far as modeling is concerned, I’m using linear regression as a benchmark, and three methods we covered during the classes</a:t>
-            </a:r>
-          </a:p>
-          <a:p>
-            <a:pPr marL="171450" indent="-171450">
-              <a:buFont typeface="Arial" panose="020B0604020202020204" pitchFamily="34" charset="0"/>
-              <a:buChar char="•"/>
-            </a:pPr>
-            <a:r>
-              <a:rPr lang="en-US"/>
-              <a:t>Random forecast, XGBoost and neural networks</a:t>
-            </a:r>
-          </a:p>
-          <a:p>
-            <a:pPr marL="171450" indent="-171450">
-              <a:buFont typeface="Arial" panose="020B0604020202020204" pitchFamily="34" charset="0"/>
-              <a:buChar char="•"/>
-            </a:pPr>
-            <a:r>
-              <a:rPr lang="en-US"/>
-              <a:t>will asses on Mean Average Percentage Error, but will also look at Mean Absolute Error because it has a very nice tacticle feel, it is how much you would be out of pocket on average due to error</a:t>
-            </a:r>
-          </a:p>
-          <a:p>
-            <a:pPr marL="171450" indent="-171450">
-              <a:buFont typeface="Arial" panose="020B0604020202020204" pitchFamily="34" charset="0"/>
-              <a:buChar char="•"/>
-            </a:pPr>
-            <a:r>
-              <a:rPr lang="en-US"/>
-              <a:t>Root Mean Square Error just to see how outliers are impacting across models</a:t>
-            </a:r>
-          </a:p>
-          <a:p>
-            <a:pPr marL="171450" indent="-171450">
-              <a:buFont typeface="Arial" panose="020B0604020202020204" pitchFamily="34" charset="0"/>
-              <a:buChar char="•"/>
-            </a:pPr>
-            <a:r>
-              <a:rPr lang="en-US"/>
-              <a:t>Definitely expect XGBoost to perform the best</a:t>
-            </a:r>
+            <a:endParaRPr lang="en-US"/>
           </a:p>
         </p:txBody>
       </p:sp>
@@ -1686,60 +1490,7 @@
               <a:buFont typeface="Arial" panose="020B0604020202020204" pitchFamily="34" charset="0"/>
               <a:buChar char="•"/>
             </a:pPr>
-            <a:r>
-              <a:rPr lang="en-US"/>
-              <a:t>at training stage, I’m using 5-fold cross-validation, I’m using the scikit-learn pipelines, so any transformations I’m doing are trained separately on each split, so I’m getting a quite accurate estimate of performance</a:t>
-            </a:r>
-          </a:p>
-          <a:p>
-            <a:pPr marL="171450" indent="-171450">
-              <a:buFont typeface="Arial" panose="020B0604020202020204" pitchFamily="34" charset="0"/>
-              <a:buChar char="•"/>
-            </a:pPr>
-            <a:r>
-              <a:rPr lang="en-US"/>
-              <a:t>for linear regression I’m centering and scaling variables with Yeo-Johnson transformation</a:t>
-            </a:r>
-          </a:p>
-          <a:p>
-            <a:pPr marL="171450" indent="-171450">
-              <a:buFont typeface="Arial" panose="020B0604020202020204" pitchFamily="34" charset="0"/>
-              <a:buChar char="•"/>
-            </a:pPr>
-            <a:r>
-              <a:rPr lang="en-US"/>
-              <a:t>for random forest and linear regression I’m onehotencoding categorical variables</a:t>
-            </a:r>
-          </a:p>
-          <a:p>
-            <a:pPr marL="171450" indent="-171450">
-              <a:buFont typeface="Arial" panose="020B0604020202020204" pitchFamily="34" charset="0"/>
-              <a:buChar char="•"/>
-            </a:pPr>
-            <a:r>
-              <a:rPr lang="en-US"/>
-              <a:t>XGBoost, because I’m using the native API, will handle categories itself</a:t>
-            </a:r>
-          </a:p>
-          <a:p>
-            <a:pPr marL="171450" indent="-171450">
-              <a:buFont typeface="Arial" panose="020B0604020202020204" pitchFamily="34" charset="0"/>
-              <a:buChar char="•"/>
-            </a:pPr>
-            <a:r>
-              <a:rPr lang="en-US"/>
-              <a:t>for hyperparameter tuning, I’m using Bayesian optimization instead of standard grid or random search, so each combination of hyperparameters tried is guided by the previous ones. So we pick those combinations that are either maximizing the likelihood we’re gonna get improvement or are very different from the ones we tried so far so we simply don’t know</a:t>
-            </a:r>
-          </a:p>
-          <a:p>
-            <a:pPr marL="171450" indent="-171450">
-              <a:buFont typeface="Arial" panose="020B0604020202020204" pitchFamily="34" charset="0"/>
-              <a:buChar char="•"/>
-            </a:pPr>
-            <a:r>
-              <a:rPr lang="en-US"/>
-              <a:t>here you can see the final hyperparameters for random forest and XGBoost</a:t>
-            </a:r>
+            <a:endParaRPr lang="en-US"/>
           </a:p>
         </p:txBody>
       </p:sp>
@@ -1827,40 +1578,7 @@
               <a:buFont typeface="Arial" panose="020B0604020202020204" pitchFamily="34" charset="0"/>
               <a:buChar char="•"/>
             </a:pPr>
-            <a:r>
-              <a:rPr lang="en-US"/>
-              <a:t>final results are no surprise, linear regression did pretty badly, and XGBoost was the most accurate method, though the difference on test set in absolute terms is not that high</a:t>
-            </a:r>
-          </a:p>
-          <a:p>
-            <a:pPr marL="171450" indent="-171450">
-              <a:buFont typeface="Arial" panose="020B0604020202020204" pitchFamily="34" charset="0"/>
-              <a:buChar char="•"/>
-            </a:pPr>
-            <a:r>
-              <a:rPr lang="en-US"/>
-              <a:t>although overall we see that considering the average car cost 22k, the 1.4k error on average is still quite high</a:t>
-            </a:r>
-          </a:p>
-          <a:p>
-            <a:pPr marL="171450" indent="-171450">
-              <a:buFont typeface="Arial" panose="020B0604020202020204" pitchFamily="34" charset="0"/>
-              <a:buChar char="•"/>
-            </a:pPr>
-            <a:r>
-              <a:rPr lang="en-US"/>
-              <a:t>however, the interesting thing we should note that test performance is better that cross-validated training score, and this is because the final model was trained on full training data, so it had 25% more observations</a:t>
-            </a:r>
-          </a:p>
-          <a:p>
-            <a:pPr marL="171450" indent="-171450">
-              <a:buFont typeface="Arial" panose="020B0604020202020204" pitchFamily="34" charset="0"/>
-              <a:buChar char="•"/>
-            </a:pPr>
-            <a:r>
-              <a:rPr lang="en-US"/>
-              <a:t>this means that we can expect random forest and XGBoost to benefit quite a lot from additional data</a:t>
-            </a:r>
+            <a:endParaRPr lang="en-US"/>
           </a:p>
         </p:txBody>
       </p:sp>
@@ -1948,30 +1666,7 @@
               <a:buFont typeface="Arial" panose="020B0604020202020204" pitchFamily="34" charset="0"/>
               <a:buChar char="•"/>
             </a:pPr>
-            <a:r>
-              <a:rPr lang="en-US"/>
-              <a:t>for the classification task I’m trying to predict if a person is a diabetic based on their responses</a:t>
-            </a:r>
-          </a:p>
-          <a:p>
-            <a:pPr marL="171450" indent="-171450">
-              <a:buFont typeface="Arial" panose="020B0604020202020204" pitchFamily="34" charset="0"/>
-              <a:buChar char="•"/>
-            </a:pPr>
-            <a:r>
-              <a:rPr lang="en-US"/>
-              <a:t>based on survey ran by CDC where they call up people with diabetes and healthy people, ask them some questions</a:t>
-            </a:r>
-          </a:p>
-          <a:p>
-            <a:pPr marL="171450" indent="-171450">
-              <a:buFont typeface="Arial" panose="020B0604020202020204" pitchFamily="34" charset="0"/>
-              <a:buChar char="•"/>
-            </a:pPr>
-            <a:r>
-              <a:rPr lang="en-US"/>
-              <a:t>which is potentially very impactful, because if we are accurate enough, we can than start screening people who we don’t know if they are diabetics, and potentially for those who are at risk, help them change their lifestyle</a:t>
-            </a:r>
+            <a:endParaRPr lang="en-US"/>
           </a:p>
         </p:txBody>
       </p:sp>

--- a/slides/ML2_deck.pptx
+++ b/slides/ML2_deck.pptx
@@ -4022,7 +4022,7 @@
         <p:spPr>
           <a:xfrm>
             <a:off x="4422491" y="1992479"/>
-            <a:ext cx="6973018" cy="931718"/>
+            <a:ext cx="6542373" cy="931718"/>
           </a:xfrm>
           <a:prstGeom prst="roundRect">
             <a:avLst/>
